--- a/dsm2/presentations/p1_channel.pptx
+++ b/dsm2/presentations/p1_channel.pptx
@@ -37,7 +37,7 @@
     <a:defPPr>
       <a:defRPr lang="en-US"/>
     </a:defPPr>
-    <a:lvl1pPr algn="ctr" rtl="0" eaLnBrk="0" fontAlgn="base" hangingPunct="0">
+    <a:lvl1pPr algn="l" rtl="0" fontAlgn="base">
       <a:spcBef>
         <a:spcPct val="0"/>
       </a:spcBef>
@@ -53,7 +53,7 @@
         <a:cs typeface="+mn-cs"/>
       </a:defRPr>
     </a:lvl1pPr>
-    <a:lvl2pPr marL="457200" algn="ctr" rtl="0" eaLnBrk="0" fontAlgn="base" hangingPunct="0">
+    <a:lvl2pPr marL="457200" algn="l" rtl="0" fontAlgn="base">
       <a:spcBef>
         <a:spcPct val="0"/>
       </a:spcBef>
@@ -69,7 +69,7 @@
         <a:cs typeface="+mn-cs"/>
       </a:defRPr>
     </a:lvl2pPr>
-    <a:lvl3pPr marL="914400" algn="ctr" rtl="0" eaLnBrk="0" fontAlgn="base" hangingPunct="0">
+    <a:lvl3pPr marL="914400" algn="l" rtl="0" fontAlgn="base">
       <a:spcBef>
         <a:spcPct val="0"/>
       </a:spcBef>
@@ -85,7 +85,7 @@
         <a:cs typeface="+mn-cs"/>
       </a:defRPr>
     </a:lvl3pPr>
-    <a:lvl4pPr marL="1371600" algn="ctr" rtl="0" eaLnBrk="0" fontAlgn="base" hangingPunct="0">
+    <a:lvl4pPr marL="1371600" algn="l" rtl="0" fontAlgn="base">
       <a:spcBef>
         <a:spcPct val="0"/>
       </a:spcBef>
@@ -101,7 +101,7 @@
         <a:cs typeface="+mn-cs"/>
       </a:defRPr>
     </a:lvl4pPr>
-    <a:lvl5pPr marL="1828800" algn="ctr" rtl="0" eaLnBrk="0" fontAlgn="base" hangingPunct="0">
+    <a:lvl5pPr marL="1828800" algn="l" rtl="0" fontAlgn="base">
       <a:spcBef>
         <a:spcPct val="0"/>
       </a:spcBef>
@@ -220,13 +220,16 @@
             </a:prstTxWarp>
           </a:bodyPr>
           <a:lstStyle>
-            <a:lvl1pPr algn="l">
+            <a:lvl1pPr algn="l" eaLnBrk="0" hangingPunct="0">
               <a:defRPr sz="1200" b="0">
                 <a:latin typeface="Times New Roman" pitchFamily="18" charset="0"/>
               </a:defRPr>
             </a:lvl1pPr>
           </a:lstStyle>
           <a:p>
+            <a:pPr>
+              <a:defRPr/>
+            </a:pPr>
             <a:r>
               <a:rPr lang="en-US"/>
               <a:t>DSM2 Users Group: "EXAMPLE: Filling in Martinez Stage"</a:t>
@@ -268,13 +271,16 @@
             </a:prstTxWarp>
           </a:bodyPr>
           <a:lstStyle>
-            <a:lvl1pPr algn="r">
+            <a:lvl1pPr algn="r" eaLnBrk="0" hangingPunct="0">
               <a:defRPr sz="1200" b="0">
                 <a:latin typeface="Times New Roman" pitchFamily="18" charset="0"/>
               </a:defRPr>
             </a:lvl1pPr>
           </a:lstStyle>
           <a:p>
+            <a:pPr>
+              <a:defRPr/>
+            </a:pPr>
             <a:r>
               <a:rPr lang="en-US"/>
               <a:t>2004.04.27</a:t>
@@ -316,13 +322,16 @@
             </a:prstTxWarp>
           </a:bodyPr>
           <a:lstStyle>
-            <a:lvl1pPr algn="l">
+            <a:lvl1pPr algn="l" eaLnBrk="0" hangingPunct="0">
               <a:defRPr sz="1200" b="0">
                 <a:latin typeface="Times New Roman" pitchFamily="18" charset="0"/>
               </a:defRPr>
             </a:lvl1pPr>
           </a:lstStyle>
           <a:p>
+            <a:pPr>
+              <a:defRPr/>
+            </a:pPr>
             <a:endParaRPr lang="en-US"/>
           </a:p>
         </p:txBody>
@@ -361,16 +370,21 @@
             </a:prstTxWarp>
           </a:bodyPr>
           <a:lstStyle>
-            <a:lvl1pPr algn="r">
+            <a:lvl1pPr algn="r" eaLnBrk="0" hangingPunct="0">
               <a:defRPr sz="1200" b="0">
                 <a:latin typeface="Times New Roman" pitchFamily="18" charset="0"/>
               </a:defRPr>
             </a:lvl1pPr>
           </a:lstStyle>
           <a:p>
-            <a:fld id="{4476CEEA-DABC-47BF-8ACE-E3D911822494}" type="slidenum">
+            <a:pPr>
+              <a:defRPr/>
+            </a:pPr>
+            <a:fld id="{C2359719-2ABB-46D7-A667-B550FC295F81}" type="slidenum">
               <a:rPr lang="en-US"/>
-              <a:pPr/>
+              <a:pPr>
+                <a:defRPr/>
+              </a:pPr>
               <a:t>‹#›</a:t>
             </a:fld>
             <a:endParaRPr lang="en-US"/>
@@ -442,13 +456,16 @@
             </a:prstTxWarp>
           </a:bodyPr>
           <a:lstStyle>
-            <a:lvl1pPr algn="l">
+            <a:lvl1pPr algn="l" eaLnBrk="0" hangingPunct="0">
               <a:defRPr sz="1200" b="0">
                 <a:latin typeface="Times New Roman" pitchFamily="18" charset="0"/>
               </a:defRPr>
             </a:lvl1pPr>
           </a:lstStyle>
           <a:p>
+            <a:pPr>
+              <a:defRPr/>
+            </a:pPr>
             <a:r>
               <a:rPr lang="en-US"/>
               <a:t>DSM2 Users Group: "EXAMPLE: Filling in Martinez Stage"</a:t>
@@ -490,13 +507,16 @@
             </a:prstTxWarp>
           </a:bodyPr>
           <a:lstStyle>
-            <a:lvl1pPr algn="r">
+            <a:lvl1pPr algn="r" eaLnBrk="0" hangingPunct="0">
               <a:defRPr sz="1200" b="0">
                 <a:latin typeface="Times New Roman" pitchFamily="18" charset="0"/>
               </a:defRPr>
             </a:lvl1pPr>
           </a:lstStyle>
           <a:p>
+            <a:pPr>
+              <a:defRPr/>
+            </a:pPr>
             <a:r>
               <a:rPr lang="en-US"/>
               <a:t>2004.04.27</a:t>
@@ -506,7 +526,7 @@
       </p:sp>
       <p:sp>
         <p:nvSpPr>
-          <p:cNvPr id="12292" name="Rectangle 4"/>
+          <p:cNvPr id="13316" name="Rectangle 4"/>
           <p:cNvSpPr>
             <a:spLocks noGrp="1" noRot="1" noChangeAspect="1" noChangeArrowheads="1" noTextEdit="1"/>
           </p:cNvSpPr>
@@ -531,7 +551,6 @@
             <a:headEnd/>
             <a:tailEnd/>
           </a:ln>
-          <a:effectLst/>
         </p:spPr>
       </p:sp>
       <p:sp>
@@ -571,35 +590,35 @@
           <a:p>
             <a:pPr lvl="0"/>
             <a:r>
-              <a:rPr lang="en-US" smtClean="0"/>
+              <a:rPr lang="en-US" noProof="0" smtClean="0"/>
               <a:t>Click to edit Master text styles</a:t>
             </a:r>
           </a:p>
           <a:p>
             <a:pPr lvl="1"/>
             <a:r>
-              <a:rPr lang="en-US" smtClean="0"/>
+              <a:rPr lang="en-US" noProof="0" smtClean="0"/>
               <a:t>Second level</a:t>
             </a:r>
           </a:p>
           <a:p>
             <a:pPr lvl="2"/>
             <a:r>
-              <a:rPr lang="en-US" smtClean="0"/>
+              <a:rPr lang="en-US" noProof="0" smtClean="0"/>
               <a:t>Third level</a:t>
             </a:r>
           </a:p>
           <a:p>
             <a:pPr lvl="3"/>
             <a:r>
-              <a:rPr lang="en-US" smtClean="0"/>
+              <a:rPr lang="en-US" noProof="0" smtClean="0"/>
               <a:t>Fourth level</a:t>
             </a:r>
           </a:p>
           <a:p>
             <a:pPr lvl="4"/>
             <a:r>
-              <a:rPr lang="en-US" smtClean="0"/>
+              <a:rPr lang="en-US" noProof="0" smtClean="0"/>
               <a:t>Fifth level</a:t>
             </a:r>
           </a:p>
@@ -639,13 +658,16 @@
             </a:prstTxWarp>
           </a:bodyPr>
           <a:lstStyle>
-            <a:lvl1pPr algn="l">
+            <a:lvl1pPr algn="l" eaLnBrk="0" hangingPunct="0">
               <a:defRPr sz="1200" b="0">
                 <a:latin typeface="Times New Roman" pitchFamily="18" charset="0"/>
               </a:defRPr>
             </a:lvl1pPr>
           </a:lstStyle>
           <a:p>
+            <a:pPr>
+              <a:defRPr/>
+            </a:pPr>
             <a:endParaRPr lang="en-US"/>
           </a:p>
         </p:txBody>
@@ -684,16 +706,21 @@
             </a:prstTxWarp>
           </a:bodyPr>
           <a:lstStyle>
-            <a:lvl1pPr algn="r">
+            <a:lvl1pPr algn="r" eaLnBrk="0" hangingPunct="0">
               <a:defRPr sz="1200" b="0">
                 <a:latin typeface="Times New Roman" pitchFamily="18" charset="0"/>
               </a:defRPr>
             </a:lvl1pPr>
           </a:lstStyle>
           <a:p>
-            <a:fld id="{8D3EB24B-42D1-409E-999A-7EC16A8B48A4}" type="slidenum">
+            <a:pPr>
+              <a:defRPr/>
+            </a:pPr>
+            <a:fld id="{B3BB42BE-E933-4C1C-A00D-11B24B4EA72C}" type="slidenum">
               <a:rPr lang="en-US"/>
-              <a:pPr/>
+              <a:pPr>
+                <a:defRPr/>
+              </a:pPr>
               <a:t>‹#›</a:t>
             </a:fld>
             <a:endParaRPr lang="en-US"/>
@@ -848,7 +875,7 @@
       </p:grpSpPr>
       <p:sp>
         <p:nvSpPr>
-          <p:cNvPr id="4" name="Rectangle 2"/>
+          <p:cNvPr id="16385" name="Rectangle 2"/>
           <p:cNvSpPr>
             <a:spLocks noGrp="1" noChangeArrowheads="1"/>
           </p:cNvSpPr>
@@ -857,14 +884,14 @@
           </p:nvPr>
         </p:nvSpPr>
         <p:spPr>
-          <a:ln/>
+          <a:noFill/>
         </p:spPr>
         <p:txBody>
           <a:bodyPr/>
           <a:lstStyle/>
           <a:p>
             <a:r>
-              <a:rPr lang="en-US"/>
+              <a:rPr lang="en-US" smtClean="0"/>
               <a:t>DSM2 Users Group: "EXAMPLE: Filling in Martinez Stage"</a:t>
             </a:r>
           </a:p>
@@ -872,23 +899,23 @@
       </p:sp>
       <p:sp>
         <p:nvSpPr>
-          <p:cNvPr id="5" name="Rectangle 3"/>
+          <p:cNvPr id="16386" name="Rectangle 3"/>
           <p:cNvSpPr>
             <a:spLocks noGrp="1" noChangeArrowheads="1"/>
           </p:cNvSpPr>
           <p:nvPr>
-            <p:ph type="dt" idx="1"/>
+            <p:ph type="dt" sz="quarter" idx="1"/>
           </p:nvPr>
         </p:nvSpPr>
         <p:spPr>
-          <a:ln/>
+          <a:noFill/>
         </p:spPr>
         <p:txBody>
           <a:bodyPr/>
           <a:lstStyle/>
           <a:p>
             <a:r>
-              <a:rPr lang="en-US"/>
+              <a:rPr lang="en-US" smtClean="0"/>
               <a:t>2004.04.27</a:t>
             </a:r>
           </a:p>
@@ -896,7 +923,7 @@
       </p:sp>
       <p:sp>
         <p:nvSpPr>
-          <p:cNvPr id="6" name="Rectangle 7"/>
+          <p:cNvPr id="16387" name="Rectangle 7"/>
           <p:cNvSpPr>
             <a:spLocks noGrp="1" noChangeArrowheads="1"/>
           </p:cNvSpPr>
@@ -905,24 +932,24 @@
           </p:nvPr>
         </p:nvSpPr>
         <p:spPr>
-          <a:ln/>
+          <a:noFill/>
         </p:spPr>
         <p:txBody>
           <a:bodyPr/>
           <a:lstStyle/>
           <a:p>
-            <a:fld id="{A1FD88C7-F46E-4F69-9FAD-0E0ED04CBE5A}" type="slidenum">
-              <a:rPr lang="en-US"/>
+            <a:fld id="{6ABA92F1-EF29-493B-8601-E51981702337}" type="slidenum">
+              <a:rPr lang="en-US" smtClean="0"/>
               <a:pPr/>
               <a:t>1</a:t>
             </a:fld>
-            <a:endParaRPr lang="en-US"/>
-          </a:p>
-        </p:txBody>
-      </p:sp>
-      <p:sp>
-        <p:nvSpPr>
-          <p:cNvPr id="413698" name="Rectangle 2"/>
+            <a:endParaRPr lang="en-US" smtClean="0"/>
+          </a:p>
+        </p:txBody>
+      </p:sp>
+      <p:sp>
+        <p:nvSpPr>
+          <p:cNvPr id="16388" name="Rectangle 2"/>
           <p:cNvSpPr>
             <a:spLocks noGrp="1" noRot="1" noChangeAspect="1" noChangeArrowheads="1" noTextEdit="1"/>
           </p:cNvSpPr>
@@ -936,7 +963,7 @@
       </p:sp>
       <p:sp>
         <p:nvSpPr>
-          <p:cNvPr id="413699" name="Rectangle 3"/>
+          <p:cNvPr id="16389" name="Rectangle 3"/>
           <p:cNvSpPr>
             <a:spLocks noGrp="1" noChangeArrowheads="1"/>
           </p:cNvSpPr>
@@ -944,13 +971,700 @@
             <p:ph type="body" idx="1"/>
           </p:nvPr>
         </p:nvSpPr>
-        <p:spPr/>
+        <p:spPr>
+          <a:noFill/>
+          <a:ln/>
+        </p:spPr>
         <p:txBody>
           <a:bodyPr/>
           <a:lstStyle/>
           <a:p>
             <a:pPr marL="228600" indent="-228600"/>
-            <a:endParaRPr lang="en-US"/>
+            <a:endParaRPr lang="en-US" smtClean="0"/>
+          </a:p>
+        </p:txBody>
+      </p:sp>
+    </p:spTree>
+  </p:cSld>
+  <p:clrMapOvr>
+    <a:masterClrMapping/>
+  </p:clrMapOvr>
+</p:notes>
+</file>
+
+<file path=ppt/notesSlides/notesSlide10.xml><?xml version="1.0" encoding="utf-8"?>
+<p:notes xmlns:a="http://schemas.openxmlformats.org/drawingml/2006/main" xmlns:r="http://schemas.openxmlformats.org/officeDocument/2006/relationships" xmlns:p="http://schemas.openxmlformats.org/presentationml/2006/main">
+  <p:cSld>
+    <p:spTree>
+      <p:nvGrpSpPr>
+        <p:cNvPr id="1" name=""/>
+        <p:cNvGrpSpPr/>
+        <p:nvPr/>
+      </p:nvGrpSpPr>
+      <p:grpSpPr>
+        <a:xfrm>
+          <a:off x="0" y="0"/>
+          <a:ext cx="0" cy="0"/>
+          <a:chOff x="0" y="0"/>
+          <a:chExt cx="0" cy="0"/>
+        </a:xfrm>
+      </p:grpSpPr>
+      <p:sp>
+        <p:nvSpPr>
+          <p:cNvPr id="46082" name="Rectangle 2"/>
+          <p:cNvSpPr>
+            <a:spLocks noGrp="1" noRot="1" noChangeAspect="1" noChangeArrowheads="1" noTextEdit="1"/>
+          </p:cNvSpPr>
+          <p:nvPr>
+            <p:ph type="sldImg"/>
+          </p:nvPr>
+        </p:nvSpPr>
+        <p:spPr>
+          <a:ln/>
+        </p:spPr>
+      </p:sp>
+      <p:sp>
+        <p:nvSpPr>
+          <p:cNvPr id="46083" name="Rectangle 3"/>
+          <p:cNvSpPr>
+            <a:spLocks noGrp="1" noChangeArrowheads="1"/>
+          </p:cNvSpPr>
+          <p:nvPr>
+            <p:ph type="body" idx="1"/>
+          </p:nvPr>
+        </p:nvSpPr>
+        <p:spPr>
+          <a:noFill/>
+          <a:ln/>
+        </p:spPr>
+        <p:txBody>
+          <a:bodyPr/>
+          <a:lstStyle/>
+          <a:p>
+            <a:endParaRPr lang="en-US" smtClean="0"/>
+          </a:p>
+        </p:txBody>
+      </p:sp>
+    </p:spTree>
+  </p:cSld>
+  <p:clrMapOvr>
+    <a:masterClrMapping/>
+  </p:clrMapOvr>
+</p:notes>
+</file>
+
+<file path=ppt/notesSlides/notesSlide11.xml><?xml version="1.0" encoding="utf-8"?>
+<p:notes xmlns:a="http://schemas.openxmlformats.org/drawingml/2006/main" xmlns:r="http://schemas.openxmlformats.org/officeDocument/2006/relationships" xmlns:p="http://schemas.openxmlformats.org/presentationml/2006/main">
+  <p:cSld>
+    <p:spTree>
+      <p:nvGrpSpPr>
+        <p:cNvPr id="1" name=""/>
+        <p:cNvGrpSpPr/>
+        <p:nvPr/>
+      </p:nvGrpSpPr>
+      <p:grpSpPr>
+        <a:xfrm>
+          <a:off x="0" y="0"/>
+          <a:ext cx="0" cy="0"/>
+          <a:chOff x="0" y="0"/>
+          <a:chExt cx="0" cy="0"/>
+        </a:xfrm>
+      </p:grpSpPr>
+      <p:sp>
+        <p:nvSpPr>
+          <p:cNvPr id="47106" name="Rectangle 2"/>
+          <p:cNvSpPr>
+            <a:spLocks noGrp="1" noRot="1" noChangeAspect="1" noChangeArrowheads="1" noTextEdit="1"/>
+          </p:cNvSpPr>
+          <p:nvPr>
+            <p:ph type="sldImg"/>
+          </p:nvPr>
+        </p:nvSpPr>
+        <p:spPr>
+          <a:ln/>
+        </p:spPr>
+      </p:sp>
+      <p:sp>
+        <p:nvSpPr>
+          <p:cNvPr id="47107" name="Rectangle 3"/>
+          <p:cNvSpPr>
+            <a:spLocks noGrp="1" noChangeArrowheads="1"/>
+          </p:cNvSpPr>
+          <p:nvPr>
+            <p:ph type="body" idx="1"/>
+          </p:nvPr>
+        </p:nvSpPr>
+        <p:spPr>
+          <a:noFill/>
+          <a:ln/>
+        </p:spPr>
+        <p:txBody>
+          <a:bodyPr/>
+          <a:lstStyle/>
+          <a:p>
+            <a:endParaRPr lang="en-US" smtClean="0"/>
+          </a:p>
+        </p:txBody>
+      </p:sp>
+    </p:spTree>
+  </p:cSld>
+  <p:clrMapOvr>
+    <a:masterClrMapping/>
+  </p:clrMapOvr>
+</p:notes>
+</file>
+
+<file path=ppt/notesSlides/notesSlide12.xml><?xml version="1.0" encoding="utf-8"?>
+<p:notes xmlns:a="http://schemas.openxmlformats.org/drawingml/2006/main" xmlns:r="http://schemas.openxmlformats.org/officeDocument/2006/relationships" xmlns:p="http://schemas.openxmlformats.org/presentationml/2006/main">
+  <p:cSld>
+    <p:spTree>
+      <p:nvGrpSpPr>
+        <p:cNvPr id="1" name=""/>
+        <p:cNvGrpSpPr/>
+        <p:nvPr/>
+      </p:nvGrpSpPr>
+      <p:grpSpPr>
+        <a:xfrm>
+          <a:off x="0" y="0"/>
+          <a:ext cx="0" cy="0"/>
+          <a:chOff x="0" y="0"/>
+          <a:chExt cx="0" cy="0"/>
+        </a:xfrm>
+      </p:grpSpPr>
+      <p:sp>
+        <p:nvSpPr>
+          <p:cNvPr id="48130" name="Rectangle 2"/>
+          <p:cNvSpPr>
+            <a:spLocks noGrp="1" noRot="1" noChangeAspect="1" noChangeArrowheads="1" noTextEdit="1"/>
+          </p:cNvSpPr>
+          <p:nvPr>
+            <p:ph type="sldImg"/>
+          </p:nvPr>
+        </p:nvSpPr>
+        <p:spPr>
+          <a:ln/>
+        </p:spPr>
+      </p:sp>
+      <p:sp>
+        <p:nvSpPr>
+          <p:cNvPr id="48131" name="Rectangle 3"/>
+          <p:cNvSpPr>
+            <a:spLocks noGrp="1" noChangeArrowheads="1"/>
+          </p:cNvSpPr>
+          <p:nvPr>
+            <p:ph type="body" idx="1"/>
+          </p:nvPr>
+        </p:nvSpPr>
+        <p:spPr>
+          <a:noFill/>
+          <a:ln/>
+        </p:spPr>
+        <p:txBody>
+          <a:bodyPr/>
+          <a:lstStyle/>
+          <a:p>
+            <a:endParaRPr lang="en-US" smtClean="0"/>
+          </a:p>
+        </p:txBody>
+      </p:sp>
+    </p:spTree>
+  </p:cSld>
+  <p:clrMapOvr>
+    <a:masterClrMapping/>
+  </p:clrMapOvr>
+</p:notes>
+</file>
+
+<file path=ppt/notesSlides/notesSlide13.xml><?xml version="1.0" encoding="utf-8"?>
+<p:notes xmlns:a="http://schemas.openxmlformats.org/drawingml/2006/main" xmlns:r="http://schemas.openxmlformats.org/officeDocument/2006/relationships" xmlns:p="http://schemas.openxmlformats.org/presentationml/2006/main">
+  <p:cSld>
+    <p:spTree>
+      <p:nvGrpSpPr>
+        <p:cNvPr id="1" name=""/>
+        <p:cNvGrpSpPr/>
+        <p:nvPr/>
+      </p:nvGrpSpPr>
+      <p:grpSpPr>
+        <a:xfrm>
+          <a:off x="0" y="0"/>
+          <a:ext cx="0" cy="0"/>
+          <a:chOff x="0" y="0"/>
+          <a:chExt cx="0" cy="0"/>
+        </a:xfrm>
+      </p:grpSpPr>
+      <p:sp>
+        <p:nvSpPr>
+          <p:cNvPr id="29697" name="Slide Image Placeholder 1"/>
+          <p:cNvSpPr>
+            <a:spLocks noGrp="1" noRot="1" noChangeAspect="1"/>
+          </p:cNvSpPr>
+          <p:nvPr>
+            <p:ph type="sldImg"/>
+          </p:nvPr>
+        </p:nvSpPr>
+        <p:spPr>
+          <a:ln/>
+        </p:spPr>
+      </p:sp>
+      <p:sp>
+        <p:nvSpPr>
+          <p:cNvPr id="29698" name="Notes Placeholder 2"/>
+          <p:cNvSpPr>
+            <a:spLocks noGrp="1"/>
+          </p:cNvSpPr>
+          <p:nvPr>
+            <p:ph type="body" idx="1"/>
+          </p:nvPr>
+        </p:nvSpPr>
+        <p:spPr>
+          <a:noFill/>
+          <a:ln/>
+        </p:spPr>
+        <p:txBody>
+          <a:bodyPr/>
+          <a:lstStyle/>
+          <a:p>
+            <a:endParaRPr lang="en-US" smtClean="0"/>
+          </a:p>
+        </p:txBody>
+      </p:sp>
+      <p:sp>
+        <p:nvSpPr>
+          <p:cNvPr id="29699" name="Header Placeholder 3"/>
+          <p:cNvSpPr>
+            <a:spLocks noGrp="1"/>
+          </p:cNvSpPr>
+          <p:nvPr>
+            <p:ph type="hdr" sz="quarter"/>
+          </p:nvPr>
+        </p:nvSpPr>
+        <p:spPr>
+          <a:noFill/>
+        </p:spPr>
+        <p:txBody>
+          <a:bodyPr/>
+          <a:lstStyle/>
+          <a:p>
+            <a:r>
+              <a:rPr lang="en-US" smtClean="0"/>
+              <a:t>DSM2 Users Group: "EXAMPLE: Filling in Martinez Stage"</a:t>
+            </a:r>
+          </a:p>
+        </p:txBody>
+      </p:sp>
+      <p:sp>
+        <p:nvSpPr>
+          <p:cNvPr id="29700" name="Date Placeholder 4"/>
+          <p:cNvSpPr>
+            <a:spLocks noGrp="1"/>
+          </p:cNvSpPr>
+          <p:nvPr>
+            <p:ph type="dt" sz="quarter" idx="1"/>
+          </p:nvPr>
+        </p:nvSpPr>
+        <p:spPr>
+          <a:noFill/>
+        </p:spPr>
+        <p:txBody>
+          <a:bodyPr/>
+          <a:lstStyle/>
+          <a:p>
+            <a:r>
+              <a:rPr lang="en-US" smtClean="0"/>
+              <a:t>2004.04.27</a:t>
+            </a:r>
+          </a:p>
+        </p:txBody>
+      </p:sp>
+      <p:sp>
+        <p:nvSpPr>
+          <p:cNvPr id="29701" name="Slide Number Placeholder 5"/>
+          <p:cNvSpPr>
+            <a:spLocks noGrp="1"/>
+          </p:cNvSpPr>
+          <p:nvPr>
+            <p:ph type="sldNum" sz="quarter" idx="5"/>
+          </p:nvPr>
+        </p:nvSpPr>
+        <p:spPr>
+          <a:noFill/>
+        </p:spPr>
+        <p:txBody>
+          <a:bodyPr/>
+          <a:lstStyle/>
+          <a:p>
+            <a:fld id="{51371666-6E5B-4243-8E74-98BB3863A9CE}" type="slidenum">
+              <a:rPr lang="en-US" smtClean="0"/>
+              <a:pPr/>
+              <a:t>13</a:t>
+            </a:fld>
+            <a:endParaRPr lang="en-US" smtClean="0"/>
+          </a:p>
+        </p:txBody>
+      </p:sp>
+    </p:spTree>
+  </p:cSld>
+  <p:clrMapOvr>
+    <a:masterClrMapping/>
+  </p:clrMapOvr>
+</p:notes>
+</file>
+
+<file path=ppt/notesSlides/notesSlide14.xml><?xml version="1.0" encoding="utf-8"?>
+<p:notes xmlns:a="http://schemas.openxmlformats.org/drawingml/2006/main" xmlns:r="http://schemas.openxmlformats.org/officeDocument/2006/relationships" xmlns:p="http://schemas.openxmlformats.org/presentationml/2006/main">
+  <p:cSld>
+    <p:spTree>
+      <p:nvGrpSpPr>
+        <p:cNvPr id="1" name=""/>
+        <p:cNvGrpSpPr/>
+        <p:nvPr/>
+      </p:nvGrpSpPr>
+      <p:grpSpPr>
+        <a:xfrm>
+          <a:off x="0" y="0"/>
+          <a:ext cx="0" cy="0"/>
+          <a:chOff x="0" y="0"/>
+          <a:chExt cx="0" cy="0"/>
+        </a:xfrm>
+      </p:grpSpPr>
+      <p:sp>
+        <p:nvSpPr>
+          <p:cNvPr id="49154" name="Rectangle 2"/>
+          <p:cNvSpPr>
+            <a:spLocks noGrp="1" noRot="1" noChangeAspect="1" noChangeArrowheads="1" noTextEdit="1"/>
+          </p:cNvSpPr>
+          <p:nvPr>
+            <p:ph type="sldImg"/>
+          </p:nvPr>
+        </p:nvSpPr>
+        <p:spPr>
+          <a:ln/>
+        </p:spPr>
+      </p:sp>
+      <p:sp>
+        <p:nvSpPr>
+          <p:cNvPr id="49155" name="Rectangle 3"/>
+          <p:cNvSpPr>
+            <a:spLocks noGrp="1" noChangeArrowheads="1"/>
+          </p:cNvSpPr>
+          <p:nvPr>
+            <p:ph type="body" idx="1"/>
+          </p:nvPr>
+        </p:nvSpPr>
+        <p:spPr>
+          <a:noFill/>
+          <a:ln/>
+        </p:spPr>
+        <p:txBody>
+          <a:bodyPr/>
+          <a:lstStyle/>
+          <a:p>
+            <a:endParaRPr lang="en-US" smtClean="0"/>
+          </a:p>
+        </p:txBody>
+      </p:sp>
+    </p:spTree>
+  </p:cSld>
+  <p:clrMapOvr>
+    <a:masterClrMapping/>
+  </p:clrMapOvr>
+</p:notes>
+</file>
+
+<file path=ppt/notesSlides/notesSlide15.xml><?xml version="1.0" encoding="utf-8"?>
+<p:notes xmlns:a="http://schemas.openxmlformats.org/drawingml/2006/main" xmlns:r="http://schemas.openxmlformats.org/officeDocument/2006/relationships" xmlns:p="http://schemas.openxmlformats.org/presentationml/2006/main">
+  <p:cSld>
+    <p:spTree>
+      <p:nvGrpSpPr>
+        <p:cNvPr id="1" name=""/>
+        <p:cNvGrpSpPr/>
+        <p:nvPr/>
+      </p:nvGrpSpPr>
+      <p:grpSpPr>
+        <a:xfrm>
+          <a:off x="0" y="0"/>
+          <a:ext cx="0" cy="0"/>
+          <a:chOff x="0" y="0"/>
+          <a:chExt cx="0" cy="0"/>
+        </a:xfrm>
+      </p:grpSpPr>
+      <p:sp>
+        <p:nvSpPr>
+          <p:cNvPr id="50178" name="Rectangle 2"/>
+          <p:cNvSpPr>
+            <a:spLocks noGrp="1" noRot="1" noChangeAspect="1" noChangeArrowheads="1" noTextEdit="1"/>
+          </p:cNvSpPr>
+          <p:nvPr>
+            <p:ph type="sldImg"/>
+          </p:nvPr>
+        </p:nvSpPr>
+        <p:spPr>
+          <a:ln/>
+        </p:spPr>
+      </p:sp>
+      <p:sp>
+        <p:nvSpPr>
+          <p:cNvPr id="50179" name="Rectangle 3"/>
+          <p:cNvSpPr>
+            <a:spLocks noGrp="1" noChangeArrowheads="1"/>
+          </p:cNvSpPr>
+          <p:nvPr>
+            <p:ph type="body" idx="1"/>
+          </p:nvPr>
+        </p:nvSpPr>
+        <p:spPr>
+          <a:noFill/>
+          <a:ln/>
+        </p:spPr>
+        <p:txBody>
+          <a:bodyPr/>
+          <a:lstStyle/>
+          <a:p>
+            <a:endParaRPr lang="en-US" smtClean="0"/>
+          </a:p>
+        </p:txBody>
+      </p:sp>
+    </p:spTree>
+  </p:cSld>
+  <p:clrMapOvr>
+    <a:masterClrMapping/>
+  </p:clrMapOvr>
+</p:notes>
+</file>
+
+<file path=ppt/notesSlides/notesSlide16.xml><?xml version="1.0" encoding="utf-8"?>
+<p:notes xmlns:a="http://schemas.openxmlformats.org/drawingml/2006/main" xmlns:r="http://schemas.openxmlformats.org/officeDocument/2006/relationships" xmlns:p="http://schemas.openxmlformats.org/presentationml/2006/main">
+  <p:cSld>
+    <p:spTree>
+      <p:nvGrpSpPr>
+        <p:cNvPr id="1" name=""/>
+        <p:cNvGrpSpPr/>
+        <p:nvPr/>
+      </p:nvGrpSpPr>
+      <p:grpSpPr>
+        <a:xfrm>
+          <a:off x="0" y="0"/>
+          <a:ext cx="0" cy="0"/>
+          <a:chOff x="0" y="0"/>
+          <a:chExt cx="0" cy="0"/>
+        </a:xfrm>
+      </p:grpSpPr>
+      <p:sp>
+        <p:nvSpPr>
+          <p:cNvPr id="51202" name="Rectangle 2"/>
+          <p:cNvSpPr>
+            <a:spLocks noGrp="1" noRot="1" noChangeAspect="1" noChangeArrowheads="1" noTextEdit="1"/>
+          </p:cNvSpPr>
+          <p:nvPr>
+            <p:ph type="sldImg"/>
+          </p:nvPr>
+        </p:nvSpPr>
+        <p:spPr>
+          <a:ln/>
+        </p:spPr>
+      </p:sp>
+      <p:sp>
+        <p:nvSpPr>
+          <p:cNvPr id="51203" name="Rectangle 3"/>
+          <p:cNvSpPr>
+            <a:spLocks noGrp="1" noChangeArrowheads="1"/>
+          </p:cNvSpPr>
+          <p:nvPr>
+            <p:ph type="body" idx="1"/>
+          </p:nvPr>
+        </p:nvSpPr>
+        <p:spPr>
+          <a:noFill/>
+          <a:ln/>
+        </p:spPr>
+        <p:txBody>
+          <a:bodyPr/>
+          <a:lstStyle/>
+          <a:p>
+            <a:endParaRPr lang="en-US" smtClean="0"/>
+          </a:p>
+        </p:txBody>
+      </p:sp>
+    </p:spTree>
+  </p:cSld>
+  <p:clrMapOvr>
+    <a:masterClrMapping/>
+  </p:clrMapOvr>
+</p:notes>
+</file>
+
+<file path=ppt/notesSlides/notesSlide17.xml><?xml version="1.0" encoding="utf-8"?>
+<p:notes xmlns:a="http://schemas.openxmlformats.org/drawingml/2006/main" xmlns:r="http://schemas.openxmlformats.org/officeDocument/2006/relationships" xmlns:p="http://schemas.openxmlformats.org/presentationml/2006/main">
+  <p:cSld>
+    <p:spTree>
+      <p:nvGrpSpPr>
+        <p:cNvPr id="1" name=""/>
+        <p:cNvGrpSpPr/>
+        <p:nvPr/>
+      </p:nvGrpSpPr>
+      <p:grpSpPr>
+        <a:xfrm>
+          <a:off x="0" y="0"/>
+          <a:ext cx="0" cy="0"/>
+          <a:chOff x="0" y="0"/>
+          <a:chExt cx="0" cy="0"/>
+        </a:xfrm>
+      </p:grpSpPr>
+      <p:sp>
+        <p:nvSpPr>
+          <p:cNvPr id="52226" name="Rectangle 2"/>
+          <p:cNvSpPr>
+            <a:spLocks noGrp="1" noRot="1" noChangeAspect="1" noChangeArrowheads="1" noTextEdit="1"/>
+          </p:cNvSpPr>
+          <p:nvPr>
+            <p:ph type="sldImg"/>
+          </p:nvPr>
+        </p:nvSpPr>
+        <p:spPr>
+          <a:ln/>
+        </p:spPr>
+      </p:sp>
+      <p:sp>
+        <p:nvSpPr>
+          <p:cNvPr id="52227" name="Rectangle 3"/>
+          <p:cNvSpPr>
+            <a:spLocks noGrp="1" noChangeArrowheads="1"/>
+          </p:cNvSpPr>
+          <p:nvPr>
+            <p:ph type="body" idx="1"/>
+          </p:nvPr>
+        </p:nvSpPr>
+        <p:spPr>
+          <a:noFill/>
+          <a:ln/>
+        </p:spPr>
+        <p:txBody>
+          <a:bodyPr/>
+          <a:lstStyle/>
+          <a:p>
+            <a:endParaRPr lang="en-US" smtClean="0"/>
+          </a:p>
+        </p:txBody>
+      </p:sp>
+    </p:spTree>
+  </p:cSld>
+  <p:clrMapOvr>
+    <a:masterClrMapping/>
+  </p:clrMapOvr>
+</p:notes>
+</file>
+
+<file path=ppt/notesSlides/notesSlide18.xml><?xml version="1.0" encoding="utf-8"?>
+<p:notes xmlns:a="http://schemas.openxmlformats.org/drawingml/2006/main" xmlns:r="http://schemas.openxmlformats.org/officeDocument/2006/relationships" xmlns:p="http://schemas.openxmlformats.org/presentationml/2006/main">
+  <p:cSld>
+    <p:spTree>
+      <p:nvGrpSpPr>
+        <p:cNvPr id="1" name=""/>
+        <p:cNvGrpSpPr/>
+        <p:nvPr/>
+      </p:nvGrpSpPr>
+      <p:grpSpPr>
+        <a:xfrm>
+          <a:off x="0" y="0"/>
+          <a:ext cx="0" cy="0"/>
+          <a:chOff x="0" y="0"/>
+          <a:chExt cx="0" cy="0"/>
+        </a:xfrm>
+      </p:grpSpPr>
+      <p:sp>
+        <p:nvSpPr>
+          <p:cNvPr id="53250" name="Rectangle 2"/>
+          <p:cNvSpPr>
+            <a:spLocks noGrp="1" noRot="1" noChangeAspect="1" noChangeArrowheads="1" noTextEdit="1"/>
+          </p:cNvSpPr>
+          <p:nvPr>
+            <p:ph type="sldImg"/>
+          </p:nvPr>
+        </p:nvSpPr>
+        <p:spPr>
+          <a:ln/>
+        </p:spPr>
+      </p:sp>
+      <p:sp>
+        <p:nvSpPr>
+          <p:cNvPr id="53251" name="Rectangle 3"/>
+          <p:cNvSpPr>
+            <a:spLocks noGrp="1" noChangeArrowheads="1"/>
+          </p:cNvSpPr>
+          <p:nvPr>
+            <p:ph type="body" idx="1"/>
+          </p:nvPr>
+        </p:nvSpPr>
+        <p:spPr>
+          <a:noFill/>
+          <a:ln/>
+        </p:spPr>
+        <p:txBody>
+          <a:bodyPr/>
+          <a:lstStyle/>
+          <a:p>
+            <a:endParaRPr lang="en-US" smtClean="0"/>
+          </a:p>
+        </p:txBody>
+      </p:sp>
+    </p:spTree>
+  </p:cSld>
+  <p:clrMapOvr>
+    <a:masterClrMapping/>
+  </p:clrMapOvr>
+</p:notes>
+</file>
+
+<file path=ppt/notesSlides/notesSlide19.xml><?xml version="1.0" encoding="utf-8"?>
+<p:notes xmlns:a="http://schemas.openxmlformats.org/drawingml/2006/main" xmlns:r="http://schemas.openxmlformats.org/officeDocument/2006/relationships" xmlns:p="http://schemas.openxmlformats.org/presentationml/2006/main">
+  <p:cSld>
+    <p:spTree>
+      <p:nvGrpSpPr>
+        <p:cNvPr id="1" name=""/>
+        <p:cNvGrpSpPr/>
+        <p:nvPr/>
+      </p:nvGrpSpPr>
+      <p:grpSpPr>
+        <a:xfrm>
+          <a:off x="0" y="0"/>
+          <a:ext cx="0" cy="0"/>
+          <a:chOff x="0" y="0"/>
+          <a:chExt cx="0" cy="0"/>
+        </a:xfrm>
+      </p:grpSpPr>
+      <p:sp>
+        <p:nvSpPr>
+          <p:cNvPr id="54274" name="Rectangle 2"/>
+          <p:cNvSpPr>
+            <a:spLocks noGrp="1" noRot="1" noChangeAspect="1" noChangeArrowheads="1" noTextEdit="1"/>
+          </p:cNvSpPr>
+          <p:nvPr>
+            <p:ph type="sldImg"/>
+          </p:nvPr>
+        </p:nvSpPr>
+        <p:spPr>
+          <a:ln/>
+        </p:spPr>
+      </p:sp>
+      <p:sp>
+        <p:nvSpPr>
+          <p:cNvPr id="54275" name="Rectangle 3"/>
+          <p:cNvSpPr>
+            <a:spLocks noGrp="1" noChangeArrowheads="1"/>
+          </p:cNvSpPr>
+          <p:nvPr>
+            <p:ph type="body" idx="1"/>
+          </p:nvPr>
+        </p:nvSpPr>
+        <p:spPr>
+          <a:noFill/>
+          <a:ln/>
+        </p:spPr>
+        <p:txBody>
+          <a:bodyPr/>
+          <a:lstStyle/>
+          <a:p>
+            <a:endParaRPr lang="en-US" smtClean="0"/>
           </a:p>
         </p:txBody>
       </p:sp>
@@ -981,104 +1695,464 @@
       </p:grpSpPr>
       <p:sp>
         <p:nvSpPr>
-          <p:cNvPr id="2" name="Slide Image Placeholder 1"/>
-          <p:cNvSpPr>
-            <a:spLocks noGrp="1" noRot="1" noChangeAspect="1"/>
+          <p:cNvPr id="37890" name="Rectangle 2"/>
+          <p:cNvSpPr>
+            <a:spLocks noGrp="1" noRot="1" noChangeAspect="1" noChangeArrowheads="1" noTextEdit="1"/>
           </p:cNvSpPr>
           <p:nvPr>
             <p:ph type="sldImg"/>
           </p:nvPr>
         </p:nvSpPr>
-        <p:spPr/>
-      </p:sp>
-      <p:sp>
-        <p:nvSpPr>
-          <p:cNvPr id="3" name="Notes Placeholder 2"/>
-          <p:cNvSpPr>
-            <a:spLocks noGrp="1"/>
+        <p:spPr>
+          <a:ln/>
+        </p:spPr>
+      </p:sp>
+      <p:sp>
+        <p:nvSpPr>
+          <p:cNvPr id="37891" name="Rectangle 3"/>
+          <p:cNvSpPr>
+            <a:spLocks noGrp="1" noChangeArrowheads="1"/>
           </p:cNvSpPr>
           <p:nvPr>
             <p:ph type="body" idx="1"/>
           </p:nvPr>
         </p:nvSpPr>
-        <p:spPr/>
-        <p:txBody>
-          <a:bodyPr>
-            <a:normAutofit/>
-          </a:bodyPr>
-          <a:lstStyle/>
-          <a:p>
-            <a:endParaRPr lang="en-US" dirty="0"/>
-          </a:p>
-        </p:txBody>
-      </p:sp>
-      <p:sp>
-        <p:nvSpPr>
-          <p:cNvPr id="4" name="Header Placeholder 3"/>
-          <p:cNvSpPr>
-            <a:spLocks noGrp="1"/>
-          </p:cNvSpPr>
-          <p:nvPr>
-            <p:ph type="hdr" sz="quarter" idx="10"/>
-          </p:nvPr>
-        </p:nvSpPr>
-        <p:spPr/>
+        <p:spPr>
+          <a:noFill/>
+          <a:ln/>
+        </p:spPr>
         <p:txBody>
           <a:bodyPr/>
           <a:lstStyle/>
           <a:p>
-            <a:r>
-              <a:rPr lang="en-US" smtClean="0"/>
-              <a:t>DSM2 Users Group: "EXAMPLE: Filling in Martinez Stage"</a:t>
-            </a:r>
-            <a:endParaRPr lang="en-US"/>
-          </a:p>
-        </p:txBody>
-      </p:sp>
-      <p:sp>
-        <p:nvSpPr>
-          <p:cNvPr id="5" name="Date Placeholder 4"/>
-          <p:cNvSpPr>
-            <a:spLocks noGrp="1"/>
-          </p:cNvSpPr>
-          <p:nvPr>
-            <p:ph type="dt" idx="11"/>
-          </p:nvPr>
-        </p:nvSpPr>
-        <p:spPr/>
+            <a:endParaRPr lang="en-US" smtClean="0"/>
+          </a:p>
+        </p:txBody>
+      </p:sp>
+    </p:spTree>
+  </p:cSld>
+  <p:clrMapOvr>
+    <a:masterClrMapping/>
+  </p:clrMapOvr>
+</p:notes>
+</file>
+
+<file path=ppt/notesSlides/notesSlide3.xml><?xml version="1.0" encoding="utf-8"?>
+<p:notes xmlns:a="http://schemas.openxmlformats.org/drawingml/2006/main" xmlns:r="http://schemas.openxmlformats.org/officeDocument/2006/relationships" xmlns:p="http://schemas.openxmlformats.org/presentationml/2006/main">
+  <p:cSld>
+    <p:spTree>
+      <p:nvGrpSpPr>
+        <p:cNvPr id="1" name=""/>
+        <p:cNvGrpSpPr/>
+        <p:nvPr/>
+      </p:nvGrpSpPr>
+      <p:grpSpPr>
+        <a:xfrm>
+          <a:off x="0" y="0"/>
+          <a:ext cx="0" cy="0"/>
+          <a:chOff x="0" y="0"/>
+          <a:chExt cx="0" cy="0"/>
+        </a:xfrm>
+      </p:grpSpPr>
+      <p:sp>
+        <p:nvSpPr>
+          <p:cNvPr id="38914" name="Rectangle 2"/>
+          <p:cNvSpPr>
+            <a:spLocks noGrp="1" noRot="1" noChangeAspect="1" noChangeArrowheads="1" noTextEdit="1"/>
+          </p:cNvSpPr>
+          <p:nvPr>
+            <p:ph type="sldImg"/>
+          </p:nvPr>
+        </p:nvSpPr>
+        <p:spPr>
+          <a:ln/>
+        </p:spPr>
+      </p:sp>
+      <p:sp>
+        <p:nvSpPr>
+          <p:cNvPr id="38915" name="Rectangle 3"/>
+          <p:cNvSpPr>
+            <a:spLocks noGrp="1" noChangeArrowheads="1"/>
+          </p:cNvSpPr>
+          <p:nvPr>
+            <p:ph type="body" idx="1"/>
+          </p:nvPr>
+        </p:nvSpPr>
+        <p:spPr>
+          <a:noFill/>
+          <a:ln/>
+        </p:spPr>
         <p:txBody>
           <a:bodyPr/>
           <a:lstStyle/>
           <a:p>
-            <a:r>
-              <a:rPr lang="en-US" smtClean="0"/>
-              <a:t>2004.04.27</a:t>
-            </a:r>
-            <a:endParaRPr lang="en-US"/>
-          </a:p>
-        </p:txBody>
-      </p:sp>
-      <p:sp>
-        <p:nvSpPr>
-          <p:cNvPr id="6" name="Slide Number Placeholder 5"/>
-          <p:cNvSpPr>
-            <a:spLocks noGrp="1"/>
-          </p:cNvSpPr>
-          <p:nvPr>
-            <p:ph type="sldNum" sz="quarter" idx="12"/>
-          </p:nvPr>
-        </p:nvSpPr>
-        <p:spPr/>
+            <a:endParaRPr lang="en-US" smtClean="0"/>
+          </a:p>
+        </p:txBody>
+      </p:sp>
+    </p:spTree>
+  </p:cSld>
+  <p:clrMapOvr>
+    <a:masterClrMapping/>
+  </p:clrMapOvr>
+</p:notes>
+</file>
+
+<file path=ppt/notesSlides/notesSlide4.xml><?xml version="1.0" encoding="utf-8"?>
+<p:notes xmlns:a="http://schemas.openxmlformats.org/drawingml/2006/main" xmlns:r="http://schemas.openxmlformats.org/officeDocument/2006/relationships" xmlns:p="http://schemas.openxmlformats.org/presentationml/2006/main">
+  <p:cSld>
+    <p:spTree>
+      <p:nvGrpSpPr>
+        <p:cNvPr id="1" name=""/>
+        <p:cNvGrpSpPr/>
+        <p:nvPr/>
+      </p:nvGrpSpPr>
+      <p:grpSpPr>
+        <a:xfrm>
+          <a:off x="0" y="0"/>
+          <a:ext cx="0" cy="0"/>
+          <a:chOff x="0" y="0"/>
+          <a:chExt cx="0" cy="0"/>
+        </a:xfrm>
+      </p:grpSpPr>
+      <p:sp>
+        <p:nvSpPr>
+          <p:cNvPr id="39938" name="Rectangle 2"/>
+          <p:cNvSpPr>
+            <a:spLocks noGrp="1" noRot="1" noChangeAspect="1" noChangeArrowheads="1" noTextEdit="1"/>
+          </p:cNvSpPr>
+          <p:nvPr>
+            <p:ph type="sldImg"/>
+          </p:nvPr>
+        </p:nvSpPr>
+        <p:spPr>
+          <a:ln/>
+        </p:spPr>
+      </p:sp>
+      <p:sp>
+        <p:nvSpPr>
+          <p:cNvPr id="39939" name="Rectangle 3"/>
+          <p:cNvSpPr>
+            <a:spLocks noGrp="1" noChangeArrowheads="1"/>
+          </p:cNvSpPr>
+          <p:nvPr>
+            <p:ph type="body" idx="1"/>
+          </p:nvPr>
+        </p:nvSpPr>
+        <p:spPr>
+          <a:noFill/>
+          <a:ln/>
+        </p:spPr>
         <p:txBody>
           <a:bodyPr/>
           <a:lstStyle/>
           <a:p>
-            <a:fld id="{8D3EB24B-42D1-409E-999A-7EC16A8B48A4}" type="slidenum">
-              <a:rPr lang="en-US" smtClean="0"/>
-              <a:pPr/>
-              <a:t>13</a:t>
-            </a:fld>
-            <a:endParaRPr lang="en-US"/>
+            <a:endParaRPr lang="en-US" smtClean="0"/>
+          </a:p>
+        </p:txBody>
+      </p:sp>
+    </p:spTree>
+  </p:cSld>
+  <p:clrMapOvr>
+    <a:masterClrMapping/>
+  </p:clrMapOvr>
+</p:notes>
+</file>
+
+<file path=ppt/notesSlides/notesSlide5.xml><?xml version="1.0" encoding="utf-8"?>
+<p:notes xmlns:a="http://schemas.openxmlformats.org/drawingml/2006/main" xmlns:r="http://schemas.openxmlformats.org/officeDocument/2006/relationships" xmlns:p="http://schemas.openxmlformats.org/presentationml/2006/main">
+  <p:cSld>
+    <p:spTree>
+      <p:nvGrpSpPr>
+        <p:cNvPr id="1" name=""/>
+        <p:cNvGrpSpPr/>
+        <p:nvPr/>
+      </p:nvGrpSpPr>
+      <p:grpSpPr>
+        <a:xfrm>
+          <a:off x="0" y="0"/>
+          <a:ext cx="0" cy="0"/>
+          <a:chOff x="0" y="0"/>
+          <a:chExt cx="0" cy="0"/>
+        </a:xfrm>
+      </p:grpSpPr>
+      <p:sp>
+        <p:nvSpPr>
+          <p:cNvPr id="40962" name="Rectangle 2"/>
+          <p:cNvSpPr>
+            <a:spLocks noGrp="1" noRot="1" noChangeAspect="1" noChangeArrowheads="1" noTextEdit="1"/>
+          </p:cNvSpPr>
+          <p:nvPr>
+            <p:ph type="sldImg"/>
+          </p:nvPr>
+        </p:nvSpPr>
+        <p:spPr>
+          <a:ln/>
+        </p:spPr>
+      </p:sp>
+      <p:sp>
+        <p:nvSpPr>
+          <p:cNvPr id="40963" name="Rectangle 3"/>
+          <p:cNvSpPr>
+            <a:spLocks noGrp="1" noChangeArrowheads="1"/>
+          </p:cNvSpPr>
+          <p:nvPr>
+            <p:ph type="body" idx="1"/>
+          </p:nvPr>
+        </p:nvSpPr>
+        <p:spPr>
+          <a:noFill/>
+          <a:ln/>
+        </p:spPr>
+        <p:txBody>
+          <a:bodyPr/>
+          <a:lstStyle/>
+          <a:p>
+            <a:endParaRPr lang="en-US" smtClean="0"/>
+          </a:p>
+        </p:txBody>
+      </p:sp>
+    </p:spTree>
+  </p:cSld>
+  <p:clrMapOvr>
+    <a:masterClrMapping/>
+  </p:clrMapOvr>
+</p:notes>
+</file>
+
+<file path=ppt/notesSlides/notesSlide6.xml><?xml version="1.0" encoding="utf-8"?>
+<p:notes xmlns:a="http://schemas.openxmlformats.org/drawingml/2006/main" xmlns:r="http://schemas.openxmlformats.org/officeDocument/2006/relationships" xmlns:p="http://schemas.openxmlformats.org/presentationml/2006/main">
+  <p:cSld>
+    <p:spTree>
+      <p:nvGrpSpPr>
+        <p:cNvPr id="1" name=""/>
+        <p:cNvGrpSpPr/>
+        <p:nvPr/>
+      </p:nvGrpSpPr>
+      <p:grpSpPr>
+        <a:xfrm>
+          <a:off x="0" y="0"/>
+          <a:ext cx="0" cy="0"/>
+          <a:chOff x="0" y="0"/>
+          <a:chExt cx="0" cy="0"/>
+        </a:xfrm>
+      </p:grpSpPr>
+      <p:sp>
+        <p:nvSpPr>
+          <p:cNvPr id="41986" name="Rectangle 2"/>
+          <p:cNvSpPr>
+            <a:spLocks noGrp="1" noRot="1" noChangeAspect="1" noChangeArrowheads="1" noTextEdit="1"/>
+          </p:cNvSpPr>
+          <p:nvPr>
+            <p:ph type="sldImg"/>
+          </p:nvPr>
+        </p:nvSpPr>
+        <p:spPr>
+          <a:ln/>
+        </p:spPr>
+      </p:sp>
+      <p:sp>
+        <p:nvSpPr>
+          <p:cNvPr id="41987" name="Rectangle 3"/>
+          <p:cNvSpPr>
+            <a:spLocks noGrp="1" noChangeArrowheads="1"/>
+          </p:cNvSpPr>
+          <p:nvPr>
+            <p:ph type="body" idx="1"/>
+          </p:nvPr>
+        </p:nvSpPr>
+        <p:spPr>
+          <a:noFill/>
+          <a:ln/>
+        </p:spPr>
+        <p:txBody>
+          <a:bodyPr/>
+          <a:lstStyle/>
+          <a:p>
+            <a:endParaRPr lang="en-US" smtClean="0"/>
+          </a:p>
+        </p:txBody>
+      </p:sp>
+    </p:spTree>
+  </p:cSld>
+  <p:clrMapOvr>
+    <a:masterClrMapping/>
+  </p:clrMapOvr>
+</p:notes>
+</file>
+
+<file path=ppt/notesSlides/notesSlide7.xml><?xml version="1.0" encoding="utf-8"?>
+<p:notes xmlns:a="http://schemas.openxmlformats.org/drawingml/2006/main" xmlns:r="http://schemas.openxmlformats.org/officeDocument/2006/relationships" xmlns:p="http://schemas.openxmlformats.org/presentationml/2006/main">
+  <p:cSld>
+    <p:spTree>
+      <p:nvGrpSpPr>
+        <p:cNvPr id="1" name=""/>
+        <p:cNvGrpSpPr/>
+        <p:nvPr/>
+      </p:nvGrpSpPr>
+      <p:grpSpPr>
+        <a:xfrm>
+          <a:off x="0" y="0"/>
+          <a:ext cx="0" cy="0"/>
+          <a:chOff x="0" y="0"/>
+          <a:chExt cx="0" cy="0"/>
+        </a:xfrm>
+      </p:grpSpPr>
+      <p:sp>
+        <p:nvSpPr>
+          <p:cNvPr id="43010" name="Rectangle 2"/>
+          <p:cNvSpPr>
+            <a:spLocks noGrp="1" noRot="1" noChangeAspect="1" noChangeArrowheads="1" noTextEdit="1"/>
+          </p:cNvSpPr>
+          <p:nvPr>
+            <p:ph type="sldImg"/>
+          </p:nvPr>
+        </p:nvSpPr>
+        <p:spPr>
+          <a:ln/>
+        </p:spPr>
+      </p:sp>
+      <p:sp>
+        <p:nvSpPr>
+          <p:cNvPr id="43011" name="Rectangle 3"/>
+          <p:cNvSpPr>
+            <a:spLocks noGrp="1" noChangeArrowheads="1"/>
+          </p:cNvSpPr>
+          <p:nvPr>
+            <p:ph type="body" idx="1"/>
+          </p:nvPr>
+        </p:nvSpPr>
+        <p:spPr>
+          <a:noFill/>
+          <a:ln/>
+        </p:spPr>
+        <p:txBody>
+          <a:bodyPr/>
+          <a:lstStyle/>
+          <a:p>
+            <a:endParaRPr lang="en-US" smtClean="0"/>
+          </a:p>
+        </p:txBody>
+      </p:sp>
+    </p:spTree>
+  </p:cSld>
+  <p:clrMapOvr>
+    <a:masterClrMapping/>
+  </p:clrMapOvr>
+</p:notes>
+</file>
+
+<file path=ppt/notesSlides/notesSlide8.xml><?xml version="1.0" encoding="utf-8"?>
+<p:notes xmlns:a="http://schemas.openxmlformats.org/drawingml/2006/main" xmlns:r="http://schemas.openxmlformats.org/officeDocument/2006/relationships" xmlns:p="http://schemas.openxmlformats.org/presentationml/2006/main">
+  <p:cSld>
+    <p:spTree>
+      <p:nvGrpSpPr>
+        <p:cNvPr id="1" name=""/>
+        <p:cNvGrpSpPr/>
+        <p:nvPr/>
+      </p:nvGrpSpPr>
+      <p:grpSpPr>
+        <a:xfrm>
+          <a:off x="0" y="0"/>
+          <a:ext cx="0" cy="0"/>
+          <a:chOff x="0" y="0"/>
+          <a:chExt cx="0" cy="0"/>
+        </a:xfrm>
+      </p:grpSpPr>
+      <p:sp>
+        <p:nvSpPr>
+          <p:cNvPr id="44034" name="Rectangle 2"/>
+          <p:cNvSpPr>
+            <a:spLocks noGrp="1" noRot="1" noChangeAspect="1" noChangeArrowheads="1" noTextEdit="1"/>
+          </p:cNvSpPr>
+          <p:nvPr>
+            <p:ph type="sldImg"/>
+          </p:nvPr>
+        </p:nvSpPr>
+        <p:spPr>
+          <a:ln/>
+        </p:spPr>
+      </p:sp>
+      <p:sp>
+        <p:nvSpPr>
+          <p:cNvPr id="44035" name="Rectangle 3"/>
+          <p:cNvSpPr>
+            <a:spLocks noGrp="1" noChangeArrowheads="1"/>
+          </p:cNvSpPr>
+          <p:nvPr>
+            <p:ph type="body" idx="1"/>
+          </p:nvPr>
+        </p:nvSpPr>
+        <p:spPr>
+          <a:noFill/>
+          <a:ln/>
+        </p:spPr>
+        <p:txBody>
+          <a:bodyPr/>
+          <a:lstStyle/>
+          <a:p>
+            <a:endParaRPr lang="en-US" smtClean="0"/>
+          </a:p>
+        </p:txBody>
+      </p:sp>
+    </p:spTree>
+  </p:cSld>
+  <p:clrMapOvr>
+    <a:masterClrMapping/>
+  </p:clrMapOvr>
+</p:notes>
+</file>
+
+<file path=ppt/notesSlides/notesSlide9.xml><?xml version="1.0" encoding="utf-8"?>
+<p:notes xmlns:a="http://schemas.openxmlformats.org/drawingml/2006/main" xmlns:r="http://schemas.openxmlformats.org/officeDocument/2006/relationships" xmlns:p="http://schemas.openxmlformats.org/presentationml/2006/main">
+  <p:cSld>
+    <p:spTree>
+      <p:nvGrpSpPr>
+        <p:cNvPr id="1" name=""/>
+        <p:cNvGrpSpPr/>
+        <p:nvPr/>
+      </p:nvGrpSpPr>
+      <p:grpSpPr>
+        <a:xfrm>
+          <a:off x="0" y="0"/>
+          <a:ext cx="0" cy="0"/>
+          <a:chOff x="0" y="0"/>
+          <a:chExt cx="0" cy="0"/>
+        </a:xfrm>
+      </p:grpSpPr>
+      <p:sp>
+        <p:nvSpPr>
+          <p:cNvPr id="45058" name="Rectangle 2"/>
+          <p:cNvSpPr>
+            <a:spLocks noGrp="1" noRot="1" noChangeAspect="1" noChangeArrowheads="1" noTextEdit="1"/>
+          </p:cNvSpPr>
+          <p:nvPr>
+            <p:ph type="sldImg"/>
+          </p:nvPr>
+        </p:nvSpPr>
+        <p:spPr>
+          <a:ln/>
+        </p:spPr>
+      </p:sp>
+      <p:sp>
+        <p:nvSpPr>
+          <p:cNvPr id="45059" name="Rectangle 3"/>
+          <p:cNvSpPr>
+            <a:spLocks noGrp="1" noChangeArrowheads="1"/>
+          </p:cNvSpPr>
+          <p:nvPr>
+            <p:ph type="body" idx="1"/>
+          </p:nvPr>
+        </p:nvSpPr>
+        <p:spPr>
+          <a:noFill/>
+          <a:ln/>
+        </p:spPr>
+        <p:txBody>
+          <a:bodyPr/>
+          <a:lstStyle/>
+          <a:p>
+            <a:endParaRPr lang="en-US" smtClean="0"/>
           </a:p>
         </p:txBody>
       </p:sp>
@@ -1202,15 +2276,17 @@
       </p:sp>
       <p:sp>
         <p:nvSpPr>
-          <p:cNvPr id="4" name="Date Placeholder 3"/>
-          <p:cNvSpPr>
-            <a:spLocks noGrp="1"/>
+          <p:cNvPr id="4" name="Rectangle 4"/>
+          <p:cNvSpPr>
+            <a:spLocks noGrp="1" noChangeArrowheads="1"/>
           </p:cNvSpPr>
           <p:nvPr>
             <p:ph type="dt" sz="half" idx="10"/>
           </p:nvPr>
         </p:nvSpPr>
-        <p:spPr/>
+        <p:spPr>
+          <a:ln/>
+        </p:spPr>
         <p:txBody>
           <a:bodyPr/>
           <a:lstStyle>
@@ -1219,9 +2295,14 @@
             </a:lvl1pPr>
           </a:lstStyle>
           <a:p>
-            <a:fld id="{2CD149C9-167A-4BD9-AA64-3138B6EB963F}" type="slidenum">
+            <a:pPr>
+              <a:defRPr/>
+            </a:pPr>
+            <a:fld id="{D56F029C-55C3-402D-A149-13BAA779F436}" type="slidenum">
               <a:rPr lang="en-US"/>
-              <a:pPr/>
+              <a:pPr>
+                <a:defRPr/>
+              </a:pPr>
               <a:t>‹#›</a:t>
             </a:fld>
             <a:endParaRPr lang="en-US"/>
@@ -1331,15 +2412,17 @@
       </p:sp>
       <p:sp>
         <p:nvSpPr>
-          <p:cNvPr id="4" name="Date Placeholder 3"/>
-          <p:cNvSpPr>
-            <a:spLocks noGrp="1"/>
+          <p:cNvPr id="4" name="Rectangle 4"/>
+          <p:cNvSpPr>
+            <a:spLocks noGrp="1" noChangeArrowheads="1"/>
           </p:cNvSpPr>
           <p:nvPr>
             <p:ph type="dt" sz="half" idx="10"/>
           </p:nvPr>
         </p:nvSpPr>
-        <p:spPr/>
+        <p:spPr>
+          <a:ln/>
+        </p:spPr>
         <p:txBody>
           <a:bodyPr/>
           <a:lstStyle>
@@ -1348,9 +2431,14 @@
             </a:lvl1pPr>
           </a:lstStyle>
           <a:p>
-            <a:fld id="{D2EF07DF-22B5-4E00-8F95-BEA1F7295A94}" type="slidenum">
+            <a:pPr>
+              <a:defRPr/>
+            </a:pPr>
+            <a:fld id="{F4E8026C-0ACC-4D74-8EB9-FBC676FF2ED8}" type="slidenum">
               <a:rPr lang="en-US"/>
-              <a:pPr/>
+              <a:pPr>
+                <a:defRPr/>
+              </a:pPr>
               <a:t>‹#›</a:t>
             </a:fld>
             <a:endParaRPr lang="en-US"/>
@@ -1470,15 +2558,17 @@
       </p:sp>
       <p:sp>
         <p:nvSpPr>
-          <p:cNvPr id="4" name="Date Placeholder 3"/>
-          <p:cNvSpPr>
-            <a:spLocks noGrp="1"/>
+          <p:cNvPr id="4" name="Rectangle 4"/>
+          <p:cNvSpPr>
+            <a:spLocks noGrp="1" noChangeArrowheads="1"/>
           </p:cNvSpPr>
           <p:nvPr>
             <p:ph type="dt" sz="half" idx="10"/>
           </p:nvPr>
         </p:nvSpPr>
-        <p:spPr/>
+        <p:spPr>
+          <a:ln/>
+        </p:spPr>
         <p:txBody>
           <a:bodyPr/>
           <a:lstStyle>
@@ -1487,9 +2577,14 @@
             </a:lvl1pPr>
           </a:lstStyle>
           <a:p>
-            <a:fld id="{25E2C135-A830-4FA5-93D1-B221F16DE7F8}" type="slidenum">
+            <a:pPr>
+              <a:defRPr/>
+            </a:pPr>
+            <a:fld id="{68F2D26C-6C85-4C8C-83D1-755E5D0EDC84}" type="slidenum">
               <a:rPr lang="en-US"/>
-              <a:pPr/>
+              <a:pPr>
+                <a:defRPr/>
+              </a:pPr>
               <a:t>‹#›</a:t>
             </a:fld>
             <a:endParaRPr lang="en-US"/>
@@ -1508,24 +2603,6 @@
 <file path=ppt/slideLayouts/slideLayout2.xml><?xml version="1.0" encoding="utf-8"?>
 <p:sldLayout xmlns:a="http://schemas.openxmlformats.org/drawingml/2006/main" xmlns:r="http://schemas.openxmlformats.org/officeDocument/2006/relationships" xmlns:p="http://schemas.openxmlformats.org/presentationml/2006/main" type="obj" preserve="1">
   <p:cSld name="Title and Content">
-    <p:bg>
-      <p:bgPr shadeToTitle="1">
-        <a:gradFill>
-          <a:gsLst>
-            <a:gs pos="0">
-              <a:srgbClr val="000099"/>
-            </a:gs>
-            <a:gs pos="100000">
-              <a:srgbClr val="660066"/>
-            </a:gs>
-          </a:gsLst>
-          <a:path path="shape">
-            <a:fillToRect l="50000" t="50000" r="50000" b="50000"/>
-          </a:path>
-        </a:gradFill>
-        <a:effectLst/>
-      </p:bgPr>
-    </p:bg>
     <p:spTree>
       <p:nvGrpSpPr>
         <p:cNvPr id="1" name=""/>
@@ -1634,9 +2711,14 @@
             </a:lvl1pPr>
           </a:lstStyle>
           <a:p>
-            <a:fld id="{AB98F214-5D90-468C-9EE8-E1612B8D2BE2}" type="slidenum">
+            <a:pPr>
+              <a:defRPr/>
+            </a:pPr>
+            <a:fld id="{98ECC968-497D-4AF8-9F13-0C2D473D7BEF}" type="slidenum">
               <a:rPr lang="en-US"/>
-              <a:pPr/>
+              <a:pPr>
+                <a:defRPr/>
+              </a:pPr>
               <a:t>‹#›</a:t>
             </a:fld>
             <a:endParaRPr lang="en-US"/>
@@ -1768,15 +2850,17 @@
       </p:sp>
       <p:sp>
         <p:nvSpPr>
-          <p:cNvPr id="4" name="Date Placeholder 3"/>
-          <p:cNvSpPr>
-            <a:spLocks noGrp="1"/>
+          <p:cNvPr id="4" name="Rectangle 4"/>
+          <p:cNvSpPr>
+            <a:spLocks noGrp="1" noChangeArrowheads="1"/>
           </p:cNvSpPr>
           <p:nvPr>
             <p:ph type="dt" sz="half" idx="10"/>
           </p:nvPr>
         </p:nvSpPr>
-        <p:spPr/>
+        <p:spPr>
+          <a:ln/>
+        </p:spPr>
         <p:txBody>
           <a:bodyPr/>
           <a:lstStyle>
@@ -1785,9 +2869,14 @@
             </a:lvl1pPr>
           </a:lstStyle>
           <a:p>
-            <a:fld id="{FE3EFA94-9F17-410B-AA9A-F260DEB2B155}" type="slidenum">
+            <a:pPr>
+              <a:defRPr/>
+            </a:pPr>
+            <a:fld id="{6206D83E-F307-42E8-AFF3-3313774D9D2B}" type="slidenum">
               <a:rPr lang="en-US"/>
-              <a:pPr/>
+              <a:pPr>
+                <a:defRPr/>
+              </a:pPr>
               <a:t>‹#›</a:t>
             </a:fld>
             <a:endParaRPr lang="en-US"/>
@@ -2015,15 +3104,17 @@
       </p:sp>
       <p:sp>
         <p:nvSpPr>
-          <p:cNvPr id="5" name="Date Placeholder 4"/>
-          <p:cNvSpPr>
-            <a:spLocks noGrp="1"/>
+          <p:cNvPr id="5" name="Rectangle 4"/>
+          <p:cNvSpPr>
+            <a:spLocks noGrp="1" noChangeArrowheads="1"/>
           </p:cNvSpPr>
           <p:nvPr>
             <p:ph type="dt" sz="half" idx="10"/>
           </p:nvPr>
         </p:nvSpPr>
-        <p:spPr/>
+        <p:spPr>
+          <a:ln/>
+        </p:spPr>
         <p:txBody>
           <a:bodyPr/>
           <a:lstStyle>
@@ -2032,9 +3123,14 @@
             </a:lvl1pPr>
           </a:lstStyle>
           <a:p>
-            <a:fld id="{1F943FCC-E5AD-4FB4-8CF4-08E22A2D6286}" type="slidenum">
+            <a:pPr>
+              <a:defRPr/>
+            </a:pPr>
+            <a:fld id="{A375162A-2624-46E1-BB98-9D48246D5C60}" type="slidenum">
               <a:rPr lang="en-US"/>
-              <a:pPr/>
+              <a:pPr>
+                <a:defRPr/>
+              </a:pPr>
               <a:t>‹#›</a:t>
             </a:fld>
             <a:endParaRPr lang="en-US"/>
@@ -2401,15 +3497,17 @@
       </p:sp>
       <p:sp>
         <p:nvSpPr>
-          <p:cNvPr id="7" name="Date Placeholder 6"/>
-          <p:cNvSpPr>
-            <a:spLocks noGrp="1"/>
+          <p:cNvPr id="7" name="Rectangle 4"/>
+          <p:cNvSpPr>
+            <a:spLocks noGrp="1" noChangeArrowheads="1"/>
           </p:cNvSpPr>
           <p:nvPr>
             <p:ph type="dt" sz="half" idx="10"/>
           </p:nvPr>
         </p:nvSpPr>
-        <p:spPr/>
+        <p:spPr>
+          <a:ln/>
+        </p:spPr>
         <p:txBody>
           <a:bodyPr/>
           <a:lstStyle>
@@ -2418,9 +3516,14 @@
             </a:lvl1pPr>
           </a:lstStyle>
           <a:p>
-            <a:fld id="{C56DD5E7-EB92-448B-8263-438646674F36}" type="slidenum">
+            <a:pPr>
+              <a:defRPr/>
+            </a:pPr>
+            <a:fld id="{D8CD0081-2EAC-4D76-A0FB-13838DE8B30E}" type="slidenum">
               <a:rPr lang="en-US"/>
-              <a:pPr/>
+              <a:pPr>
+                <a:defRPr/>
+              </a:pPr>
               <a:t>‹#›</a:t>
             </a:fld>
             <a:endParaRPr lang="en-US"/>
@@ -2478,15 +3581,17 @@
       </p:sp>
       <p:sp>
         <p:nvSpPr>
-          <p:cNvPr id="3" name="Date Placeholder 2"/>
-          <p:cNvSpPr>
-            <a:spLocks noGrp="1"/>
+          <p:cNvPr id="3" name="Rectangle 4"/>
+          <p:cNvSpPr>
+            <a:spLocks noGrp="1" noChangeArrowheads="1"/>
           </p:cNvSpPr>
           <p:nvPr>
             <p:ph type="dt" sz="half" idx="10"/>
           </p:nvPr>
         </p:nvSpPr>
-        <p:spPr/>
+        <p:spPr>
+          <a:ln/>
+        </p:spPr>
         <p:txBody>
           <a:bodyPr/>
           <a:lstStyle>
@@ -2495,9 +3600,14 @@
             </a:lvl1pPr>
           </a:lstStyle>
           <a:p>
-            <a:fld id="{51D5166A-F8A3-4CB7-ADBF-C664B236B1EF}" type="slidenum">
+            <a:pPr>
+              <a:defRPr/>
+            </a:pPr>
+            <a:fld id="{43555EDD-1E88-4F64-A79A-895CC4E8B966}" type="slidenum">
               <a:rPr lang="en-US"/>
-              <a:pPr/>
+              <a:pPr>
+                <a:defRPr/>
+              </a:pPr>
               <a:t>‹#›</a:t>
             </a:fld>
             <a:endParaRPr lang="en-US"/>
@@ -2532,15 +3642,17 @@
       </p:grpSpPr>
       <p:sp>
         <p:nvSpPr>
-          <p:cNvPr id="2" name="Date Placeholder 1"/>
-          <p:cNvSpPr>
-            <a:spLocks noGrp="1"/>
+          <p:cNvPr id="2" name="Rectangle 4"/>
+          <p:cNvSpPr>
+            <a:spLocks noGrp="1" noChangeArrowheads="1"/>
           </p:cNvSpPr>
           <p:nvPr>
             <p:ph type="dt" sz="half" idx="10"/>
           </p:nvPr>
         </p:nvSpPr>
-        <p:spPr/>
+        <p:spPr>
+          <a:ln/>
+        </p:spPr>
         <p:txBody>
           <a:bodyPr/>
           <a:lstStyle>
@@ -2549,9 +3661,14 @@
             </a:lvl1pPr>
           </a:lstStyle>
           <a:p>
-            <a:fld id="{36103BCD-C163-42FC-98E8-AC80D1034F2C}" type="slidenum">
+            <a:pPr>
+              <a:defRPr/>
+            </a:pPr>
+            <a:fld id="{6B418F63-2A89-4CE1-9816-D06EC74B5668}" type="slidenum">
               <a:rPr lang="en-US"/>
-              <a:pPr/>
+              <a:pPr>
+                <a:defRPr/>
+              </a:pPr>
               <a:t>‹#›</a:t>
             </a:fld>
             <a:endParaRPr lang="en-US"/>
@@ -2768,15 +3885,17 @@
       </p:sp>
       <p:sp>
         <p:nvSpPr>
-          <p:cNvPr id="5" name="Date Placeholder 4"/>
-          <p:cNvSpPr>
-            <a:spLocks noGrp="1"/>
+          <p:cNvPr id="5" name="Rectangle 4"/>
+          <p:cNvSpPr>
+            <a:spLocks noGrp="1" noChangeArrowheads="1"/>
           </p:cNvSpPr>
           <p:nvPr>
             <p:ph type="dt" sz="half" idx="10"/>
           </p:nvPr>
         </p:nvSpPr>
-        <p:spPr/>
+        <p:spPr>
+          <a:ln/>
+        </p:spPr>
         <p:txBody>
           <a:bodyPr/>
           <a:lstStyle>
@@ -2785,9 +3904,14 @@
             </a:lvl1pPr>
           </a:lstStyle>
           <a:p>
-            <a:fld id="{CE46599E-3F99-4CED-8A4E-1771E654B8BF}" type="slidenum">
+            <a:pPr>
+              <a:defRPr/>
+            </a:pPr>
+            <a:fld id="{8DDDDBF8-E76D-4FB9-A171-118C0C89FA07}" type="slidenum">
               <a:rPr lang="en-US"/>
-              <a:pPr/>
+              <a:pPr>
+                <a:defRPr/>
+              </a:pPr>
               <a:t>‹#›</a:t>
             </a:fld>
             <a:endParaRPr lang="en-US"/>
@@ -2909,7 +4033,8 @@
             </a:lvl9pPr>
           </a:lstStyle>
           <a:p>
-            <a:endParaRPr lang="en-US"/>
+            <a:pPr lvl="0"/>
+            <a:endParaRPr lang="en-US" noProof="0"/>
           </a:p>
         </p:txBody>
       </p:sp>
@@ -2980,15 +4105,17 @@
       </p:sp>
       <p:sp>
         <p:nvSpPr>
-          <p:cNvPr id="5" name="Date Placeholder 4"/>
-          <p:cNvSpPr>
-            <a:spLocks noGrp="1"/>
+          <p:cNvPr id="5" name="Rectangle 4"/>
+          <p:cNvSpPr>
+            <a:spLocks noGrp="1" noChangeArrowheads="1"/>
           </p:cNvSpPr>
           <p:nvPr>
             <p:ph type="dt" sz="half" idx="10"/>
           </p:nvPr>
         </p:nvSpPr>
-        <p:spPr/>
+        <p:spPr>
+          <a:ln/>
+        </p:spPr>
         <p:txBody>
           <a:bodyPr/>
           <a:lstStyle>
@@ -2997,9 +4124,14 @@
             </a:lvl1pPr>
           </a:lstStyle>
           <a:p>
-            <a:fld id="{A76838C3-59F2-4A6A-A1A4-91F6901135A0}" type="slidenum">
+            <a:pPr>
+              <a:defRPr/>
+            </a:pPr>
+            <a:fld id="{C715EF04-2369-41D9-8B8F-929ED3A54E6F}" type="slidenum">
               <a:rPr lang="en-US"/>
-              <a:pPr/>
+              <a:pPr>
+                <a:defRPr/>
+              </a:pPr>
               <a:t>‹#›</a:t>
             </a:fld>
             <a:endParaRPr lang="en-US"/>
@@ -3075,7 +4207,6 @@
             <a:headEnd/>
             <a:tailEnd/>
           </a:ln>
-          <a:effectLst/>
         </p:spPr>
         <p:txBody>
           <a:bodyPr vert="horz" wrap="square" lIns="91440" tIns="45720" rIns="91440" bIns="45720" numCol="1" anchor="ctr" anchorCtr="0" compatLnSpc="1">
@@ -3118,7 +4249,6 @@
             <a:headEnd/>
             <a:tailEnd/>
           </a:ln>
-          <a:effectLst/>
         </p:spPr>
         <p:txBody>
           <a:bodyPr vert="horz" wrap="square" lIns="91440" tIns="45720" rIns="91440" bIns="45720" numCol="1" anchor="t" anchorCtr="0" compatLnSpc="1">
@@ -3198,16 +4328,21 @@
             </a:prstTxWarp>
           </a:bodyPr>
           <a:lstStyle>
-            <a:lvl1pPr algn="l">
+            <a:lvl1pPr algn="l" eaLnBrk="0" hangingPunct="0">
               <a:defRPr sz="1400" b="0">
                 <a:latin typeface="Arial Narrow" pitchFamily="34" charset="0"/>
               </a:defRPr>
             </a:lvl1pPr>
           </a:lstStyle>
           <a:p>
-            <a:fld id="{BC277BA0-9B68-44D1-BC76-DE0CC178EB95}" type="slidenum">
+            <a:pPr>
+              <a:defRPr/>
+            </a:pPr>
+            <a:fld id="{A7CCDB65-93BF-42E9-BCB3-1F6D52BB5D53}" type="slidenum">
               <a:rPr lang="en-US"/>
-              <a:pPr/>
+              <a:pPr>
+                <a:defRPr/>
+              </a:pPr>
               <a:t>‹#›</a:t>
             </a:fld>
             <a:endParaRPr lang="en-US"/>
@@ -3218,8 +4353,8 @@
   </p:cSld>
   <p:clrMap bg1="dk2" tx1="lt1" bg2="dk1" tx2="lt2" accent1="accent1" accent2="accent2" accent3="accent3" accent4="accent4" accent5="accent5" accent6="accent6" hlink="hlink" folHlink="folHlink"/>
   <p:sldLayoutIdLst>
-    <p:sldLayoutId id="2147483649" r:id="rId1"/>
-    <p:sldLayoutId id="2147483650" r:id="rId2"/>
+    <p:sldLayoutId id="2147483650" r:id="rId1"/>
+    <p:sldLayoutId id="2147483660" r:id="rId2"/>
     <p:sldLayoutId id="2147483651" r:id="rId3"/>
     <p:sldLayoutId id="2147483652" r:id="rId4"/>
     <p:sldLayoutId id="2147483653" r:id="rId5"/>
@@ -3620,7 +4755,7 @@
       </p:grpSpPr>
       <p:sp>
         <p:nvSpPr>
-          <p:cNvPr id="381954" name="AutoShape 2"/>
+          <p:cNvPr id="15361" name="AutoShape 2"/>
           <p:cNvSpPr>
             <a:spLocks noGrp="1" noChangeArrowheads="1"/>
           </p:cNvSpPr>
@@ -3636,23 +4771,21 @@
           <a:prstGeom prst="irregularSeal1">
             <a:avLst/>
           </a:prstGeom>
-          <a:ln/>
         </p:spPr>
         <p:txBody>
           <a:bodyPr/>
           <a:lstStyle/>
           <a:p>
             <a:r>
-              <a:rPr lang="en-US" sz="3600" dirty="0" smtClean="0"/>
+              <a:rPr lang="en-US" sz="3600" smtClean="0"/>
               <a:t>Channels</a:t>
             </a:r>
-            <a:endParaRPr lang="en-US" sz="3600" dirty="0"/>
-          </a:p>
-        </p:txBody>
-      </p:sp>
-      <p:sp>
-        <p:nvSpPr>
-          <p:cNvPr id="381955" name="Rectangle 3"/>
+          </a:p>
+        </p:txBody>
+      </p:sp>
+      <p:sp>
+        <p:nvSpPr>
+          <p:cNvPr id="15362" name="Rectangle 3"/>
           <p:cNvSpPr>
             <a:spLocks noGrp="1" noChangeArrowheads="1"/>
           </p:cNvSpPr>
@@ -3671,31 +4804,30 @@
           <a:lstStyle/>
           <a:p>
             <a:r>
-              <a:rPr lang="en-US" dirty="0"/>
+              <a:rPr lang="en-US" smtClean="0"/>
               <a:t>DSM2 Training</a:t>
             </a:r>
           </a:p>
           <a:p>
             <a:r>
-              <a:rPr lang="en-US" dirty="0" smtClean="0"/>
+              <a:rPr lang="en-US" smtClean="0"/>
               <a:t>September 15-17, 2009</a:t>
             </a:r>
-            <a:endParaRPr lang="en-US" dirty="0"/>
-          </a:p>
-          <a:p>
-            <a:endParaRPr lang="en-US" dirty="0"/>
+          </a:p>
+          <a:p>
+            <a:endParaRPr lang="en-US" smtClean="0"/>
           </a:p>
           <a:p>
             <a:pPr algn="l"/>
             <a:r>
-              <a:rPr lang="en-US" dirty="0">
+              <a:rPr lang="en-US" smtClean="0">
                 <a:solidFill>
                   <a:srgbClr val="6666FF"/>
                 </a:solidFill>
               </a:rPr>
               <a:t>	Eli Ateljevich, PhD</a:t>
             </a:r>
-            <a:endParaRPr lang="en-US" sz="2400" dirty="0">
+            <a:endParaRPr lang="en-US" sz="2400" smtClean="0">
               <a:solidFill>
                 <a:srgbClr val="6666FF"/>
               </a:solidFill>
@@ -3704,7 +4836,7 @@
           <a:p>
             <a:pPr algn="l"/>
             <a:r>
-              <a:rPr lang="en-US" sz="2400" dirty="0">
+              <a:rPr lang="en-US" sz="2400" smtClean="0">
                 <a:solidFill>
                   <a:srgbClr val="6666FF"/>
                 </a:solidFill>
@@ -3715,7 +4847,7 @@
           <a:p>
             <a:pPr algn="l"/>
             <a:r>
-              <a:rPr lang="en-US" sz="2400" dirty="0">
+              <a:rPr lang="en-US" sz="2400" smtClean="0">
                 <a:solidFill>
                   <a:srgbClr val="6666FF"/>
                 </a:solidFill>
@@ -3725,7 +4857,7 @@
           </a:p>
           <a:p>
             <a:pPr algn="l"/>
-            <a:endParaRPr lang="en-US" sz="2400" dirty="0">
+            <a:endParaRPr lang="en-US" sz="2400" smtClean="0">
               <a:solidFill>
                 <a:srgbClr val="6666FF"/>
               </a:solidFill>
@@ -3733,7 +4865,7 @@
           </a:p>
           <a:p>
             <a:pPr algn="l"/>
-            <a:endParaRPr lang="en-US" sz="2400" dirty="0">
+            <a:endParaRPr lang="en-US" sz="2400" smtClean="0">
               <a:solidFill>
                 <a:srgbClr val="6666FF"/>
               </a:solidFill>
@@ -3743,14 +4875,14 @@
       </p:sp>
       <p:pic>
         <p:nvPicPr>
-          <p:cNvPr id="381956" name="Picture 4" descr="dwranim"/>
+          <p:cNvPr id="15363" name="Picture 4" descr="dwranim"/>
           <p:cNvPicPr>
             <a:picLocks noChangeAspect="1" noChangeArrowheads="1"/>
           </p:cNvPicPr>
           <p:nvPr/>
         </p:nvPicPr>
         <p:blipFill>
-          <a:blip r:embed="rId3" cstate="print"/>
+          <a:blip r:embed="rId3"/>
           <a:srcRect/>
           <a:stretch>
             <a:fillRect/>
@@ -3765,6 +4897,12 @@
             <a:avLst/>
           </a:prstGeom>
           <a:noFill/>
+          <a:ln w="9525">
+            <a:noFill/>
+            <a:miter lim="800000"/>
+            <a:headEnd/>
+            <a:tailEnd/>
+          </a:ln>
         </p:spPr>
       </p:pic>
     </p:spTree>
@@ -3802,7 +4940,7 @@
       </p:grpSpPr>
       <p:sp>
         <p:nvSpPr>
-          <p:cNvPr id="1196034" name="Rectangle 2"/>
+          <p:cNvPr id="25601" name="Rectangle 2"/>
           <p:cNvSpPr>
             <a:spLocks noGrp="1" noChangeArrowheads="1"/>
           </p:cNvSpPr>
@@ -3812,8 +4950,8 @@
         </p:nvSpPr>
         <p:spPr>
           <a:xfrm>
-            <a:off x="207819" y="228600"/>
-            <a:ext cx="8624454" cy="838200"/>
+            <a:off x="207963" y="228600"/>
+            <a:ext cx="8624887" cy="838200"/>
           </a:xfrm>
         </p:spPr>
         <p:txBody>
@@ -3821,18 +4959,10 @@
           <a:lstStyle/>
           <a:p>
             <a:r>
-              <a:rPr lang="en-US" dirty="0" smtClean="0"/>
-              <a:t>User </a:t>
-            </a:r>
-            <a:r>
-              <a:rPr lang="en-US" dirty="0" err="1" smtClean="0"/>
-              <a:t>vs</a:t>
-            </a:r>
-            <a:r>
-              <a:rPr lang="en-US" dirty="0" smtClean="0"/>
-              <a:t> Computational</a:t>
-            </a:r>
-            <a:endParaRPr lang="en-US" dirty="0">
+              <a:rPr lang="en-US" smtClean="0"/>
+              <a:t>User vs Computational</a:t>
+            </a:r>
+            <a:endParaRPr lang="en-US" smtClean="0">
               <a:sym typeface="Symbol" pitchFamily="18" charset="2"/>
             </a:endParaRPr>
           </a:p>
@@ -3840,7 +4970,7 @@
       </p:sp>
       <p:sp>
         <p:nvSpPr>
-          <p:cNvPr id="1196036" name="Rectangle 4"/>
+          <p:cNvPr id="25602" name="Rectangle 4"/>
           <p:cNvSpPr>
             <a:spLocks noChangeArrowheads="1"/>
           </p:cNvSpPr>
@@ -3848,7 +4978,7 @@
         </p:nvSpPr>
         <p:spPr bwMode="auto">
           <a:xfrm>
-            <a:off x="242456" y="1281545"/>
+            <a:off x="242888" y="1281113"/>
             <a:ext cx="8382000" cy="5257800"/>
           </a:xfrm>
           <a:prstGeom prst="rect">
@@ -3861,7 +4991,6 @@
             <a:headEnd/>
             <a:tailEnd/>
           </a:ln>
-          <a:effectLst/>
         </p:spPr>
         <p:txBody>
           <a:bodyPr lIns="0" tIns="0" rIns="0" bIns="0" anchor="ctr">
@@ -3869,6 +4998,7 @@
           </a:bodyPr>
           <a:lstStyle/>
           <a:p>
+            <a:pPr algn="ctr" eaLnBrk="0" hangingPunct="0"/>
             <a:endParaRPr lang="en-US"/>
           </a:p>
         </p:txBody>
@@ -3882,7 +5012,7 @@
           <p:nvPr/>
         </p:nvPicPr>
         <p:blipFill>
-          <a:blip r:embed="rId2" cstate="print">
+          <a:blip r:embed="rId3" cstate="print">
             <a:duotone>
               <a:prstClr val="black"/>
               <a:schemeClr val="accent4">
@@ -3920,7 +5050,7 @@
           <p:nvPr/>
         </p:nvPicPr>
         <p:blipFill>
-          <a:blip r:embed="rId3" cstate="print">
+          <a:blip r:embed="rId4" cstate="print">
             <a:duotone>
               <a:prstClr val="black"/>
               <a:schemeClr val="accent4">
@@ -3983,7 +5113,7 @@
       </p:grpSpPr>
       <p:sp>
         <p:nvSpPr>
-          <p:cNvPr id="2" name="Title 1"/>
+          <p:cNvPr id="26625" name="Title 1"/>
           <p:cNvSpPr>
             <a:spLocks noGrp="1"/>
           </p:cNvSpPr>
@@ -3997,16 +5127,15 @@
           <a:lstStyle/>
           <a:p>
             <a:r>
-              <a:rPr lang="en-US" dirty="0" smtClean="0"/>
+              <a:rPr lang="en-US" smtClean="0"/>
               <a:t>Interpolation Rules?</a:t>
             </a:r>
-            <a:endParaRPr lang="en-US" dirty="0"/>
-          </a:p>
-        </p:txBody>
-      </p:sp>
-      <p:sp>
-        <p:nvSpPr>
-          <p:cNvPr id="4" name="Content Placeholder 3"/>
+          </a:p>
+        </p:txBody>
+      </p:sp>
+      <p:sp>
+        <p:nvSpPr>
+          <p:cNvPr id="26626" name="Content Placeholder 3"/>
           <p:cNvSpPr>
             <a:spLocks noGrp="1"/>
           </p:cNvSpPr>
@@ -4020,52 +5149,53 @@
           <a:lstStyle/>
           <a:p>
             <a:r>
-              <a:rPr lang="en-US" dirty="0" smtClean="0"/>
+              <a:rPr lang="en-US" smtClean="0"/>
               <a:t>Every channel must have one x-sect.</a:t>
             </a:r>
           </a:p>
           <a:p>
             <a:r>
-              <a:rPr lang="en-US" dirty="0" smtClean="0"/>
+              <a:rPr lang="en-US" smtClean="0"/>
               <a:t>Interpolation is done between x-sects.</a:t>
             </a:r>
           </a:p>
           <a:p>
             <a:r>
-              <a:rPr lang="en-US" dirty="0" smtClean="0"/>
+              <a:rPr lang="en-US" smtClean="0"/>
               <a:t>If dead end or multi-channel node, the last available X-sect is extended.</a:t>
             </a:r>
           </a:p>
           <a:p>
             <a:r>
-              <a:rPr lang="en-US" dirty="0" smtClean="0"/>
+              <a:rPr lang="en-US" smtClean="0"/>
               <a:t>Interpolation is linear and based on height from bottom</a:t>
             </a:r>
-            <a:endParaRPr lang="en-US" dirty="0"/>
-          </a:p>
-        </p:txBody>
-      </p:sp>
-      <p:sp>
-        <p:nvSpPr>
-          <p:cNvPr id="3" name="Date Placeholder 2"/>
+          </a:p>
+        </p:txBody>
+      </p:sp>
+      <p:sp>
+        <p:nvSpPr>
+          <p:cNvPr id="26627" name="Date Placeholder 2"/>
           <p:cNvSpPr>
             <a:spLocks noGrp="1"/>
           </p:cNvSpPr>
           <p:nvPr>
-            <p:ph type="dt" sz="half" idx="10"/>
-          </p:nvPr>
-        </p:nvSpPr>
-        <p:spPr/>
+            <p:ph type="dt" sz="quarter" idx="10"/>
+          </p:nvPr>
+        </p:nvSpPr>
+        <p:spPr>
+          <a:noFill/>
+        </p:spPr>
         <p:txBody>
           <a:bodyPr/>
           <a:lstStyle/>
           <a:p>
-            <a:fld id="{51D5166A-F8A3-4CB7-ADBF-C664B236B1EF}" type="slidenum">
+            <a:fld id="{D094D9D6-A6AB-4406-AA0E-2E0B52045041}" type="slidenum">
               <a:rPr lang="en-US" smtClean="0"/>
               <a:pPr/>
               <a:t>11</a:t>
             </a:fld>
-            <a:endParaRPr lang="en-US"/>
+            <a:endParaRPr lang="en-US" smtClean="0"/>
           </a:p>
         </p:txBody>
       </p:sp>
@@ -4104,7 +5234,7 @@
       </p:grpSpPr>
       <p:sp>
         <p:nvSpPr>
-          <p:cNvPr id="1199117" name="Rectangle 13"/>
+          <p:cNvPr id="27649" name="Rectangle 13"/>
           <p:cNvSpPr>
             <a:spLocks noChangeArrowheads="1"/>
           </p:cNvSpPr>
@@ -4112,8 +5242,8 @@
         </p:nvSpPr>
         <p:spPr bwMode="auto">
           <a:xfrm>
-            <a:off x="762000" y="3708001"/>
-            <a:ext cx="7080142" cy="553998"/>
+            <a:off x="762000" y="3708400"/>
+            <a:ext cx="7080250" cy="554038"/>
           </a:xfrm>
           <a:prstGeom prst="rect">
             <a:avLst/>
@@ -4125,14 +5255,14 @@
             <a:headEnd/>
             <a:tailEnd/>
           </a:ln>
-          <a:effectLst/>
-        </p:spPr>
-        <p:txBody>
-          <a:bodyPr wrap="square" lIns="0" tIns="0" rIns="0" bIns="0" anchor="ctr">
+        </p:spPr>
+        <p:txBody>
+          <a:bodyPr lIns="0" tIns="0" rIns="0" bIns="0" anchor="ctr">
             <a:spAutoFit/>
           </a:bodyPr>
           <a:lstStyle/>
           <a:p>
+            <a:pPr algn="ctr" eaLnBrk="0" hangingPunct="0"/>
             <a:endParaRPr lang="en-US"/>
           </a:p>
         </p:txBody>
@@ -4146,7 +5276,7 @@
           <p:nvPr/>
         </p:nvPicPr>
         <p:blipFill>
-          <a:blip r:embed="rId2" cstate="print">
+          <a:blip r:embed="rId3" cstate="print">
             <a:duotone>
               <a:prstClr val="black"/>
               <a:schemeClr val="accent4">
@@ -4173,7 +5303,7 @@
       </p:pic>
       <p:sp>
         <p:nvSpPr>
-          <p:cNvPr id="1199108" name="Rectangle 4"/>
+          <p:cNvPr id="27651" name="Rectangle 4"/>
           <p:cNvSpPr>
             <a:spLocks noGrp="1" noChangeArrowheads="1"/>
           </p:cNvSpPr>
@@ -4192,16 +5322,15 @@
           <a:lstStyle/>
           <a:p>
             <a:r>
-              <a:rPr lang="en-US" sz="4000" dirty="0" smtClean="0"/>
+              <a:rPr lang="en-US" sz="4000" smtClean="0"/>
               <a:t>Height-based Interpolation</a:t>
             </a:r>
-            <a:endParaRPr lang="en-US" sz="4000" dirty="0"/>
-          </a:p>
-        </p:txBody>
-      </p:sp>
-      <p:sp>
-        <p:nvSpPr>
-          <p:cNvPr id="1199111" name="Rectangle 7"/>
+          </a:p>
+        </p:txBody>
+      </p:sp>
+      <p:sp>
+        <p:nvSpPr>
+          <p:cNvPr id="27652" name="Rectangle 7"/>
           <p:cNvSpPr>
             <a:spLocks noChangeArrowheads="1"/>
           </p:cNvSpPr>
@@ -4224,7 +5353,6 @@
             <a:headEnd/>
             <a:tailEnd/>
           </a:ln>
-          <a:effectLst/>
         </p:spPr>
         <p:txBody>
           <a:bodyPr wrap="none" lIns="0" tIns="0" rIns="0" bIns="0" anchor="ctr">
@@ -4232,14 +5360,14 @@
           </a:bodyPr>
           <a:lstStyle/>
           <a:p>
-            <a:pPr algn="ctr"/>
+            <a:pPr algn="ctr" eaLnBrk="0" hangingPunct="0"/>
             <a:endParaRPr lang="en-US"/>
           </a:p>
         </p:txBody>
       </p:sp>
       <p:sp>
         <p:nvSpPr>
-          <p:cNvPr id="1199118" name="Text Box 14"/>
+          <p:cNvPr id="27653" name="Text Box 14"/>
           <p:cNvSpPr txBox="1">
             <a:spLocks noChangeArrowheads="1"/>
           </p:cNvSpPr>
@@ -4247,8 +5375,8 @@
         </p:nvSpPr>
         <p:spPr bwMode="auto">
           <a:xfrm rot="-479820">
-            <a:off x="3999868" y="2665820"/>
-            <a:ext cx="2757165" cy="276999"/>
+            <a:off x="4000500" y="2665413"/>
+            <a:ext cx="2755900" cy="277812"/>
           </a:xfrm>
           <a:prstGeom prst="rect">
             <a:avLst/>
@@ -4260,7 +5388,6 @@
             <a:headEnd/>
             <a:tailEnd/>
           </a:ln>
-          <a:effectLst/>
         </p:spPr>
         <p:txBody>
           <a:bodyPr wrap="none" lIns="0" tIns="0" rIns="0" bIns="0">
@@ -4268,8 +5395,9 @@
           </a:bodyPr>
           <a:lstStyle/>
           <a:p>
-            <a:r>
-              <a:rPr lang="en-US" sz="1800" dirty="0">
+            <a:pPr algn="ctr" eaLnBrk="0" hangingPunct="0"/>
+            <a:r>
+              <a:rPr lang="en-US" sz="1800">
                 <a:solidFill>
                   <a:schemeClr val="bg2"/>
                 </a:solidFill>
@@ -4281,7 +5409,7 @@
       </p:sp>
       <p:sp>
         <p:nvSpPr>
-          <p:cNvPr id="1199119" name="Text Box 15"/>
+          <p:cNvPr id="27654" name="Text Box 15"/>
           <p:cNvSpPr txBox="1">
             <a:spLocks noChangeArrowheads="1"/>
           </p:cNvSpPr>
@@ -4289,8 +5417,8 @@
         </p:nvSpPr>
         <p:spPr bwMode="auto">
           <a:xfrm rot="-912370">
-            <a:off x="2947566" y="3275420"/>
-            <a:ext cx="2385268" cy="276999"/>
+            <a:off x="2947988" y="3275013"/>
+            <a:ext cx="2384425" cy="277812"/>
           </a:xfrm>
           <a:prstGeom prst="rect">
             <a:avLst/>
@@ -4302,7 +5430,6 @@
             <a:headEnd/>
             <a:tailEnd/>
           </a:ln>
-          <a:effectLst/>
         </p:spPr>
         <p:txBody>
           <a:bodyPr wrap="none" lIns="0" tIns="0" rIns="0" bIns="0">
@@ -4310,8 +5437,9 @@
           </a:bodyPr>
           <a:lstStyle/>
           <a:p>
-            <a:r>
-              <a:rPr lang="en-US" sz="1800" dirty="0">
+            <a:pPr algn="ctr" eaLnBrk="0" hangingPunct="0"/>
+            <a:r>
+              <a:rPr lang="en-US" sz="1800">
                 <a:solidFill>
                   <a:schemeClr val="bg2"/>
                 </a:solidFill>
@@ -4323,7 +5451,7 @@
       </p:sp>
       <p:sp>
         <p:nvSpPr>
-          <p:cNvPr id="1199120" name="Text Box 16"/>
+          <p:cNvPr id="27655" name="Text Box 16"/>
           <p:cNvSpPr txBox="1">
             <a:spLocks noChangeArrowheads="1"/>
           </p:cNvSpPr>
@@ -4331,8 +5459,8 @@
         </p:nvSpPr>
         <p:spPr bwMode="auto">
           <a:xfrm rot="-796239">
-            <a:off x="2674814" y="5137964"/>
-            <a:ext cx="1667123" cy="553998"/>
+            <a:off x="2674938" y="5138738"/>
+            <a:ext cx="1666875" cy="552450"/>
           </a:xfrm>
           <a:prstGeom prst="rect">
             <a:avLst/>
@@ -4344,7 +5472,6 @@
             <a:headEnd/>
             <a:tailEnd/>
           </a:ln>
-          <a:effectLst/>
         </p:spPr>
         <p:txBody>
           <a:bodyPr wrap="none" lIns="0" tIns="0" rIns="0" bIns="0">
@@ -4352,41 +5479,20 @@
           </a:bodyPr>
           <a:lstStyle/>
           <a:p>
-            <a:pPr>
-              <a:spcBef>
-                <a:spcPct val="0"/>
-              </a:spcBef>
-            </a:pPr>
-            <a:r>
-              <a:rPr lang="en-US" sz="1800" dirty="0">
+            <a:pPr algn="ctr" eaLnBrk="0" hangingPunct="0"/>
+            <a:r>
+              <a:rPr lang="en-US" sz="1800">
                 <a:solidFill>
                   <a:schemeClr val="bg2"/>
                 </a:solidFill>
               </a:rPr>
-              <a:t>Adjusted </a:t>
-            </a:r>
-            <a:r>
-              <a:rPr lang="en-US" sz="1800" dirty="0" err="1">
-                <a:solidFill>
-                  <a:schemeClr val="bg2"/>
-                </a:solidFill>
-              </a:rPr>
-              <a:t>Xsect</a:t>
-            </a:r>
-            <a:endParaRPr lang="en-US" sz="1800" dirty="0">
-              <a:solidFill>
-                <a:schemeClr val="bg2"/>
-              </a:solidFill>
-            </a:endParaRPr>
-          </a:p>
-          <a:p>
-            <a:pPr>
-              <a:spcBef>
-                <a:spcPct val="0"/>
-              </a:spcBef>
-            </a:pPr>
-            <a:r>
-              <a:rPr lang="en-US" sz="1800" dirty="0">
+              <a:t>Adjusted Xsect</a:t>
+            </a:r>
+          </a:p>
+          <a:p>
+            <a:pPr algn="ctr" eaLnBrk="0" hangingPunct="0"/>
+            <a:r>
+              <a:rPr lang="en-US" sz="1800">
                 <a:solidFill>
                   <a:schemeClr val="bg2"/>
                 </a:solidFill>
@@ -4430,7 +5536,7 @@
       </p:grpSpPr>
       <p:sp>
         <p:nvSpPr>
-          <p:cNvPr id="2" name="Title 1"/>
+          <p:cNvPr id="28673" name="Title 1"/>
           <p:cNvSpPr>
             <a:spLocks noGrp="1"/>
           </p:cNvSpPr>
@@ -4444,20 +5550,15 @@
           <a:lstStyle/>
           <a:p>
             <a:r>
-              <a:rPr lang="en-US" dirty="0" smtClean="0"/>
-              <a:t>Geometry </a:t>
-            </a:r>
-            <a:r>
-              <a:rPr lang="en-US" dirty="0" err="1" smtClean="0"/>
-              <a:t>Gotchas</a:t>
-            </a:r>
-            <a:endParaRPr lang="en-US" dirty="0"/>
-          </a:p>
-        </p:txBody>
-      </p:sp>
-      <p:sp>
-        <p:nvSpPr>
-          <p:cNvPr id="3" name="Content Placeholder 2"/>
+              <a:rPr lang="en-US" smtClean="0"/>
+              <a:t>Geometry Gotchas</a:t>
+            </a:r>
+          </a:p>
+        </p:txBody>
+      </p:sp>
+      <p:sp>
+        <p:nvSpPr>
+          <p:cNvPr id="28674" name="Content Placeholder 2"/>
           <p:cNvSpPr>
             <a:spLocks noGrp="1"/>
           </p:cNvSpPr>
@@ -4471,46 +5572,47 @@
           <a:lstStyle/>
           <a:p>
             <a:r>
-              <a:rPr lang="en-US" dirty="0" smtClean="0"/>
+              <a:rPr lang="en-US" smtClean="0"/>
               <a:t>Providing more x-sects than the model can use.</a:t>
             </a:r>
           </a:p>
           <a:p>
             <a:r>
-              <a:rPr lang="en-US" dirty="0" smtClean="0"/>
+              <a:rPr lang="en-US" smtClean="0"/>
               <a:t>Including unusual x-sects instead of representational</a:t>
             </a:r>
           </a:p>
           <a:p>
             <a:r>
-              <a:rPr lang="en-US" dirty="0" smtClean="0"/>
+              <a:rPr lang="en-US" smtClean="0"/>
               <a:t>Uneven bottom elevations due to “pits”</a:t>
             </a:r>
-            <a:endParaRPr lang="en-US" dirty="0"/>
-          </a:p>
-        </p:txBody>
-      </p:sp>
-      <p:sp>
-        <p:nvSpPr>
-          <p:cNvPr id="4" name="Date Placeholder 3"/>
+          </a:p>
+        </p:txBody>
+      </p:sp>
+      <p:sp>
+        <p:nvSpPr>
+          <p:cNvPr id="28675" name="Date Placeholder 3"/>
           <p:cNvSpPr>
             <a:spLocks noGrp="1"/>
           </p:cNvSpPr>
           <p:nvPr>
-            <p:ph type="dt" sz="half" idx="10"/>
-          </p:nvPr>
-        </p:nvSpPr>
-        <p:spPr/>
+            <p:ph type="dt" sz="quarter" idx="10"/>
+          </p:nvPr>
+        </p:nvSpPr>
+        <p:spPr>
+          <a:noFill/>
+        </p:spPr>
         <p:txBody>
           <a:bodyPr/>
           <a:lstStyle/>
           <a:p>
-            <a:fld id="{AB98F214-5D90-468C-9EE8-E1612B8D2BE2}" type="slidenum">
+            <a:fld id="{EBFE6949-E9AF-468D-89E7-313675E75183}" type="slidenum">
               <a:rPr lang="en-US" smtClean="0"/>
               <a:pPr/>
               <a:t>13</a:t>
             </a:fld>
-            <a:endParaRPr lang="en-US"/>
+            <a:endParaRPr lang="en-US" smtClean="0"/>
           </a:p>
         </p:txBody>
       </p:sp>
@@ -4549,7 +5651,7 @@
       </p:grpSpPr>
       <p:sp>
         <p:nvSpPr>
-          <p:cNvPr id="2" name="Title 1"/>
+          <p:cNvPr id="30721" name="Title 1"/>
           <p:cNvSpPr>
             <a:spLocks noGrp="1"/>
           </p:cNvSpPr>
@@ -4563,16 +5665,15 @@
           <a:lstStyle/>
           <a:p>
             <a:r>
-              <a:rPr lang="en-US" dirty="0" smtClean="0"/>
+              <a:rPr lang="en-US" smtClean="0"/>
               <a:t>Other Channel Data</a:t>
             </a:r>
-            <a:endParaRPr lang="en-US" dirty="0"/>
-          </a:p>
-        </p:txBody>
-      </p:sp>
-      <p:sp>
-        <p:nvSpPr>
-          <p:cNvPr id="4" name="Content Placeholder 3"/>
+          </a:p>
+        </p:txBody>
+      </p:sp>
+      <p:sp>
+        <p:nvSpPr>
+          <p:cNvPr id="30722" name="Content Placeholder 3"/>
           <p:cNvSpPr>
             <a:spLocks noGrp="1"/>
           </p:cNvSpPr>
@@ -4586,69 +5687,62 @@
           <a:lstStyle/>
           <a:p>
             <a:r>
-              <a:rPr lang="en-US" dirty="0" smtClean="0"/>
-              <a:t>Friction (</a:t>
-            </a:r>
-            <a:r>
-              <a:rPr lang="en-US" dirty="0" err="1" smtClean="0"/>
-              <a:t>Mannings</a:t>
-            </a:r>
-            <a:r>
-              <a:rPr lang="en-US" dirty="0" smtClean="0"/>
-              <a:t> n)</a:t>
-            </a:r>
-          </a:p>
-          <a:p>
-            <a:r>
-              <a:rPr lang="en-US" dirty="0" smtClean="0"/>
+              <a:rPr lang="en-US" smtClean="0"/>
+              <a:t>Friction (Mannings n)</a:t>
+            </a:r>
+          </a:p>
+          <a:p>
+            <a:r>
+              <a:rPr lang="en-US" smtClean="0"/>
               <a:t>Dispersion (out of scope for this class)</a:t>
             </a:r>
           </a:p>
           <a:p>
             <a:pPr lvl="1"/>
             <a:r>
-              <a:rPr lang="en-US" dirty="0" smtClean="0"/>
+              <a:rPr lang="en-US" smtClean="0"/>
               <a:t>IS flow dependent</a:t>
             </a:r>
           </a:p>
           <a:p>
             <a:pPr lvl="1"/>
             <a:r>
-              <a:rPr lang="en-US" dirty="0" smtClean="0"/>
+              <a:rPr lang="en-US" smtClean="0"/>
               <a:t>Is  NOT classic Dispersion</a:t>
             </a:r>
           </a:p>
           <a:p>
             <a:pPr lvl="1"/>
             <a:r>
-              <a:rPr lang="en-US" dirty="0" smtClean="0"/>
+              <a:rPr lang="en-US" smtClean="0"/>
               <a:t>See Annual Report Chapter</a:t>
             </a:r>
-            <a:endParaRPr lang="en-US" dirty="0"/>
-          </a:p>
-        </p:txBody>
-      </p:sp>
-      <p:sp>
-        <p:nvSpPr>
-          <p:cNvPr id="3" name="Date Placeholder 2"/>
+          </a:p>
+        </p:txBody>
+      </p:sp>
+      <p:sp>
+        <p:nvSpPr>
+          <p:cNvPr id="30723" name="Date Placeholder 2"/>
           <p:cNvSpPr>
             <a:spLocks noGrp="1"/>
           </p:cNvSpPr>
           <p:nvPr>
-            <p:ph type="dt" sz="half" idx="10"/>
-          </p:nvPr>
-        </p:nvSpPr>
-        <p:spPr/>
+            <p:ph type="dt" sz="quarter" idx="10"/>
+          </p:nvPr>
+        </p:nvSpPr>
+        <p:spPr>
+          <a:noFill/>
+        </p:spPr>
         <p:txBody>
           <a:bodyPr/>
           <a:lstStyle/>
           <a:p>
-            <a:fld id="{51D5166A-F8A3-4CB7-ADBF-C664B236B1EF}" type="slidenum">
+            <a:fld id="{75CB334E-9946-4037-A72C-575E4DD810B9}" type="slidenum">
               <a:rPr lang="en-US" smtClean="0"/>
               <a:pPr/>
               <a:t>14</a:t>
             </a:fld>
-            <a:endParaRPr lang="en-US"/>
+            <a:endParaRPr lang="en-US" smtClean="0"/>
           </a:p>
         </p:txBody>
       </p:sp>
@@ -4687,25 +5781,27 @@
       </p:grpSpPr>
       <p:sp>
         <p:nvSpPr>
-          <p:cNvPr id="2" name="Date Placeholder 1"/>
+          <p:cNvPr id="31745" name="Date Placeholder 1"/>
           <p:cNvSpPr>
             <a:spLocks noGrp="1"/>
           </p:cNvSpPr>
           <p:nvPr>
-            <p:ph type="dt" sz="half" idx="10"/>
-          </p:nvPr>
-        </p:nvSpPr>
-        <p:spPr/>
+            <p:ph type="dt" sz="quarter" idx="10"/>
+          </p:nvPr>
+        </p:nvSpPr>
+        <p:spPr>
+          <a:noFill/>
+        </p:spPr>
         <p:txBody>
           <a:bodyPr/>
           <a:lstStyle/>
           <a:p>
-            <a:fld id="{36103BCD-C163-42FC-98E8-AC80D1034F2C}" type="slidenum">
+            <a:fld id="{89121DA5-2B0D-4E52-A8A7-838439926A6D}" type="slidenum">
               <a:rPr lang="en-US" smtClean="0"/>
               <a:pPr/>
               <a:t>15</a:t>
             </a:fld>
-            <a:endParaRPr lang="en-US"/>
+            <a:endParaRPr lang="en-US" smtClean="0"/>
           </a:p>
         </p:txBody>
       </p:sp>
@@ -4719,7 +5815,7 @@
         </p:nvSpPr>
         <p:spPr>
           <a:xfrm>
-            <a:off x="685800" y="2260173"/>
+            <a:off x="685800" y="2260600"/>
             <a:ext cx="7772400" cy="3581400"/>
           </a:xfrm>
           <a:prstGeom prst="rect">
@@ -4730,419 +5826,204 @@
           <a:bodyPr/>
           <a:lstStyle/>
           <a:p>
-            <a:pPr marL="342900" marR="0" lvl="0" indent="-342900" algn="l" defTabSz="914400" rtl="0" eaLnBrk="0" fontAlgn="base" latinLnBrk="0" hangingPunct="0">
+            <a:pPr marL="342900" indent="-342900" eaLnBrk="0" hangingPunct="0">
               <a:lnSpc>
                 <a:spcPct val="80000"/>
               </a:lnSpc>
               <a:spcBef>
                 <a:spcPct val="20000"/>
               </a:spcBef>
-              <a:spcAft>
-                <a:spcPct val="0"/>
-              </a:spcAft>
-              <a:buClrTx/>
-              <a:buSzTx/>
-              <a:buFontTx/>
-              <a:buNone/>
-              <a:tabLst/>
               <a:defRPr/>
             </a:pPr>
             <a:r>
-              <a:rPr kumimoji="0" lang="en-US" sz="3600" b="0" i="0" u="none" strike="noStrike" kern="0" cap="none" spc="0" normalizeH="0" baseline="0" noProof="0" dirty="0" smtClean="0">
-                <a:ln>
-                  <a:noFill/>
-                </a:ln>
-                <a:solidFill>
-                  <a:schemeClr val="tx1"/>
-                </a:solidFill>
-                <a:effectLst/>
-                <a:uLnTx/>
-                <a:uFillTx/>
+              <a:rPr lang="en-US" b="0" kern="0" dirty="0">
                 <a:latin typeface="+mn-lt"/>
-                <a:ea typeface="+mn-ea"/>
-                <a:cs typeface="+mn-cs"/>
               </a:rPr>
               <a:t>	</a:t>
             </a:r>
             <a:r>
-              <a:rPr kumimoji="0" lang="en-US" sz="3200" b="0" i="0" u="none" strike="noStrike" kern="0" cap="none" spc="0" normalizeH="0" baseline="0" noProof="0" dirty="0" smtClean="0">
-                <a:ln>
-                  <a:noFill/>
-                </a:ln>
-                <a:solidFill>
-                  <a:schemeClr val="tx1"/>
-                </a:solidFill>
-                <a:effectLst/>
-                <a:uLnTx/>
-                <a:uFillTx/>
+              <a:rPr lang="en-US" sz="3200" b="0" kern="0" dirty="0">
                 <a:latin typeface="+mn-lt"/>
-                <a:ea typeface="+mn-ea"/>
-                <a:cs typeface="+mn-cs"/>
-                <a:hlinkClick r:id="rId2"/>
+                <a:hlinkClick r:id="rId3"/>
               </a:rPr>
               <a:t>http://baydeltaoffice.water.ca.gov/modeling/deltamodeling/annualreports.cfm</a:t>
             </a:r>
-            <a:endParaRPr kumimoji="0" lang="en-US" sz="3200" b="0" i="0" u="none" strike="noStrike" kern="0" cap="none" spc="0" normalizeH="0" baseline="0" noProof="0" dirty="0" smtClean="0">
-              <a:ln>
-                <a:noFill/>
-              </a:ln>
-              <a:solidFill>
-                <a:schemeClr val="tx1"/>
-              </a:solidFill>
-              <a:effectLst/>
-              <a:uLnTx/>
-              <a:uFillTx/>
+            <a:endParaRPr lang="en-US" sz="3200" b="0" kern="0" dirty="0">
               <a:latin typeface="+mn-lt"/>
-              <a:ea typeface="+mn-ea"/>
-              <a:cs typeface="+mn-cs"/>
             </a:endParaRPr>
           </a:p>
           <a:p>
-            <a:pPr marL="342900" marR="0" lvl="0" indent="-342900" algn="l" defTabSz="914400" rtl="0" eaLnBrk="0" fontAlgn="base" latinLnBrk="0" hangingPunct="0">
+            <a:pPr marL="342900" indent="-342900" eaLnBrk="0" hangingPunct="0">
               <a:lnSpc>
                 <a:spcPct val="80000"/>
               </a:lnSpc>
               <a:spcBef>
                 <a:spcPct val="50000"/>
               </a:spcBef>
-              <a:spcAft>
-                <a:spcPct val="0"/>
-              </a:spcAft>
-              <a:buClrTx/>
-              <a:buSzTx/>
               <a:buFontTx/>
               <a:buChar char="•"/>
-              <a:tabLst/>
               <a:defRPr/>
             </a:pPr>
             <a:r>
-              <a:rPr kumimoji="0" lang="en-US" sz="2400" b="0" i="0" u="none" strike="noStrike" kern="0" cap="none" spc="0" normalizeH="0" baseline="0" noProof="0" dirty="0" smtClean="0">
-                <a:ln>
-                  <a:noFill/>
-                </a:ln>
-                <a:solidFill>
-                  <a:schemeClr val="tx1"/>
-                </a:solidFill>
-                <a:effectLst/>
-                <a:uLnTx/>
-                <a:uFillTx/>
+              <a:rPr lang="en-US" sz="2400" b="0" kern="0" dirty="0">
                 <a:latin typeface="+mn-lt"/>
-                <a:ea typeface="+mn-ea"/>
-                <a:cs typeface="+mn-cs"/>
               </a:rPr>
               <a:t>QUAL dispersion coefficients 2008 CH2</a:t>
             </a:r>
           </a:p>
           <a:p>
-            <a:pPr marL="342900" marR="0" lvl="0" indent="-342900" algn="l" defTabSz="914400" rtl="0" eaLnBrk="0" fontAlgn="base" latinLnBrk="0" hangingPunct="0">
+            <a:pPr marL="342900" indent="-342900" eaLnBrk="0" hangingPunct="0">
               <a:lnSpc>
                 <a:spcPct val="80000"/>
               </a:lnSpc>
               <a:spcBef>
                 <a:spcPct val="20000"/>
               </a:spcBef>
-              <a:spcAft>
-                <a:spcPct val="0"/>
-              </a:spcAft>
-              <a:buClrTx/>
-              <a:buSzTx/>
               <a:buFontTx/>
               <a:buChar char="•"/>
-              <a:tabLst/>
               <a:defRPr/>
             </a:pPr>
             <a:r>
-              <a:rPr kumimoji="0" lang="en-US" sz="2400" b="0" i="0" u="none" strike="noStrike" kern="0" cap="none" spc="0" normalizeH="0" baseline="0" noProof="0" dirty="0" smtClean="0">
-                <a:ln>
-                  <a:noFill/>
-                </a:ln>
-                <a:solidFill>
-                  <a:schemeClr val="tx1"/>
-                </a:solidFill>
-                <a:effectLst/>
-                <a:uLnTx/>
-                <a:uFillTx/>
+              <a:rPr lang="en-US" sz="2400" b="0" kern="0" dirty="0">
                 <a:latin typeface="+mn-lt"/>
-                <a:ea typeface="+mn-ea"/>
-                <a:cs typeface="+mn-cs"/>
               </a:rPr>
               <a:t>82-year planning tide 2007 CH4</a:t>
             </a:r>
           </a:p>
           <a:p>
-            <a:pPr marL="342900" marR="0" lvl="0" indent="-342900" algn="l" defTabSz="914400" rtl="0" eaLnBrk="0" fontAlgn="base" latinLnBrk="0" hangingPunct="0">
+            <a:pPr marL="342900" indent="-342900" eaLnBrk="0" hangingPunct="0">
               <a:lnSpc>
                 <a:spcPct val="80000"/>
               </a:lnSpc>
               <a:spcBef>
                 <a:spcPct val="20000"/>
               </a:spcBef>
-              <a:spcAft>
-                <a:spcPct val="0"/>
-              </a:spcAft>
-              <a:buClrTx/>
-              <a:buSzTx/>
               <a:buFontTx/>
               <a:buChar char="•"/>
-              <a:tabLst/>
               <a:defRPr/>
             </a:pPr>
             <a:r>
-              <a:rPr kumimoji="0" lang="en-US" sz="2400" b="0" i="0" u="none" strike="noStrike" kern="0" cap="none" spc="0" normalizeH="0" baseline="0" noProof="0" dirty="0" smtClean="0">
-                <a:ln>
-                  <a:noFill/>
-                </a:ln>
-                <a:solidFill>
-                  <a:schemeClr val="tx1"/>
-                </a:solidFill>
-                <a:effectLst/>
-                <a:uLnTx/>
-                <a:uFillTx/>
+              <a:rPr lang="en-US" sz="2400" b="0" kern="0" dirty="0">
                 <a:latin typeface="+mn-lt"/>
-                <a:ea typeface="+mn-ea"/>
-                <a:cs typeface="+mn-cs"/>
               </a:rPr>
               <a:t>SDIP gates 2006 CH6</a:t>
             </a:r>
           </a:p>
           <a:p>
-            <a:pPr marL="342900" marR="0" lvl="0" indent="-342900" algn="l" defTabSz="914400" rtl="0" eaLnBrk="0" fontAlgn="base" latinLnBrk="0" hangingPunct="0">
+            <a:pPr marL="342900" indent="-342900" eaLnBrk="0" hangingPunct="0">
               <a:lnSpc>
                 <a:spcPct val="80000"/>
               </a:lnSpc>
               <a:spcBef>
                 <a:spcPct val="20000"/>
               </a:spcBef>
-              <a:spcAft>
-                <a:spcPct val="0"/>
-              </a:spcAft>
-              <a:buClrTx/>
-              <a:buSzTx/>
               <a:buFontTx/>
               <a:buChar char="•"/>
-              <a:tabLst/>
               <a:defRPr/>
             </a:pPr>
             <a:r>
-              <a:rPr kumimoji="0" lang="en-US" sz="2400" b="0" i="0" u="none" strike="noStrike" kern="0" cap="none" spc="0" normalizeH="0" baseline="0" noProof="0" dirty="0" smtClean="0">
-                <a:ln>
-                  <a:noFill/>
-                </a:ln>
-                <a:solidFill>
-                  <a:schemeClr val="tx1"/>
-                </a:solidFill>
-                <a:effectLst/>
-                <a:uLnTx/>
-                <a:uFillTx/>
+              <a:rPr lang="en-US" sz="2400" b="0" kern="0" dirty="0">
                 <a:latin typeface="+mn-lt"/>
-                <a:ea typeface="+mn-ea"/>
-                <a:cs typeface="+mn-cs"/>
               </a:rPr>
               <a:t>PTM for fish entrainment 2006 CH10</a:t>
             </a:r>
           </a:p>
           <a:p>
-            <a:pPr marL="342900" marR="0" lvl="0" indent="-342900" algn="l" defTabSz="914400" rtl="0" eaLnBrk="0" fontAlgn="base" latinLnBrk="0" hangingPunct="0">
+            <a:pPr marL="342900" indent="-342900" eaLnBrk="0" hangingPunct="0">
               <a:lnSpc>
                 <a:spcPct val="80000"/>
               </a:lnSpc>
               <a:spcBef>
                 <a:spcPct val="20000"/>
               </a:spcBef>
-              <a:spcAft>
-                <a:spcPct val="0"/>
-              </a:spcAft>
-              <a:buClrTx/>
-              <a:buSzTx/>
               <a:buFontTx/>
               <a:buChar char="•"/>
-              <a:tabLst/>
               <a:defRPr/>
             </a:pPr>
             <a:r>
-              <a:rPr kumimoji="0" lang="en-US" sz="2400" b="0" i="0" u="none" strike="noStrike" kern="0" cap="none" spc="0" normalizeH="0" baseline="0" noProof="0" dirty="0" smtClean="0">
-                <a:ln>
-                  <a:noFill/>
-                </a:ln>
-                <a:solidFill>
-                  <a:schemeClr val="tx1"/>
-                </a:solidFill>
-                <a:effectLst/>
-                <a:uLnTx/>
-                <a:uFillTx/>
+              <a:rPr lang="en-US" sz="2400" b="0" kern="0" dirty="0">
                 <a:latin typeface="+mn-lt"/>
-                <a:ea typeface="+mn-ea"/>
-                <a:cs typeface="+mn-cs"/>
               </a:rPr>
               <a:t>Fingerprinting 2005 CH6, 2002 CH14 </a:t>
             </a:r>
           </a:p>
           <a:p>
-            <a:pPr marL="342900" marR="0" lvl="0" indent="-342900" algn="l" defTabSz="914400" rtl="0" eaLnBrk="0" fontAlgn="base" latinLnBrk="0" hangingPunct="0">
+            <a:pPr marL="342900" indent="-342900" eaLnBrk="0" hangingPunct="0">
               <a:lnSpc>
                 <a:spcPct val="80000"/>
               </a:lnSpc>
               <a:spcBef>
                 <a:spcPct val="20000"/>
               </a:spcBef>
-              <a:spcAft>
-                <a:spcPct val="0"/>
-              </a:spcAft>
-              <a:buClrTx/>
-              <a:buSzTx/>
               <a:buFontTx/>
               <a:buChar char="•"/>
-              <a:tabLst/>
               <a:defRPr/>
             </a:pPr>
             <a:r>
-              <a:rPr kumimoji="0" lang="en-US" sz="2400" b="0" i="0" u="none" strike="noStrike" kern="0" cap="none" spc="0" normalizeH="0" baseline="0" noProof="0" dirty="0" smtClean="0">
-                <a:ln>
-                  <a:noFill/>
-                </a:ln>
-                <a:solidFill>
-                  <a:schemeClr val="tx1"/>
-                </a:solidFill>
-                <a:effectLst/>
-                <a:uLnTx/>
-                <a:uFillTx/>
+              <a:rPr lang="en-US" sz="2400" b="0" kern="0" dirty="0">
                 <a:latin typeface="+mn-lt"/>
-                <a:ea typeface="+mn-ea"/>
-                <a:cs typeface="+mn-cs"/>
               </a:rPr>
               <a:t>Net Delta Outflow </a:t>
             </a:r>
             <a:r>
-              <a:rPr kumimoji="0" lang="en-US" sz="2400" b="0" i="0" u="none" strike="noStrike" kern="0" cap="none" spc="0" normalizeH="0" baseline="0" noProof="0" dirty="0" err="1" smtClean="0">
-                <a:ln>
-                  <a:noFill/>
-                </a:ln>
-                <a:solidFill>
-                  <a:schemeClr val="tx1"/>
-                </a:solidFill>
-                <a:effectLst/>
-                <a:uLnTx/>
-                <a:uFillTx/>
+              <a:rPr lang="en-US" sz="2400" b="0" kern="0" dirty="0" err="1">
                 <a:latin typeface="+mn-lt"/>
-                <a:ea typeface="+mn-ea"/>
-                <a:cs typeface="+mn-cs"/>
               </a:rPr>
               <a:t>calcs</a:t>
             </a:r>
             <a:r>
-              <a:rPr kumimoji="0" lang="en-US" sz="2400" b="0" i="0" u="none" strike="noStrike" kern="0" cap="none" spc="0" normalizeH="0" baseline="0" noProof="0" dirty="0" smtClean="0">
-                <a:ln>
-                  <a:noFill/>
-                </a:ln>
-                <a:solidFill>
-                  <a:schemeClr val="tx1"/>
-                </a:solidFill>
-                <a:effectLst/>
-                <a:uLnTx/>
-                <a:uFillTx/>
+              <a:rPr lang="en-US" sz="2400" b="0" kern="0" dirty="0">
                 <a:latin typeface="+mn-lt"/>
-                <a:ea typeface="+mn-ea"/>
-                <a:cs typeface="+mn-cs"/>
               </a:rPr>
               <a:t> using DSM2 &amp; </a:t>
             </a:r>
             <a:r>
-              <a:rPr kumimoji="0" lang="en-US" sz="2400" b="0" i="0" u="none" strike="noStrike" kern="0" cap="none" spc="0" normalizeH="0" baseline="0" noProof="0" dirty="0" err="1" smtClean="0">
-                <a:ln>
-                  <a:noFill/>
-                </a:ln>
-                <a:solidFill>
-                  <a:schemeClr val="tx1"/>
-                </a:solidFill>
-                <a:effectLst/>
-                <a:uLnTx/>
-                <a:uFillTx/>
+              <a:rPr lang="en-US" sz="2400" b="0" kern="0" dirty="0" err="1">
                 <a:latin typeface="+mn-lt"/>
-                <a:ea typeface="+mn-ea"/>
-                <a:cs typeface="+mn-cs"/>
               </a:rPr>
               <a:t>CalSim</a:t>
             </a:r>
             <a:r>
-              <a:rPr kumimoji="0" lang="en-US" sz="2400" b="0" i="0" u="none" strike="noStrike" kern="0" cap="none" spc="0" normalizeH="0" baseline="0" noProof="0" dirty="0" smtClean="0">
-                <a:ln>
-                  <a:noFill/>
-                </a:ln>
-                <a:solidFill>
-                  <a:schemeClr val="tx1"/>
-                </a:solidFill>
-                <a:effectLst/>
-                <a:uLnTx/>
-                <a:uFillTx/>
+              <a:rPr lang="en-US" sz="2400" b="0" kern="0" dirty="0">
                 <a:latin typeface="+mn-lt"/>
-                <a:ea typeface="+mn-ea"/>
-                <a:cs typeface="+mn-cs"/>
               </a:rPr>
               <a:t> 2003 CH4</a:t>
             </a:r>
           </a:p>
           <a:p>
-            <a:pPr marL="342900" marR="0" lvl="0" indent="-342900" algn="l" defTabSz="914400" rtl="0" eaLnBrk="0" fontAlgn="base" latinLnBrk="0" hangingPunct="0">
+            <a:pPr marL="342900" indent="-342900" eaLnBrk="0" hangingPunct="0">
               <a:lnSpc>
                 <a:spcPct val="80000"/>
               </a:lnSpc>
               <a:spcBef>
                 <a:spcPct val="20000"/>
               </a:spcBef>
-              <a:spcAft>
-                <a:spcPct val="0"/>
-              </a:spcAft>
-              <a:buClrTx/>
-              <a:buSzTx/>
               <a:buFontTx/>
               <a:buChar char="•"/>
-              <a:tabLst/>
               <a:defRPr/>
             </a:pPr>
             <a:r>
-              <a:rPr kumimoji="0" lang="en-US" sz="2400" b="0" i="0" u="none" strike="noStrike" kern="0" cap="none" spc="0" normalizeH="0" baseline="0" noProof="0" dirty="0" smtClean="0">
-                <a:ln>
-                  <a:noFill/>
-                </a:ln>
-                <a:solidFill>
-                  <a:schemeClr val="tx1"/>
-                </a:solidFill>
-                <a:effectLst/>
-                <a:uLnTx/>
-                <a:uFillTx/>
+              <a:rPr lang="en-US" sz="2400" b="0" kern="0" dirty="0">
                 <a:latin typeface="+mn-lt"/>
-                <a:ea typeface="+mn-ea"/>
-                <a:cs typeface="+mn-cs"/>
               </a:rPr>
               <a:t>Adjusted astronomical tide 2001 CH10</a:t>
             </a:r>
-            <a:endParaRPr kumimoji="0" lang="en-US" sz="3600" b="0" i="0" u="none" strike="noStrike" kern="0" cap="none" spc="0" normalizeH="0" baseline="0" noProof="0" dirty="0">
-              <a:ln>
-                <a:noFill/>
-              </a:ln>
-              <a:solidFill>
-                <a:schemeClr val="tx1"/>
-              </a:solidFill>
-              <a:effectLst/>
-              <a:uLnTx/>
-              <a:uFillTx/>
+            <a:endParaRPr lang="en-US" b="0" kern="0" dirty="0">
               <a:latin typeface="+mn-lt"/>
-              <a:ea typeface="+mn-ea"/>
-              <a:cs typeface="+mn-cs"/>
             </a:endParaRPr>
           </a:p>
         </p:txBody>
       </p:sp>
       <p:pic>
         <p:nvPicPr>
-          <p:cNvPr id="5" name="Picture 13" descr="Polar%20Bear%202%20c"/>
+          <p:cNvPr id="31747" name="Picture 13" descr="Polar%20Bear%202%20c"/>
           <p:cNvPicPr>
             <a:picLocks noChangeAspect="1" noChangeArrowheads="1"/>
           </p:cNvPicPr>
           <p:nvPr/>
         </p:nvPicPr>
         <p:blipFill>
-          <a:blip r:embed="rId3" cstate="print"/>
+          <a:blip r:embed="rId4"/>
           <a:srcRect/>
           <a:stretch>
             <a:fillRect/>
@@ -5157,6 +6038,12 @@
             <a:avLst/>
           </a:prstGeom>
           <a:noFill/>
+          <a:ln w="9525">
+            <a:noFill/>
+            <a:miter lim="800000"/>
+            <a:headEnd/>
+            <a:tailEnd/>
+          </a:ln>
         </p:spPr>
       </p:pic>
       <p:sp>
@@ -5169,8 +6056,8 @@
         </p:nvSpPr>
         <p:spPr>
           <a:xfrm>
-            <a:off x="2163306" y="1331563"/>
-            <a:ext cx="6794715" cy="533400"/>
+            <a:off x="2163763" y="1331913"/>
+            <a:ext cx="6794500" cy="533400"/>
           </a:xfrm>
           <a:prstGeom prst="rect">
             <a:avLst/>
@@ -5180,50 +6067,24 @@
           <a:bodyPr/>
           <a:lstStyle/>
           <a:p>
-            <a:pPr marL="0" marR="0" lvl="0" indent="0" algn="ctr" defTabSz="914400" rtl="0" eaLnBrk="0" fontAlgn="base" latinLnBrk="0" hangingPunct="0">
-              <a:lnSpc>
-                <a:spcPct val="100000"/>
-              </a:lnSpc>
-              <a:spcBef>
-                <a:spcPct val="0"/>
-              </a:spcBef>
-              <a:spcAft>
-                <a:spcPct val="0"/>
-              </a:spcAft>
-              <a:buClrTx/>
-              <a:buSzTx/>
-              <a:buFontTx/>
-              <a:buNone/>
-              <a:tabLst/>
+            <a:pPr algn="ctr" eaLnBrk="0" hangingPunct="0">
               <a:defRPr/>
             </a:pPr>
             <a:r>
-              <a:rPr kumimoji="0" lang="en-US" sz="4000" b="1" i="0" u="none" strike="noStrike" kern="0" cap="none" spc="0" normalizeH="0" baseline="0" noProof="0" dirty="0" smtClean="0">
-                <a:ln>
-                  <a:noFill/>
-                </a:ln>
+              <a:rPr lang="en-US" sz="4000" kern="0" dirty="0">
                 <a:solidFill>
                   <a:srgbClr val="0099FF"/>
                 </a:solidFill>
-                <a:effectLst/>
-                <a:uLnTx/>
-                <a:uFillTx/>
                 <a:latin typeface="+mj-lt"/>
                 <a:ea typeface="+mj-ea"/>
                 <a:cs typeface="+mj-cs"/>
               </a:rPr>
               <a:t>Annual Reports to SWRCB</a:t>
             </a:r>
-            <a:endParaRPr kumimoji="0" lang="en-US" sz="4000" b="1" i="0" u="none" strike="noStrike" kern="0" cap="none" spc="0" normalizeH="0" baseline="0" noProof="0" dirty="0">
-              <a:ln>
-                <a:noFill/>
-              </a:ln>
+            <a:endParaRPr lang="en-US" sz="4000" kern="0" dirty="0">
               <a:solidFill>
                 <a:srgbClr val="0099FF"/>
               </a:solidFill>
-              <a:effectLst/>
-              <a:uLnTx/>
-              <a:uFillTx/>
               <a:latin typeface="+mj-lt"/>
               <a:ea typeface="+mj-ea"/>
               <a:cs typeface="+mj-cs"/>
@@ -5233,7 +6094,7 @@
       </p:sp>
       <p:sp>
         <p:nvSpPr>
-          <p:cNvPr id="7" name="WordArt 21"/>
+          <p:cNvPr id="31749" name="WordArt 21"/>
           <p:cNvSpPr>
             <a:spLocks noChangeArrowheads="1" noChangeShapeType="1" noTextEdit="1"/>
           </p:cNvSpPr>
@@ -5261,7 +6122,7 @@
           <a:p>
             <a:pPr algn="ctr"/>
             <a:r>
-              <a:rPr lang="en-US" sz="3600" kern="10">
+              <a:rPr lang="en-US" kern="10">
                 <a:ln w="19050">
                   <a:solidFill>
                     <a:srgbClr val="99CCFF"/>
@@ -5287,7 +6148,7 @@
       </p:sp>
       <p:sp>
         <p:nvSpPr>
-          <p:cNvPr id="8" name="Text Box 22"/>
+          <p:cNvPr id="31750" name="Text Box 22"/>
           <p:cNvSpPr txBox="1">
             <a:spLocks noChangeArrowheads="1"/>
           </p:cNvSpPr>
@@ -5308,7 +6169,6 @@
             <a:headEnd/>
             <a:tailEnd/>
           </a:ln>
-          <a:effectLst/>
         </p:spPr>
         <p:txBody>
           <a:bodyPr wrap="none" lIns="0" tIns="0" rIns="0" bIns="0">
@@ -5316,6 +6176,7 @@
           </a:bodyPr>
           <a:lstStyle/>
           <a:p>
+            <a:pPr algn="ctr" eaLnBrk="0" hangingPunct="0"/>
             <a:r>
               <a:rPr lang="en-US" sz="1400"/>
               <a:t>SWRCB = State Water Resources Control Board  SDIP=South Delta Improvements Program</a:t>
@@ -5365,7 +6226,7 @@
       </p:grpSpPr>
       <p:sp>
         <p:nvSpPr>
-          <p:cNvPr id="2" name="Title 1"/>
+          <p:cNvPr id="32769" name="Title 1"/>
           <p:cNvSpPr>
             <a:spLocks noGrp="1"/>
           </p:cNvSpPr>
@@ -5379,16 +6240,15 @@
           <a:lstStyle/>
           <a:p>
             <a:r>
-              <a:rPr lang="en-US" dirty="0" smtClean="0"/>
+              <a:rPr lang="en-US" smtClean="0"/>
               <a:t>Model Setup for Channels</a:t>
             </a:r>
-            <a:endParaRPr lang="en-US" dirty="0"/>
-          </a:p>
-        </p:txBody>
-      </p:sp>
-      <p:sp>
-        <p:nvSpPr>
-          <p:cNvPr id="3" name="Content Placeholder 2"/>
+          </a:p>
+        </p:txBody>
+      </p:sp>
+      <p:sp>
+        <p:nvSpPr>
+          <p:cNvPr id="32770" name="Content Placeholder 2"/>
           <p:cNvSpPr>
             <a:spLocks noGrp="1"/>
           </p:cNvSpPr>
@@ -5398,7 +6258,7 @@
         </p:nvSpPr>
         <p:spPr>
           <a:xfrm>
-            <a:off x="685800" y="1663491"/>
+            <a:off x="685800" y="1663700"/>
             <a:ext cx="7772400" cy="4114800"/>
           </a:xfrm>
         </p:spPr>
@@ -5407,102 +6267,92 @@
           <a:lstStyle/>
           <a:p>
             <a:r>
-              <a:rPr lang="en-US" dirty="0" smtClean="0"/>
+              <a:rPr lang="en-US" smtClean="0"/>
               <a:t>Specify connectivity in CHANNEL table</a:t>
             </a:r>
           </a:p>
           <a:p>
             <a:pPr lvl="1"/>
             <a:r>
-              <a:rPr lang="en-US" dirty="0" smtClean="0"/>
+              <a:rPr lang="en-US" smtClean="0"/>
               <a:t>Also Manning and dispersion</a:t>
             </a:r>
           </a:p>
           <a:p>
             <a:r>
-              <a:rPr lang="en-US" dirty="0" smtClean="0"/>
-              <a:t>In same file, two possible formats for X-sects</a:t>
+              <a:rPr lang="en-US" smtClean="0"/>
+              <a:t>Two allowed formats for X-sects</a:t>
             </a:r>
           </a:p>
           <a:p>
             <a:pPr lvl="1"/>
             <a:r>
-              <a:rPr lang="en-US" dirty="0" err="1" smtClean="0"/>
-              <a:t>Xsect</a:t>
-            </a:r>
-            <a:r>
-              <a:rPr lang="en-US" dirty="0" smtClean="0"/>
-              <a:t>-Layer (single file format)</a:t>
+              <a:rPr lang="en-US" smtClean="0"/>
+              <a:t>Xsect-Layer (single file format)</a:t>
             </a:r>
           </a:p>
           <a:p>
             <a:pPr lvl="1"/>
             <a:r>
-              <a:rPr lang="en-US" dirty="0" smtClean="0"/>
+              <a:rPr lang="en-US" smtClean="0"/>
               <a:t>Cross Section Development Program</a:t>
             </a:r>
           </a:p>
           <a:p>
             <a:pPr lvl="2"/>
             <a:r>
-              <a:rPr lang="en-US" dirty="0" smtClean="0"/>
-              <a:t> (references to </a:t>
-            </a:r>
-            <a:r>
-              <a:rPr lang="en-US" dirty="0" err="1" smtClean="0"/>
-              <a:t>csdp</a:t>
-            </a:r>
-            <a:r>
-              <a:rPr lang="en-US" dirty="0" smtClean="0"/>
-              <a:t> files)</a:t>
-            </a:r>
-          </a:p>
-          <a:p>
-            <a:r>
-              <a:rPr lang="en-US" dirty="0" smtClean="0"/>
+              <a:rPr lang="en-US" smtClean="0"/>
+              <a:t> (references to csdp files)</a:t>
+            </a:r>
+          </a:p>
+          <a:p>
+            <a:r>
+              <a:rPr lang="en-US" smtClean="0"/>
               <a:t>Default initial condition (CHANNEL_IC table) required</a:t>
             </a:r>
           </a:p>
           <a:p>
             <a:pPr lvl="1"/>
-            <a:endParaRPr lang="en-US" dirty="0"/>
-          </a:p>
-        </p:txBody>
-      </p:sp>
-      <p:sp>
-        <p:nvSpPr>
-          <p:cNvPr id="4" name="Date Placeholder 3"/>
+            <a:endParaRPr lang="en-US" smtClean="0"/>
+          </a:p>
+        </p:txBody>
+      </p:sp>
+      <p:sp>
+        <p:nvSpPr>
+          <p:cNvPr id="32771" name="Date Placeholder 3"/>
           <p:cNvSpPr>
             <a:spLocks noGrp="1"/>
           </p:cNvSpPr>
           <p:nvPr>
-            <p:ph type="dt" sz="half" idx="10"/>
-          </p:nvPr>
-        </p:nvSpPr>
-        <p:spPr/>
+            <p:ph type="dt" sz="quarter" idx="10"/>
+          </p:nvPr>
+        </p:nvSpPr>
+        <p:spPr>
+          <a:noFill/>
+        </p:spPr>
         <p:txBody>
           <a:bodyPr/>
           <a:lstStyle/>
           <a:p>
-            <a:fld id="{AB98F214-5D90-468C-9EE8-E1612B8D2BE2}" type="slidenum">
+            <a:fld id="{3558B970-D1A9-40EE-914B-5C2BF8DEC7DB}" type="slidenum">
               <a:rPr lang="en-US" smtClean="0"/>
               <a:pPr/>
               <a:t>16</a:t>
             </a:fld>
-            <a:endParaRPr lang="en-US"/>
+            <a:endParaRPr lang="en-US" smtClean="0"/>
           </a:p>
         </p:txBody>
       </p:sp>
       <p:pic>
         <p:nvPicPr>
-          <p:cNvPr id="32771" name="Picture 3" descr="C:\Documents and Settings\eli\Local Settings\Temporary Internet Files\Content.IE5\AH1EJ2L0\j0434815[1].png"/>
+          <p:cNvPr id="32772" name="Picture 3" descr="C:\Documents and Settings\eli\Local Settings\Temporary Internet Files\Content.IE5\AH1EJ2L0\j0434815[1].png"/>
           <p:cNvPicPr>
             <a:picLocks noChangeAspect="1" noChangeArrowheads="1"/>
           </p:cNvPicPr>
           <p:nvPr/>
         </p:nvPicPr>
         <p:blipFill>
-          <a:blip r:embed="rId2" cstate="print"/>
+          <a:blip r:embed="rId3"/>
           <a:srcRect/>
           <a:stretch>
             <a:fillRect/>
@@ -5510,34 +6360,8 @@
         </p:blipFill>
         <p:spPr bwMode="auto">
           <a:xfrm>
-            <a:off x="7993251" y="5672380"/>
-            <a:ext cx="995652" cy="995652"/>
-          </a:xfrm>
-          <a:prstGeom prst="rect">
-            <a:avLst/>
-          </a:prstGeom>
-          <a:noFill/>
-        </p:spPr>
-      </p:pic>
-      <p:pic>
-        <p:nvPicPr>
-          <p:cNvPr id="32772" name="Picture 4"/>
-          <p:cNvPicPr>
-            <a:picLocks noChangeAspect="1" noChangeArrowheads="1"/>
-          </p:cNvPicPr>
-          <p:nvPr/>
-        </p:nvPicPr>
-        <p:blipFill>
-          <a:blip r:embed="rId3" cstate="print"/>
-          <a:srcRect/>
-          <a:stretch>
-            <a:fillRect/>
-          </a:stretch>
-        </p:blipFill>
-        <p:spPr bwMode="auto">
-          <a:xfrm>
-            <a:off x="108487" y="247004"/>
-            <a:ext cx="888247" cy="888247"/>
+            <a:off x="7993063" y="5672138"/>
+            <a:ext cx="995362" cy="995362"/>
           </a:xfrm>
           <a:prstGeom prst="rect">
             <a:avLst/>
@@ -5549,7 +6373,38 @@
             <a:headEnd/>
             <a:tailEnd/>
           </a:ln>
-          <a:effectLst/>
+        </p:spPr>
+      </p:pic>
+      <p:pic>
+        <p:nvPicPr>
+          <p:cNvPr id="32773" name="Picture 4"/>
+          <p:cNvPicPr>
+            <a:picLocks noChangeAspect="1" noChangeArrowheads="1"/>
+          </p:cNvPicPr>
+          <p:nvPr/>
+        </p:nvPicPr>
+        <p:blipFill>
+          <a:blip r:embed="rId4"/>
+          <a:srcRect/>
+          <a:stretch>
+            <a:fillRect/>
+          </a:stretch>
+        </p:blipFill>
+        <p:spPr bwMode="auto">
+          <a:xfrm>
+            <a:off x="107950" y="247650"/>
+            <a:ext cx="889000" cy="887413"/>
+          </a:xfrm>
+          <a:prstGeom prst="rect">
+            <a:avLst/>
+          </a:prstGeom>
+          <a:noFill/>
+          <a:ln w="9525">
+            <a:noFill/>
+            <a:miter lim="800000"/>
+            <a:headEnd/>
+            <a:tailEnd/>
+          </a:ln>
         </p:spPr>
       </p:pic>
     </p:spTree>
@@ -5587,7 +6442,7 @@
       </p:grpSpPr>
       <p:sp>
         <p:nvSpPr>
-          <p:cNvPr id="2" name="Title 1"/>
+          <p:cNvPr id="33793" name="Title 1"/>
           <p:cNvSpPr>
             <a:spLocks noGrp="1"/>
           </p:cNvSpPr>
@@ -5601,16 +6456,15 @@
           <a:lstStyle/>
           <a:p>
             <a:r>
-              <a:rPr lang="en-US" dirty="0" smtClean="0"/>
+              <a:rPr lang="en-US" smtClean="0"/>
               <a:t>For Version 6 Users</a:t>
             </a:r>
-            <a:endParaRPr lang="en-US" dirty="0"/>
-          </a:p>
-        </p:txBody>
-      </p:sp>
-      <p:sp>
-        <p:nvSpPr>
-          <p:cNvPr id="3" name="Content Placeholder 2"/>
+          </a:p>
+        </p:txBody>
+      </p:sp>
+      <p:sp>
+        <p:nvSpPr>
+          <p:cNvPr id="33794" name="Content Placeholder 2"/>
           <p:cNvSpPr>
             <a:spLocks noGrp="1"/>
           </p:cNvSpPr>
@@ -5620,8 +6474,8 @@
         </p:nvSpPr>
         <p:spPr>
           <a:xfrm>
-            <a:off x="685800" y="1596325"/>
-            <a:ext cx="7772400" cy="4881967"/>
+            <a:off x="685800" y="1597025"/>
+            <a:ext cx="7772400" cy="4881563"/>
           </a:xfrm>
         </p:spPr>
         <p:txBody>
@@ -5629,85 +6483,81 @@
           <a:lstStyle/>
           <a:p>
             <a:r>
-              <a:rPr lang="en-US" dirty="0" smtClean="0"/>
-              <a:t>QUAL reads geometry from </a:t>
-            </a:r>
-            <a:r>
-              <a:rPr lang="en-US" dirty="0" err="1" smtClean="0"/>
-              <a:t>tidefile</a:t>
-            </a:r>
-            <a:endParaRPr lang="en-US" dirty="0" smtClean="0"/>
-          </a:p>
-          <a:p>
-            <a:r>
-              <a:rPr lang="en-US" dirty="0" smtClean="0"/>
+              <a:rPr lang="en-US" smtClean="0"/>
+              <a:t>QUAL reads geometry from tidefile</a:t>
+            </a:r>
+          </a:p>
+          <a:p>
+            <a:r>
+              <a:rPr lang="en-US" smtClean="0"/>
               <a:t>Geometry precision issues fixed</a:t>
             </a:r>
           </a:p>
           <a:p>
             <a:pPr lvl="1"/>
             <a:r>
-              <a:rPr lang="en-US" dirty="0" smtClean="0"/>
+              <a:rPr lang="en-US" smtClean="0"/>
               <a:t>Model runs MUCH faster</a:t>
             </a:r>
           </a:p>
           <a:p>
             <a:r>
-              <a:rPr lang="en-US" dirty="0" smtClean="0"/>
+              <a:rPr lang="en-US" smtClean="0"/>
               <a:t>No “regular” and “irregular” formats</a:t>
             </a:r>
           </a:p>
           <a:p>
             <a:pPr lvl="1"/>
             <a:r>
-              <a:rPr lang="en-US" dirty="0" smtClean="0"/>
+              <a:rPr lang="en-US" smtClean="0"/>
               <a:t>They were inconsistent</a:t>
             </a:r>
           </a:p>
           <a:p>
             <a:r>
-              <a:rPr lang="en-US" dirty="0" smtClean="0"/>
+              <a:rPr lang="en-US" smtClean="0"/>
               <a:t>Don’t convert standard Delta grid</a:t>
             </a:r>
           </a:p>
           <a:p>
             <a:pPr lvl="1"/>
             <a:r>
-              <a:rPr lang="en-US" dirty="0" smtClean="0"/>
+              <a:rPr lang="en-US" smtClean="0"/>
               <a:t>Adapt your boundary conditions</a:t>
             </a:r>
           </a:p>
           <a:p>
             <a:pPr lvl="1"/>
             <a:r>
-              <a:rPr lang="en-US" dirty="0" smtClean="0"/>
+              <a:rPr lang="en-US" smtClean="0"/>
               <a:t>We will cover how to convert your other geometry</a:t>
             </a:r>
-            <a:endParaRPr lang="en-US" dirty="0"/>
-          </a:p>
-        </p:txBody>
-      </p:sp>
-      <p:sp>
-        <p:nvSpPr>
-          <p:cNvPr id="4" name="Date Placeholder 3"/>
+          </a:p>
+        </p:txBody>
+      </p:sp>
+      <p:sp>
+        <p:nvSpPr>
+          <p:cNvPr id="33795" name="Date Placeholder 3"/>
           <p:cNvSpPr>
             <a:spLocks noGrp="1"/>
           </p:cNvSpPr>
           <p:nvPr>
-            <p:ph type="dt" sz="half" idx="10"/>
-          </p:nvPr>
-        </p:nvSpPr>
-        <p:spPr/>
+            <p:ph type="dt" sz="quarter" idx="10"/>
+          </p:nvPr>
+        </p:nvSpPr>
+        <p:spPr>
+          <a:noFill/>
+        </p:spPr>
         <p:txBody>
           <a:bodyPr/>
           <a:lstStyle/>
           <a:p>
-            <a:fld id="{AB98F214-5D90-468C-9EE8-E1612B8D2BE2}" type="slidenum">
+            <a:fld id="{632F3883-F268-43F4-97E1-6485CDCA17D0}" type="slidenum">
               <a:rPr lang="en-US" smtClean="0"/>
               <a:pPr/>
               <a:t>17</a:t>
             </a:fld>
-            <a:endParaRPr lang="en-US"/>
+            <a:endParaRPr lang="en-US" smtClean="0"/>
           </a:p>
         </p:txBody>
       </p:sp>
@@ -5739,7 +6589,7 @@
       </p:grpSpPr>
       <p:sp>
         <p:nvSpPr>
-          <p:cNvPr id="2" name="Title 1"/>
+          <p:cNvPr id="34817" name="Title 1"/>
           <p:cNvSpPr>
             <a:spLocks noGrp="1"/>
           </p:cNvSpPr>
@@ -5753,16 +6603,15 @@
           <a:lstStyle/>
           <a:p>
             <a:r>
-              <a:rPr lang="en-US" dirty="0" smtClean="0"/>
+              <a:rPr lang="en-US" smtClean="0"/>
               <a:t>Loose Ends: Boundaries</a:t>
             </a:r>
-            <a:endParaRPr lang="en-US" dirty="0"/>
-          </a:p>
-        </p:txBody>
-      </p:sp>
-      <p:sp>
-        <p:nvSpPr>
-          <p:cNvPr id="3" name="Content Placeholder 2"/>
+          </a:p>
+        </p:txBody>
+      </p:sp>
+      <p:sp>
+        <p:nvSpPr>
+          <p:cNvPr id="34818" name="Content Placeholder 2"/>
           <p:cNvSpPr>
             <a:spLocks noGrp="1"/>
           </p:cNvSpPr>
@@ -5772,8 +6621,8 @@
         </p:nvSpPr>
         <p:spPr>
           <a:xfrm>
-            <a:off x="348712" y="1593742"/>
-            <a:ext cx="8132736" cy="4512589"/>
+            <a:off x="349250" y="1593850"/>
+            <a:ext cx="8132763" cy="4513263"/>
           </a:xfrm>
         </p:spPr>
         <p:txBody>
@@ -5781,36 +6630,32 @@
           <a:lstStyle/>
           <a:p>
             <a:r>
-              <a:rPr lang="en-US" dirty="0" smtClean="0"/>
+              <a:rPr lang="en-US" smtClean="0"/>
               <a:t>Hydro requires a flow or stage boundary condition at every external node</a:t>
             </a:r>
           </a:p>
           <a:p>
             <a:pPr lvl="1"/>
             <a:r>
-              <a:rPr lang="en-US" dirty="0" smtClean="0"/>
+              <a:rPr lang="en-US" smtClean="0"/>
               <a:t>Silent default is Q=0: no flow</a:t>
             </a:r>
           </a:p>
           <a:p>
             <a:r>
-              <a:rPr lang="en-US" dirty="0" err="1" smtClean="0"/>
-              <a:t>Qual</a:t>
-            </a:r>
-            <a:r>
-              <a:rPr lang="en-US" dirty="0" smtClean="0"/>
-              <a:t>: concentration for every inflow</a:t>
-            </a:r>
-          </a:p>
-          <a:p>
-            <a:r>
-              <a:rPr lang="en-US" dirty="0" smtClean="0"/>
+              <a:rPr lang="en-US" smtClean="0"/>
+              <a:t>Qual: concentration for every inflow</a:t>
+            </a:r>
+          </a:p>
+          <a:p>
+            <a:r>
+              <a:rPr lang="en-US" smtClean="0"/>
               <a:t>Internal node compatibility conditions: continuity and water surfaces match</a:t>
             </a:r>
           </a:p>
           <a:p>
             <a:r>
-              <a:rPr lang="en-US" dirty="0" smtClean="0"/>
+              <a:rPr lang="en-US" smtClean="0"/>
               <a:t>We will return to this topic!!</a:t>
             </a:r>
           </a:p>
@@ -5818,25 +6663,27 @@
       </p:sp>
       <p:sp>
         <p:nvSpPr>
-          <p:cNvPr id="4" name="Date Placeholder 3"/>
+          <p:cNvPr id="34819" name="Date Placeholder 3"/>
           <p:cNvSpPr>
             <a:spLocks noGrp="1"/>
           </p:cNvSpPr>
           <p:nvPr>
-            <p:ph type="dt" sz="half" idx="10"/>
-          </p:nvPr>
-        </p:nvSpPr>
-        <p:spPr/>
+            <p:ph type="dt" sz="quarter" idx="10"/>
+          </p:nvPr>
+        </p:nvSpPr>
+        <p:spPr>
+          <a:noFill/>
+        </p:spPr>
         <p:txBody>
           <a:bodyPr/>
           <a:lstStyle/>
           <a:p>
-            <a:fld id="{AB98F214-5D90-468C-9EE8-E1612B8D2BE2}" type="slidenum">
+            <a:fld id="{70DC05A1-C335-4B9A-A519-BB318F1FB1BC}" type="slidenum">
               <a:rPr lang="en-US" smtClean="0"/>
               <a:pPr/>
               <a:t>18</a:t>
             </a:fld>
-            <a:endParaRPr lang="en-US"/>
+            <a:endParaRPr lang="en-US" smtClean="0"/>
           </a:p>
         </p:txBody>
       </p:sp>
@@ -5868,7 +6715,7 @@
       </p:grpSpPr>
       <p:sp>
         <p:nvSpPr>
-          <p:cNvPr id="2" name="Title 1"/>
+          <p:cNvPr id="35841" name="Title 1"/>
           <p:cNvSpPr>
             <a:spLocks noGrp="1"/>
           </p:cNvSpPr>
@@ -5882,16 +6729,15 @@
           <a:lstStyle/>
           <a:p>
             <a:r>
-              <a:rPr lang="en-US" dirty="0" smtClean="0"/>
+              <a:rPr lang="en-US" smtClean="0"/>
               <a:t>Tutorial 1: Channels</a:t>
             </a:r>
-            <a:endParaRPr lang="en-US" dirty="0"/>
-          </a:p>
-        </p:txBody>
-      </p:sp>
-      <p:sp>
-        <p:nvSpPr>
-          <p:cNvPr id="3" name="Content Placeholder 2"/>
+          </a:p>
+        </p:txBody>
+      </p:sp>
+      <p:sp>
+        <p:nvSpPr>
+          <p:cNvPr id="35842" name="Content Placeholder 2"/>
           <p:cNvSpPr>
             <a:spLocks noGrp="1"/>
           </p:cNvSpPr>
@@ -5901,8 +6747,8 @@
         </p:nvSpPr>
         <p:spPr>
           <a:xfrm>
-            <a:off x="685800" y="1596325"/>
-            <a:ext cx="7772400" cy="4499675"/>
+            <a:off x="685800" y="1597025"/>
+            <a:ext cx="7772400" cy="4498975"/>
           </a:xfrm>
         </p:spPr>
         <p:txBody>
@@ -5910,65 +6756,66 @@
           <a:lstStyle/>
           <a:p>
             <a:r>
-              <a:rPr lang="en-US" dirty="0" smtClean="0"/>
+              <a:rPr lang="en-US" smtClean="0"/>
               <a:t>Basic model setup for HYDRO and QUAL</a:t>
             </a:r>
           </a:p>
           <a:p>
             <a:r>
-              <a:rPr lang="en-US" dirty="0" smtClean="0"/>
+              <a:rPr lang="en-US" smtClean="0"/>
               <a:t>Introduction to channel and cross section formats</a:t>
             </a:r>
           </a:p>
           <a:p>
             <a:r>
-              <a:rPr lang="en-US" dirty="0" smtClean="0"/>
+              <a:rPr lang="en-US" smtClean="0"/>
               <a:t>Easy intro to the model TABLE syntax and structure</a:t>
             </a:r>
           </a:p>
           <a:p>
             <a:r>
-              <a:rPr lang="en-US" dirty="0" smtClean="0"/>
+              <a:rPr lang="en-US" smtClean="0"/>
               <a:t>Boundary conditions are steady</a:t>
             </a:r>
-            <a:endParaRPr lang="en-US" dirty="0"/>
-          </a:p>
-        </p:txBody>
-      </p:sp>
-      <p:sp>
-        <p:nvSpPr>
-          <p:cNvPr id="4" name="Date Placeholder 3"/>
+          </a:p>
+        </p:txBody>
+      </p:sp>
+      <p:sp>
+        <p:nvSpPr>
+          <p:cNvPr id="35843" name="Date Placeholder 3"/>
           <p:cNvSpPr>
             <a:spLocks noGrp="1"/>
           </p:cNvSpPr>
           <p:nvPr>
-            <p:ph type="dt" sz="half" idx="10"/>
-          </p:nvPr>
-        </p:nvSpPr>
-        <p:spPr/>
+            <p:ph type="dt" sz="quarter" idx="10"/>
+          </p:nvPr>
+        </p:nvSpPr>
+        <p:spPr>
+          <a:noFill/>
+        </p:spPr>
         <p:txBody>
           <a:bodyPr/>
           <a:lstStyle/>
           <a:p>
-            <a:fld id="{AB98F214-5D90-468C-9EE8-E1612B8D2BE2}" type="slidenum">
+            <a:fld id="{BE2649E4-43E0-43C0-8490-F67463BAF877}" type="slidenum">
               <a:rPr lang="en-US" smtClean="0"/>
               <a:pPr/>
               <a:t>19</a:t>
             </a:fld>
-            <a:endParaRPr lang="en-US"/>
+            <a:endParaRPr lang="en-US" smtClean="0"/>
           </a:p>
         </p:txBody>
       </p:sp>
       <p:pic>
         <p:nvPicPr>
-          <p:cNvPr id="6" name="Picture 13" descr="DSM2v8 Basic Tutorial 1"/>
+          <p:cNvPr id="35844" name="Picture 13" descr="DSM2v8 Basic Tutorial 1"/>
           <p:cNvPicPr>
             <a:picLocks noChangeAspect="1" noChangeArrowheads="1"/>
           </p:cNvPicPr>
           <p:nvPr/>
         </p:nvPicPr>
         <p:blipFill>
-          <a:blip r:embed="rId2" cstate="print"/>
+          <a:blip r:embed="rId3"/>
           <a:srcRect/>
           <a:stretch>
             <a:fillRect/>
@@ -5976,13 +6823,19 @@
         </p:blipFill>
         <p:spPr bwMode="auto">
           <a:xfrm>
-            <a:off x="1155915" y="5679241"/>
+            <a:off x="1155700" y="5678488"/>
             <a:ext cx="7229475" cy="957262"/>
           </a:xfrm>
           <a:prstGeom prst="rect">
             <a:avLst/>
           </a:prstGeom>
           <a:noFill/>
+          <a:ln w="9525">
+            <a:noFill/>
+            <a:miter lim="800000"/>
+            <a:headEnd/>
+            <a:tailEnd/>
+          </a:ln>
         </p:spPr>
       </p:pic>
     </p:spTree>
@@ -6013,7 +6866,7 @@
       </p:grpSpPr>
       <p:sp>
         <p:nvSpPr>
-          <p:cNvPr id="2" name="Title 1"/>
+          <p:cNvPr id="17409" name="Title 1"/>
           <p:cNvSpPr>
             <a:spLocks noGrp="1"/>
           </p:cNvSpPr>
@@ -6027,16 +6880,15 @@
           <a:lstStyle/>
           <a:p>
             <a:r>
-              <a:rPr lang="en-US" dirty="0" smtClean="0"/>
+              <a:rPr lang="en-US" smtClean="0"/>
               <a:t>Topics</a:t>
             </a:r>
-            <a:endParaRPr lang="en-US" dirty="0"/>
-          </a:p>
-        </p:txBody>
-      </p:sp>
-      <p:sp>
-        <p:nvSpPr>
-          <p:cNvPr id="3" name="Content Placeholder 2"/>
+          </a:p>
+        </p:txBody>
+      </p:sp>
+      <p:sp>
+        <p:nvSpPr>
+          <p:cNvPr id="17410" name="Content Placeholder 2"/>
           <p:cNvSpPr>
             <a:spLocks noGrp="1"/>
           </p:cNvSpPr>
@@ -6046,7 +6898,7 @@
         </p:nvSpPr>
         <p:spPr>
           <a:xfrm>
-            <a:off x="685800" y="1469766"/>
+            <a:off x="685800" y="1470025"/>
             <a:ext cx="7772400" cy="4114800"/>
           </a:xfrm>
         </p:spPr>
@@ -6055,84 +6907,84 @@
           <a:lstStyle/>
           <a:p>
             <a:r>
-              <a:rPr lang="en-US" dirty="0" smtClean="0"/>
+              <a:rPr lang="en-US" smtClean="0"/>
               <a:t>Channel networks and geometry</a:t>
             </a:r>
           </a:p>
           <a:p>
             <a:r>
-              <a:rPr lang="en-US" dirty="0" smtClean="0"/>
+              <a:rPr lang="en-US" smtClean="0"/>
               <a:t>Computational grid</a:t>
             </a:r>
           </a:p>
           <a:p>
             <a:r>
-              <a:rPr lang="en-US" dirty="0" smtClean="0"/>
+              <a:rPr lang="en-US" smtClean="0"/>
               <a:t>Geometry nuances</a:t>
             </a:r>
           </a:p>
           <a:p>
             <a:r>
-              <a:rPr lang="en-US" dirty="0" smtClean="0"/>
+              <a:rPr lang="en-US" smtClean="0"/>
               <a:t>Model setup and parameters</a:t>
             </a:r>
           </a:p>
           <a:p>
             <a:r>
-              <a:rPr lang="en-US" dirty="0" smtClean="0"/>
+              <a:rPr lang="en-US" smtClean="0"/>
               <a:t>New in version 8</a:t>
             </a:r>
           </a:p>
           <a:p>
             <a:r>
-              <a:rPr lang="en-US" dirty="0" err="1" smtClean="0"/>
+              <a:rPr lang="en-US" smtClean="0"/>
               <a:t>Gotchas</a:t>
             </a:r>
-            <a:endParaRPr lang="en-US" dirty="0" smtClean="0"/>
-          </a:p>
-          <a:p>
-            <a:r>
-              <a:rPr lang="en-US" dirty="0" smtClean="0"/>
+          </a:p>
+          <a:p>
+            <a:r>
+              <a:rPr lang="en-US" smtClean="0"/>
               <a:t>Tutorial 1 Intro</a:t>
             </a:r>
-            <a:endParaRPr lang="en-US" dirty="0"/>
-          </a:p>
-        </p:txBody>
-      </p:sp>
-      <p:sp>
-        <p:nvSpPr>
-          <p:cNvPr id="4" name="Date Placeholder 3"/>
+          </a:p>
+        </p:txBody>
+      </p:sp>
+      <p:sp>
+        <p:nvSpPr>
+          <p:cNvPr id="17411" name="Date Placeholder 3"/>
           <p:cNvSpPr>
             <a:spLocks noGrp="1"/>
           </p:cNvSpPr>
           <p:nvPr>
-            <p:ph type="dt" sz="half" idx="10"/>
-          </p:nvPr>
-        </p:nvSpPr>
-        <p:spPr/>
+            <p:ph type="dt" sz="quarter" idx="10"/>
+          </p:nvPr>
+        </p:nvSpPr>
+        <p:spPr>
+          <a:noFill/>
+        </p:spPr>
         <p:txBody>
           <a:bodyPr/>
           <a:lstStyle/>
           <a:p>
-            <a:fld id="{AB98F214-5D90-468C-9EE8-E1612B8D2BE2}" type="slidenum">
+            <a:fld id="{2408C4BD-031D-4EDD-BCEB-8F62143278D7}" type="slidenum">
               <a:rPr lang="en-US" smtClean="0"/>
               <a:pPr/>
               <a:t>2</a:t>
             </a:fld>
-            <a:endParaRPr lang="en-US"/>
+            <a:endParaRPr lang="en-US" smtClean="0"/>
           </a:p>
         </p:txBody>
       </p:sp>
       <p:pic>
         <p:nvPicPr>
-          <p:cNvPr id="5" name="Picture 13" descr="DSM2v8 Basic Tutorial 1"/>
+          <p:cNvPr id="17412" name="Picture 13" descr="DSM2v8 Basic Tutorial 1"/>
           <p:cNvPicPr>
             <a:picLocks noChangeAspect="1" noChangeArrowheads="1"/>
           </p:cNvPicPr>
           <p:nvPr/>
         </p:nvPicPr>
         <p:blipFill>
-          <a:blip r:embed="rId2" cstate="print"/>
+          <a:blip r:embed="rId3"/>
           <a:srcRect/>
           <a:stretch>
             <a:fillRect/>
@@ -6140,13 +6992,19 @@
         </p:blipFill>
         <p:spPr bwMode="auto">
           <a:xfrm>
-            <a:off x="1155915" y="5679241"/>
+            <a:off x="1155700" y="5678488"/>
             <a:ext cx="7229475" cy="957262"/>
           </a:xfrm>
           <a:prstGeom prst="rect">
             <a:avLst/>
           </a:prstGeom>
           <a:noFill/>
+          <a:ln w="9525">
+            <a:noFill/>
+            <a:miter lim="800000"/>
+            <a:headEnd/>
+            <a:tailEnd/>
+          </a:ln>
         </p:spPr>
       </p:pic>
     </p:spTree>
@@ -6184,7 +7042,7 @@
       </p:grpSpPr>
       <p:sp>
         <p:nvSpPr>
-          <p:cNvPr id="2" name="Title 1"/>
+          <p:cNvPr id="18433" name="Title 1"/>
           <p:cNvSpPr>
             <a:spLocks noGrp="1"/>
           </p:cNvSpPr>
@@ -6198,34 +7056,35 @@
           <a:lstStyle/>
           <a:p>
             <a:r>
-              <a:rPr lang="en-US" dirty="0" smtClean="0"/>
+              <a:rPr lang="en-US" smtClean="0"/>
               <a:t>Channel Network</a:t>
             </a:r>
-            <a:endParaRPr lang="en-US" dirty="0"/>
-          </a:p>
-        </p:txBody>
-      </p:sp>
-      <p:sp>
-        <p:nvSpPr>
-          <p:cNvPr id="3" name="Date Placeholder 2"/>
+          </a:p>
+        </p:txBody>
+      </p:sp>
+      <p:sp>
+        <p:nvSpPr>
+          <p:cNvPr id="18434" name="Date Placeholder 2"/>
           <p:cNvSpPr>
             <a:spLocks noGrp="1"/>
           </p:cNvSpPr>
           <p:nvPr>
-            <p:ph type="dt" sz="half" idx="10"/>
-          </p:nvPr>
-        </p:nvSpPr>
-        <p:spPr/>
+            <p:ph type="dt" sz="quarter" idx="10"/>
+          </p:nvPr>
+        </p:nvSpPr>
+        <p:spPr>
+          <a:noFill/>
+        </p:spPr>
         <p:txBody>
           <a:bodyPr/>
           <a:lstStyle/>
           <a:p>
-            <a:fld id="{51D5166A-F8A3-4CB7-ADBF-C664B236B1EF}" type="slidenum">
+            <a:fld id="{7B4C59B7-5E5A-442C-9234-B424B418E634}" type="slidenum">
               <a:rPr lang="en-US" smtClean="0"/>
               <a:pPr/>
               <a:t>3</a:t>
             </a:fld>
-            <a:endParaRPr lang="en-US"/>
+            <a:endParaRPr lang="en-US" smtClean="0"/>
           </a:p>
         </p:txBody>
       </p:sp>
@@ -6237,8 +7096,8 @@
         </p:nvCxnSpPr>
         <p:spPr bwMode="auto">
           <a:xfrm rot="16200000" flipH="1">
-            <a:off x="1584702" y="4056681"/>
-            <a:ext cx="371959" cy="7749"/>
+            <a:off x="1585119" y="4056857"/>
+            <a:ext cx="371475" cy="7937"/>
           </a:xfrm>
           <a:prstGeom prst="line">
             <a:avLst/>
@@ -6262,26 +7121,34 @@
       </p:cxnSp>
       <p:pic>
         <p:nvPicPr>
-          <p:cNvPr id="8" name="Picture 7" descr="Grantline.png"/>
+          <p:cNvPr id="18436" name="Picture 7" descr="Grantline.png"/>
           <p:cNvPicPr>
             <a:picLocks noChangeAspect="1"/>
           </p:cNvPicPr>
           <p:nvPr/>
         </p:nvPicPr>
         <p:blipFill>
-          <a:blip r:embed="rId2" cstate="print"/>
+          <a:blip r:embed="rId3"/>
+          <a:srcRect/>
           <a:stretch>
             <a:fillRect/>
           </a:stretch>
         </p:blipFill>
-        <p:spPr>
+        <p:spPr bwMode="auto">
           <a:xfrm>
-            <a:off x="217715" y="1436967"/>
-            <a:ext cx="4966400" cy="3425319"/>
+            <a:off x="217488" y="1436688"/>
+            <a:ext cx="4967287" cy="3425825"/>
           </a:xfrm>
           <a:prstGeom prst="rect">
             <a:avLst/>
           </a:prstGeom>
+          <a:noFill/>
+          <a:ln w="9525">
+            <a:noFill/>
+            <a:miter lim="800000"/>
+            <a:headEnd/>
+            <a:tailEnd/>
+          </a:ln>
         </p:spPr>
       </p:pic>
       <p:sp>
@@ -6292,8 +7159,8 @@
         </p:nvSpPr>
         <p:spPr bwMode="auto">
           <a:xfrm rot="16200000">
-            <a:off x="5355771" y="2496457"/>
-            <a:ext cx="566057" cy="551543"/>
+            <a:off x="5355431" y="2496344"/>
+            <a:ext cx="566738" cy="552450"/>
           </a:xfrm>
           <a:prstGeom prst="leftUpArrow">
             <a:avLst/>
@@ -6311,64 +7178,46 @@
           <a:effectLst/>
         </p:spPr>
         <p:txBody>
-          <a:bodyPr vert="horz" wrap="square" lIns="91440" tIns="45720" rIns="91440" bIns="45720" numCol="1" rtlCol="0" anchor="ctr" anchorCtr="0" compatLnSpc="1">
-            <a:prstTxWarp prst="textNoShape">
-              <a:avLst/>
-            </a:prstTxWarp>
-          </a:bodyPr>
+          <a:bodyPr anchor="ctr"/>
           <a:lstStyle/>
           <a:p>
-            <a:pPr marL="0" marR="0" indent="0" algn="ctr" defTabSz="914400" rtl="0" eaLnBrk="0" fontAlgn="base" latinLnBrk="0" hangingPunct="0">
-              <a:lnSpc>
-                <a:spcPct val="100000"/>
-              </a:lnSpc>
-              <a:spcBef>
-                <a:spcPct val="0"/>
-              </a:spcBef>
-              <a:spcAft>
-                <a:spcPct val="0"/>
-              </a:spcAft>
-              <a:buClrTx/>
-              <a:buSzTx/>
-              <a:buFontTx/>
-              <a:buNone/>
-              <a:tabLst/>
+            <a:pPr algn="ctr" eaLnBrk="0" hangingPunct="0">
+              <a:defRPr/>
             </a:pPr>
-            <a:endParaRPr kumimoji="0" lang="en-US" sz="3600" b="1" i="0" u="none" strike="noStrike" cap="none" normalizeH="0" baseline="0" smtClean="0">
-              <a:ln>
-                <a:noFill/>
-              </a:ln>
-              <a:solidFill>
-                <a:schemeClr val="tx1"/>
-              </a:solidFill>
-              <a:effectLst/>
-              <a:latin typeface="Arial" charset="0"/>
-            </a:endParaRPr>
+            <a:endParaRPr lang="en-US"/>
           </a:p>
         </p:txBody>
       </p:sp>
       <p:pic>
         <p:nvPicPr>
-          <p:cNvPr id="10" name="Picture 9" descr="grantline_grid.png.png"/>
+          <p:cNvPr id="18438" name="Picture 9" descr="grantline_grid.png.png"/>
           <p:cNvPicPr>
             <a:picLocks noChangeAspect="1"/>
           </p:cNvPicPr>
           <p:nvPr/>
         </p:nvPicPr>
         <p:blipFill>
-          <a:blip r:embed="rId3" cstate="print"/>
+          <a:blip r:embed="rId4"/>
+          <a:srcRect/>
           <a:stretch>
             <a:fillRect/>
           </a:stretch>
         </p:blipFill>
-        <p:spPr>
+        <p:spPr bwMode="auto">
           <a:xfrm>
-            <a:off x="4362257" y="3224727"/>
-            <a:ext cx="4404372" cy="3373561"/>
+            <a:off x="4362450" y="3224213"/>
+            <a:ext cx="4403725" cy="3373437"/>
           </a:xfrm>
           <a:prstGeom prst="rect">
             <a:avLst/>
           </a:prstGeom>
+          <a:noFill/>
+          <a:ln w="9525">
+            <a:noFill/>
+            <a:miter lim="800000"/>
+            <a:headEnd/>
+            <a:tailEnd/>
+          </a:ln>
         </p:spPr>
       </p:pic>
     </p:spTree>
@@ -6406,7 +7255,7 @@
       </p:grpSpPr>
       <p:sp>
         <p:nvSpPr>
-          <p:cNvPr id="2" name="Title 1"/>
+          <p:cNvPr id="19457" name="Title 1"/>
           <p:cNvSpPr>
             <a:spLocks noGrp="1"/>
           </p:cNvSpPr>
@@ -6425,16 +7274,15 @@
           <a:lstStyle/>
           <a:p>
             <a:r>
-              <a:rPr lang="en-US" dirty="0" smtClean="0"/>
+              <a:rPr lang="en-US" smtClean="0"/>
               <a:t>Channel Network</a:t>
             </a:r>
-            <a:endParaRPr lang="en-US" dirty="0"/>
-          </a:p>
-        </p:txBody>
-      </p:sp>
-      <p:sp>
-        <p:nvSpPr>
-          <p:cNvPr id="30" name="Content Placeholder 29"/>
+          </a:p>
+        </p:txBody>
+      </p:sp>
+      <p:sp>
+        <p:nvSpPr>
+          <p:cNvPr id="19458" name="Content Placeholder 29"/>
           <p:cNvSpPr>
             <a:spLocks noGrp="1"/>
           </p:cNvSpPr>
@@ -6447,32 +7295,32 @@
           <a:bodyPr/>
           <a:lstStyle/>
           <a:p>
-            <a:endParaRPr lang="en-US" dirty="0" smtClean="0"/>
-          </a:p>
-          <a:p>
-            <a:endParaRPr lang="en-US" dirty="0" smtClean="0"/>
-          </a:p>
-          <a:p>
-            <a:endParaRPr lang="en-US" dirty="0" smtClean="0"/>
-          </a:p>
-          <a:p>
-            <a:endParaRPr lang="en-US" dirty="0" smtClean="0"/>
-          </a:p>
-          <a:p>
-            <a:endParaRPr lang="en-US" dirty="0" smtClean="0"/>
-          </a:p>
-          <a:p>
-            <a:endParaRPr lang="en-US" dirty="0" smtClean="0"/>
-          </a:p>
-          <a:p>
-            <a:r>
-              <a:rPr lang="en-US" dirty="0" smtClean="0"/>
+            <a:endParaRPr lang="en-US" smtClean="0"/>
+          </a:p>
+          <a:p>
+            <a:endParaRPr lang="en-US" smtClean="0"/>
+          </a:p>
+          <a:p>
+            <a:endParaRPr lang="en-US" smtClean="0"/>
+          </a:p>
+          <a:p>
+            <a:endParaRPr lang="en-US" smtClean="0"/>
+          </a:p>
+          <a:p>
+            <a:endParaRPr lang="en-US" smtClean="0"/>
+          </a:p>
+          <a:p>
+            <a:endParaRPr lang="en-US" smtClean="0"/>
+          </a:p>
+          <a:p>
+            <a:r>
+              <a:rPr lang="en-US" smtClean="0"/>
               <a:t>Channels and nodes</a:t>
             </a:r>
           </a:p>
           <a:p>
             <a:r>
-              <a:rPr lang="en-US" dirty="0" smtClean="0"/>
+              <a:rPr lang="en-US" smtClean="0"/>
               <a:t>Direction “mostly” seaward/downstream</a:t>
             </a:r>
           </a:p>
@@ -6480,52 +7328,56 @@
       </p:sp>
       <p:sp>
         <p:nvSpPr>
-          <p:cNvPr id="3" name="Date Placeholder 2"/>
+          <p:cNvPr id="19459" name="Date Placeholder 2"/>
           <p:cNvSpPr>
             <a:spLocks noGrp="1"/>
           </p:cNvSpPr>
           <p:nvPr>
-            <p:ph type="dt" sz="half" idx="10"/>
-          </p:nvPr>
-        </p:nvSpPr>
-        <p:spPr/>
+            <p:ph type="dt" sz="quarter" idx="10"/>
+          </p:nvPr>
+        </p:nvSpPr>
+        <p:spPr>
+          <a:noFill/>
+        </p:spPr>
         <p:txBody>
           <a:bodyPr/>
           <a:lstStyle/>
           <a:p>
-            <a:fld id="{51D5166A-F8A3-4CB7-ADBF-C664B236B1EF}" type="slidenum">
+            <a:fld id="{90A9F31E-CAB4-48FD-BEA3-75AAD3647799}" type="slidenum">
               <a:rPr lang="en-US" smtClean="0"/>
               <a:pPr/>
               <a:t>4</a:t>
             </a:fld>
-            <a:endParaRPr lang="en-US" dirty="0"/>
+            <a:endParaRPr lang="en-US" smtClean="0"/>
           </a:p>
         </p:txBody>
       </p:sp>
       <p:grpSp>
         <p:nvGrpSpPr>
-          <p:cNvPr id="32" name="Group 31"/>
-          <p:cNvGrpSpPr/>
+          <p:cNvPr id="19460" name="Group 31"/>
+          <p:cNvGrpSpPr>
+            <a:grpSpLocks/>
+          </p:cNvGrpSpPr>
           <p:nvPr/>
         </p:nvGrpSpPr>
-        <p:grpSpPr>
+        <p:grpSpPr bwMode="auto">
           <a:xfrm>
-            <a:off x="304800" y="1436914"/>
-            <a:ext cx="8519886" cy="3846286"/>
+            <a:off x="304800" y="1436688"/>
+            <a:ext cx="8520113" cy="3846512"/>
             <a:chOff x="484106" y="1593300"/>
             <a:chExt cx="8179446" cy="3387730"/>
           </a:xfrm>
         </p:grpSpPr>
         <p:pic>
           <p:nvPicPr>
-            <p:cNvPr id="8" name="Picture 18" descr="Clifton Court"/>
+            <p:cNvPr id="19461" name="Picture 18" descr="Clifton Court"/>
             <p:cNvPicPr>
               <a:picLocks noChangeAspect="1" noChangeArrowheads="1"/>
             </p:cNvPicPr>
             <p:nvPr/>
           </p:nvPicPr>
           <p:blipFill>
-            <a:blip r:embed="rId2" cstate="print"/>
+            <a:blip r:embed="rId3"/>
             <a:srcRect/>
             <a:stretch>
               <a:fillRect/>
@@ -6552,11 +7404,13 @@
         </p:pic>
         <p:grpSp>
           <p:nvGrpSpPr>
-            <p:cNvPr id="9" name="Group 8"/>
-            <p:cNvGrpSpPr/>
+            <p:cNvPr id="19462" name="Group 8"/>
+            <p:cNvGrpSpPr>
+              <a:grpSpLocks/>
+            </p:cNvGrpSpPr>
             <p:nvPr/>
           </p:nvGrpSpPr>
-          <p:grpSpPr>
+          <p:grpSpPr bwMode="auto">
             <a:xfrm>
               <a:off x="2921430" y="2316996"/>
               <a:ext cx="2874938" cy="1829695"/>
@@ -6566,7 +7420,7 @@
           </p:grpSpPr>
           <p:sp>
             <p:nvSpPr>
-              <p:cNvPr id="6" name="Rectangle 19"/>
+              <p:cNvPr id="19474" name="Rectangle 19"/>
               <p:cNvSpPr>
                 <a:spLocks noChangeArrowheads="1"/>
               </p:cNvSpPr>
@@ -6589,21 +7443,21 @@
                 <a:headEnd/>
                 <a:tailEnd/>
               </a:ln>
-              <a:effectLst/>
             </p:spPr>
             <p:txBody>
-              <a:bodyPr wrap="square" lIns="0" tIns="0" rIns="0" bIns="0" anchor="ctr">
+              <a:bodyPr lIns="0" tIns="0" rIns="0" bIns="0" anchor="ctr">
                 <a:spAutoFit/>
               </a:bodyPr>
               <a:lstStyle/>
               <a:p>
+                <a:pPr algn="ctr" eaLnBrk="0" hangingPunct="0"/>
                 <a:endParaRPr lang="en-US"/>
               </a:p>
             </p:txBody>
           </p:sp>
           <p:sp>
             <p:nvSpPr>
-              <p:cNvPr id="7" name="Freeform 20"/>
+              <p:cNvPr id="19475" name="Freeform 20"/>
               <p:cNvSpPr>
                 <a:spLocks/>
               </p:cNvSpPr>
@@ -6617,46 +7471,45 @@
               <a:custGeom>
                 <a:avLst/>
                 <a:gdLst>
-                  <a:gd name="connsiteX0" fmla="*/ 0 w 10000"/>
-                  <a:gd name="connsiteY0" fmla="*/ 7667 h 10000"/>
-                  <a:gd name="connsiteX1" fmla="*/ 10000 w 10000"/>
-                  <a:gd name="connsiteY1" fmla="*/ 0 h 10000"/>
-                  <a:gd name="connsiteX2" fmla="*/ 10000 w 10000"/>
-                  <a:gd name="connsiteY2" fmla="*/ 10000 h 10000"/>
-                  <a:gd name="connsiteX3" fmla="*/ 0 w 10000"/>
-                  <a:gd name="connsiteY3" fmla="*/ 9591 h 10000"/>
-                  <a:gd name="connsiteX4" fmla="*/ 0 w 10000"/>
-                  <a:gd name="connsiteY4" fmla="*/ 7667 h 10000"/>
-                  <a:gd name="connsiteX0" fmla="*/ 0 w 10000"/>
-                  <a:gd name="connsiteY0" fmla="*/ 7667 h 11051"/>
-                  <a:gd name="connsiteX1" fmla="*/ 10000 w 10000"/>
-                  <a:gd name="connsiteY1" fmla="*/ 0 h 11051"/>
-                  <a:gd name="connsiteX2" fmla="*/ 10000 w 10000"/>
-                  <a:gd name="connsiteY2" fmla="*/ 10000 h 11051"/>
-                  <a:gd name="connsiteX3" fmla="*/ 34 w 10000"/>
-                  <a:gd name="connsiteY3" fmla="*/ 11051 h 11051"/>
-                  <a:gd name="connsiteX4" fmla="*/ 0 w 10000"/>
-                  <a:gd name="connsiteY4" fmla="*/ 7667 h 11051"/>
+                  <a:gd name="T0" fmla="*/ 0 w 10000"/>
+                  <a:gd name="T1" fmla="*/ 1261927 h 11051"/>
+                  <a:gd name="T2" fmla="*/ 2282341 w 10000"/>
+                  <a:gd name="T3" fmla="*/ 0 h 11051"/>
+                  <a:gd name="T4" fmla="*/ 2282341 w 10000"/>
+                  <a:gd name="T5" fmla="*/ 1645920 h 11051"/>
+                  <a:gd name="T6" fmla="*/ 7760 w 10000"/>
+                  <a:gd name="T7" fmla="*/ 1818906 h 11051"/>
+                  <a:gd name="T8" fmla="*/ 0 w 10000"/>
+                  <a:gd name="T9" fmla="*/ 1261927 h 11051"/>
+                  <a:gd name="T10" fmla="*/ 0 60000 65536"/>
+                  <a:gd name="T11" fmla="*/ 0 60000 65536"/>
+                  <a:gd name="T12" fmla="*/ 0 60000 65536"/>
+                  <a:gd name="T13" fmla="*/ 0 60000 65536"/>
+                  <a:gd name="T14" fmla="*/ 0 60000 65536"/>
+                  <a:gd name="T15" fmla="*/ 0 w 10000"/>
+                  <a:gd name="T16" fmla="*/ 0 h 11051"/>
+                  <a:gd name="T17" fmla="*/ 10000 w 10000"/>
+                  <a:gd name="T18" fmla="*/ 11051 h 11051"/>
                 </a:gdLst>
                 <a:ahLst/>
                 <a:cxnLst>
-                  <a:cxn ang="0">
-                    <a:pos x="connsiteX0" y="connsiteY0"/>
+                  <a:cxn ang="T10">
+                    <a:pos x="T0" y="T1"/>
                   </a:cxn>
-                  <a:cxn ang="0">
-                    <a:pos x="connsiteX1" y="connsiteY1"/>
+                  <a:cxn ang="T11">
+                    <a:pos x="T2" y="T3"/>
                   </a:cxn>
-                  <a:cxn ang="0">
-                    <a:pos x="connsiteX2" y="connsiteY2"/>
+                  <a:cxn ang="T12">
+                    <a:pos x="T4" y="T5"/>
                   </a:cxn>
-                  <a:cxn ang="0">
-                    <a:pos x="connsiteX3" y="connsiteY3"/>
+                  <a:cxn ang="T13">
+                    <a:pos x="T6" y="T7"/>
                   </a:cxn>
-                  <a:cxn ang="0">
-                    <a:pos x="connsiteX4" y="connsiteY4"/>
+                  <a:cxn ang="T14">
+                    <a:pos x="T8" y="T9"/>
                   </a:cxn>
                 </a:cxnLst>
-                <a:rect l="l" t="t" r="r" b="b"/>
+                <a:rect l="T15" t="T16" r="T17" b="T18"/>
                 <a:pathLst>
                   <a:path w="10000" h="11051">
                     <a:moveTo>
@@ -6682,26 +7535,25 @@
               </a:custGeom>
               <a:solidFill>
                 <a:srgbClr val="FF66FF">
-                  <a:alpha val="30000"/>
+                  <a:alpha val="30196"/>
                 </a:srgbClr>
               </a:solidFill>
-              <a:ln w="9525" cap="flat" cmpd="sng">
+              <a:ln w="9525">
                 <a:solidFill>
                   <a:srgbClr val="FF66FF"/>
                 </a:solidFill>
-                <a:prstDash val="solid"/>
                 <a:round/>
                 <a:headEnd/>
                 <a:tailEnd/>
               </a:ln>
-              <a:effectLst/>
             </p:spPr>
             <p:txBody>
-              <a:bodyPr wrap="square" lIns="0" tIns="0" rIns="0" bIns="0">
+              <a:bodyPr lIns="0" tIns="0" rIns="0" bIns="0">
                 <a:spAutoFit/>
               </a:bodyPr>
               <a:lstStyle/>
               <a:p>
+                <a:pPr algn="ctr" eaLnBrk="0" hangingPunct="0"/>
                 <a:endParaRPr lang="en-US"/>
               </a:p>
             </p:txBody>
@@ -6709,11 +7561,13 @@
         </p:grpSp>
         <p:grpSp>
           <p:nvGrpSpPr>
-            <p:cNvPr id="31" name="Group 30"/>
-            <p:cNvGrpSpPr/>
+            <p:cNvPr id="19463" name="Group 30"/>
+            <p:cNvGrpSpPr>
+              <a:grpSpLocks/>
+            </p:cNvGrpSpPr>
             <p:nvPr/>
           </p:nvGrpSpPr>
-          <p:grpSpPr>
+          <p:grpSpPr bwMode="auto">
             <a:xfrm>
               <a:off x="5685282" y="2007031"/>
               <a:ext cx="2978270" cy="2440983"/>
@@ -6729,8 +7583,8 @@
             </p:nvSpPr>
             <p:spPr bwMode="auto">
               <a:xfrm>
-                <a:off x="5811863" y="2007031"/>
-                <a:ext cx="2851689" cy="2440983"/>
+                <a:off x="5812099" y="2007154"/>
+                <a:ext cx="2851453" cy="2441179"/>
               </a:xfrm>
               <a:prstGeom prst="rect">
                 <a:avLst/>
@@ -6750,46 +7604,22 @@
               <a:effectLst/>
             </p:spPr>
             <p:txBody>
-              <a:bodyPr vert="horz" wrap="square" lIns="91440" tIns="45720" rIns="91440" bIns="45720" numCol="1" rtlCol="0" anchor="ctr" anchorCtr="0" compatLnSpc="1">
-                <a:prstTxWarp prst="textNoShape">
-                  <a:avLst/>
-                </a:prstTxWarp>
-              </a:bodyPr>
+              <a:bodyPr anchor="ctr"/>
               <a:lstStyle/>
               <a:p>
-                <a:pPr marL="0" marR="0" indent="0" algn="ctr" defTabSz="914400" rtl="0" eaLnBrk="0" fontAlgn="base" latinLnBrk="0" hangingPunct="0">
-                  <a:lnSpc>
-                    <a:spcPct val="100000"/>
-                  </a:lnSpc>
-                  <a:spcBef>
-                    <a:spcPct val="0"/>
-                  </a:spcBef>
-                  <a:spcAft>
-                    <a:spcPct val="0"/>
-                  </a:spcAft>
-                  <a:buClrTx/>
-                  <a:buSzTx/>
-                  <a:buFontTx/>
-                  <a:buNone/>
-                  <a:tabLst/>
+                <a:pPr algn="ctr" eaLnBrk="0" hangingPunct="0">
+                  <a:defRPr/>
                 </a:pPr>
-                <a:endParaRPr kumimoji="0" lang="en-US" sz="3600" b="1" i="0" u="none" strike="noStrike" cap="none" normalizeH="0" baseline="0" smtClean="0">
-                  <a:ln>
-                    <a:noFill/>
-                  </a:ln>
-                  <a:solidFill>
-                    <a:schemeClr val="tx1"/>
-                  </a:solidFill>
-                  <a:effectLst/>
-                  <a:latin typeface="Arial" charset="0"/>
-                </a:endParaRPr>
+                <a:endParaRPr lang="en-US"/>
               </a:p>
             </p:txBody>
           </p:sp>
           <p:cxnSp>
             <p:nvCxnSpPr>
-              <p:cNvPr id="11" name="Straight Arrow Connector 10"/>
-              <p:cNvCxnSpPr/>
+              <p:cNvPr id="19465" name="Straight Arrow Connector 10"/>
+              <p:cNvCxnSpPr>
+                <a:cxnSpLocks noChangeShapeType="1"/>
+              </p:cNvCxnSpPr>
               <p:nvPr/>
             </p:nvCxnSpPr>
             <p:spPr bwMode="auto">
@@ -6800,23 +7630,21 @@
               <a:prstGeom prst="straightConnector1">
                 <a:avLst/>
               </a:prstGeom>
-              <a:solidFill>
-                <a:srgbClr val="FFFF99"/>
-              </a:solidFill>
-              <a:ln w="9525" cap="flat" cmpd="sng" algn="ctr">
+              <a:noFill/>
+              <a:ln w="9525" algn="ctr">
                 <a:noFill/>
-                <a:prstDash val="solid"/>
                 <a:round/>
-                <a:headEnd type="none" w="med" len="med"/>
-                <a:tailEnd type="arrow"/>
+                <a:headEnd/>
+                <a:tailEnd type="arrow" w="med" len="med"/>
               </a:ln>
-              <a:effectLst/>
             </p:spPr>
           </p:cxnSp>
           <p:cxnSp>
             <p:nvCxnSpPr>
-              <p:cNvPr id="15" name="Straight Arrow Connector 14"/>
-              <p:cNvCxnSpPr/>
+              <p:cNvPr id="19466" name="Straight Arrow Connector 14"/>
+              <p:cNvCxnSpPr>
+                <a:cxnSpLocks noChangeShapeType="1"/>
+              </p:cNvCxnSpPr>
               <p:nvPr/>
             </p:nvCxnSpPr>
             <p:spPr bwMode="auto">
@@ -6827,25 +7655,23 @@
               <a:prstGeom prst="straightConnector1">
                 <a:avLst/>
               </a:prstGeom>
-              <a:solidFill>
-                <a:srgbClr val="FFFF99"/>
-              </a:solidFill>
-              <a:ln w="34925" cap="flat" cmpd="sng" algn="ctr">
+              <a:noFill/>
+              <a:ln w="34925" algn="ctr">
                 <a:solidFill>
                   <a:schemeClr val="bg2"/>
                 </a:solidFill>
-                <a:prstDash val="solid"/>
                 <a:round/>
-                <a:headEnd type="none" w="med" len="med"/>
-                <a:tailEnd type="arrow"/>
+                <a:headEnd/>
+                <a:tailEnd type="arrow" w="med" len="med"/>
               </a:ln>
-              <a:effectLst/>
             </p:spPr>
           </p:cxnSp>
           <p:sp>
             <p:nvSpPr>
-              <p:cNvPr id="20" name="Oval 19"/>
-              <p:cNvSpPr/>
+              <p:cNvPr id="19467" name="Oval 19"/>
+              <p:cNvSpPr>
+                <a:spLocks noChangeArrowheads="1"/>
+              </p:cNvSpPr>
               <p:nvPr/>
             </p:nvSpPr>
             <p:spPr bwMode="auto">
@@ -6859,51 +7685,20 @@
               <a:solidFill>
                 <a:schemeClr val="bg2"/>
               </a:solidFill>
-              <a:ln w="9525" cap="flat" cmpd="sng" algn="ctr">
+              <a:ln w="9525" algn="ctr">
                 <a:noFill/>
-                <a:prstDash val="solid"/>
                 <a:round/>
-                <a:headEnd type="none" w="med" len="med"/>
-                <a:tailEnd type="none" w="med" len="med"/>
+                <a:headEnd/>
+                <a:tailEnd/>
               </a:ln>
-              <a:effectLst/>
             </p:spPr>
             <p:txBody>
-              <a:bodyPr vert="horz" wrap="none" lIns="45720" tIns="45720" rIns="45720" bIns="45720" numCol="1" rtlCol="0" anchor="ctr" anchorCtr="0" compatLnSpc="1">
-                <a:prstTxWarp prst="textNoShape">
-                  <a:avLst/>
-                </a:prstTxWarp>
-                <a:noAutofit/>
-              </a:bodyPr>
+              <a:bodyPr wrap="none" lIns="45720" rIns="45720" anchor="ctr"/>
               <a:lstStyle/>
               <a:p>
-                <a:pPr marL="0" marR="0" indent="0" algn="ctr" defTabSz="914400" rtl="0" eaLnBrk="0" fontAlgn="base" latinLnBrk="0" hangingPunct="0">
-                  <a:lnSpc>
-                    <a:spcPct val="100000"/>
-                  </a:lnSpc>
-                  <a:spcBef>
-                    <a:spcPct val="0"/>
-                  </a:spcBef>
-                  <a:spcAft>
-                    <a:spcPct val="0"/>
-                  </a:spcAft>
-                  <a:buClrTx/>
-                  <a:buSzTx/>
-                  <a:buFontTx/>
-                  <a:buNone/>
-                  <a:tabLst/>
-                </a:pPr>
+                <a:pPr algn="ctr" eaLnBrk="0" hangingPunct="0"/>
                 <a:r>
-                  <a:rPr kumimoji="0" lang="en-US" sz="1800" b="1" i="0" u="none" strike="noStrike" cap="none" normalizeH="0" dirty="0" smtClean="0">
-                    <a:ln>
-                      <a:noFill/>
-                    </a:ln>
-                    <a:solidFill>
-                      <a:schemeClr val="tx1"/>
-                    </a:solidFill>
-                    <a:effectLst/>
-                    <a:latin typeface="Arial" charset="0"/>
-                  </a:rPr>
+                  <a:rPr lang="en-US" sz="1800"/>
                   <a:t>67</a:t>
                 </a:r>
               </a:p>
@@ -6911,8 +7706,10 @@
           </p:sp>
           <p:sp>
             <p:nvSpPr>
-              <p:cNvPr id="22" name="Line Callout 2 21"/>
-              <p:cNvSpPr/>
+              <p:cNvPr id="19468" name="Line Callout 2 21"/>
+              <p:cNvSpPr>
+                <a:spLocks/>
+              </p:cNvSpPr>
               <p:nvPr/>
             </p:nvSpPr>
             <p:spPr bwMode="auto">
@@ -6922,56 +7719,48 @@
               </a:xfrm>
               <a:prstGeom prst="borderCallout2">
                 <a:avLst>
-                  <a:gd name="adj1" fmla="val 25307"/>
-                  <a:gd name="adj2" fmla="val -1632"/>
-                  <a:gd name="adj3" fmla="val 25307"/>
+                  <a:gd name="adj1" fmla="val 25306"/>
+                  <a:gd name="adj2" fmla="val -1634"/>
+                  <a:gd name="adj3" fmla="val 25306"/>
                   <a:gd name="adj4" fmla="val -30069"/>
-                  <a:gd name="adj5" fmla="val 71517"/>
-                  <a:gd name="adj6" fmla="val -33265"/>
+                  <a:gd name="adj5" fmla="val 71519"/>
+                  <a:gd name="adj6" fmla="val -33264"/>
                 </a:avLst>
               </a:prstGeom>
               <a:solidFill>
                 <a:srgbClr val="FFFF99"/>
               </a:solidFill>
-              <a:ln w="22225" cap="flat" cmpd="sng" algn="ctr">
+              <a:ln w="22225" algn="ctr">
                 <a:solidFill>
                   <a:schemeClr val="bg2"/>
                 </a:solidFill>
-                <a:prstDash val="solid"/>
                 <a:round/>
-                <a:headEnd type="none" w="med" len="med"/>
-                <a:tailEnd type="none" w="med" len="med"/>
+                <a:headEnd/>
+                <a:tailEnd/>
               </a:ln>
-              <a:effectLst/>
             </p:spPr>
             <p:txBody>
-              <a:bodyPr vert="horz" wrap="square" lIns="91440" tIns="45720" rIns="91440" bIns="45720" numCol="1" rtlCol="0" anchor="ctr" anchorCtr="0" compatLnSpc="1">
-                <a:prstTxWarp prst="textNoShape">
-                  <a:avLst/>
-                </a:prstTxWarp>
-              </a:bodyPr>
+              <a:bodyPr anchor="ctr"/>
               <a:lstStyle/>
               <a:p>
+                <a:pPr algn="ctr" eaLnBrk="0" hangingPunct="0"/>
                 <a:r>
-                  <a:rPr lang="en-US" sz="2400" dirty="0" smtClean="0">
+                  <a:rPr lang="en-US" sz="2400">
                     <a:solidFill>
                       <a:schemeClr val="bg2"/>
                     </a:solidFill>
                   </a:rPr>
                   <a:t>Node</a:t>
                 </a:r>
-                <a:endParaRPr lang="en-US" sz="2400" dirty="0">
-                  <a:solidFill>
-                    <a:schemeClr val="bg2"/>
-                  </a:solidFill>
-                </a:endParaRPr>
               </a:p>
             </p:txBody>
           </p:sp>
           <p:sp>
             <p:nvSpPr>
-              <p:cNvPr id="23" name="Oval 22"/>
-              <p:cNvSpPr/>
+              <p:cNvPr id="19469" name="Oval 22"/>
+              <p:cNvSpPr>
+                <a:spLocks noChangeArrowheads="1"/>
+              </p:cNvSpPr>
               <p:nvPr/>
             </p:nvSpPr>
             <p:spPr bwMode="auto">
@@ -6985,51 +7774,20 @@
               <a:solidFill>
                 <a:schemeClr val="bg2"/>
               </a:solidFill>
-              <a:ln w="9525" cap="flat" cmpd="sng" algn="ctr">
+              <a:ln w="9525" algn="ctr">
                 <a:noFill/>
-                <a:prstDash val="solid"/>
                 <a:round/>
-                <a:headEnd type="none" w="med" len="med"/>
-                <a:tailEnd type="none" w="med" len="med"/>
+                <a:headEnd/>
+                <a:tailEnd/>
               </a:ln>
-              <a:effectLst/>
             </p:spPr>
             <p:txBody>
-              <a:bodyPr vert="horz" wrap="none" lIns="45720" tIns="45720" rIns="45720" bIns="45720" numCol="1" rtlCol="0" anchor="ctr" anchorCtr="0" compatLnSpc="1">
-                <a:prstTxWarp prst="textNoShape">
-                  <a:avLst/>
-                </a:prstTxWarp>
-                <a:noAutofit/>
-              </a:bodyPr>
+              <a:bodyPr wrap="none" lIns="45720" rIns="45720" anchor="ctr"/>
               <a:lstStyle/>
               <a:p>
-                <a:pPr marL="0" marR="0" indent="0" algn="ctr" defTabSz="914400" rtl="0" eaLnBrk="0" fontAlgn="base" latinLnBrk="0" hangingPunct="0">
-                  <a:lnSpc>
-                    <a:spcPct val="100000"/>
-                  </a:lnSpc>
-                  <a:spcBef>
-                    <a:spcPct val="0"/>
-                  </a:spcBef>
-                  <a:spcAft>
-                    <a:spcPct val="0"/>
-                  </a:spcAft>
-                  <a:buClrTx/>
-                  <a:buSzTx/>
-                  <a:buFontTx/>
-                  <a:buNone/>
-                  <a:tabLst/>
-                </a:pPr>
+                <a:pPr algn="ctr" eaLnBrk="0" hangingPunct="0"/>
                 <a:r>
-                  <a:rPr kumimoji="0" lang="en-US" sz="1800" b="1" i="0" u="none" strike="noStrike" cap="none" normalizeH="0" dirty="0" smtClean="0">
-                    <a:ln>
-                      <a:noFill/>
-                    </a:ln>
-                    <a:solidFill>
-                      <a:schemeClr val="tx1"/>
-                    </a:solidFill>
-                    <a:effectLst/>
-                    <a:latin typeface="Arial" charset="0"/>
-                  </a:rPr>
+                  <a:rPr lang="en-US" sz="1800"/>
                   <a:t>68</a:t>
                 </a:r>
               </a:p>
@@ -7037,8 +7795,10 @@
           </p:sp>
           <p:sp>
             <p:nvSpPr>
-              <p:cNvPr id="24" name="Line Callout 2 23"/>
-              <p:cNvSpPr/>
+              <p:cNvPr id="19470" name="Line Callout 2 23"/>
+              <p:cNvSpPr>
+                <a:spLocks/>
+              </p:cNvSpPr>
               <p:nvPr/>
             </p:nvSpPr>
             <p:spPr bwMode="auto">
@@ -7049,9 +7809,9 @@
               <a:prstGeom prst="borderCallout2">
                 <a:avLst>
                   <a:gd name="adj1" fmla="val 104153"/>
-                  <a:gd name="adj2" fmla="val 32857"/>
-                  <a:gd name="adj3" fmla="val 156076"/>
-                  <a:gd name="adj4" fmla="val 17559"/>
+                  <a:gd name="adj2" fmla="val 32856"/>
+                  <a:gd name="adj3" fmla="val 156074"/>
+                  <a:gd name="adj4" fmla="val 17560"/>
                   <a:gd name="adj5" fmla="val 67671"/>
                   <a:gd name="adj6" fmla="val -26148"/>
                 </a:avLst>
@@ -7059,48 +7819,40 @@
               <a:solidFill>
                 <a:srgbClr val="FFFF99"/>
               </a:solidFill>
-              <a:ln w="22225" cap="flat" cmpd="sng" algn="ctr">
+              <a:ln w="22225" algn="ctr">
                 <a:solidFill>
                   <a:schemeClr val="bg2"/>
                 </a:solidFill>
-                <a:prstDash val="solid"/>
                 <a:round/>
-                <a:headEnd type="none" w="med" len="med"/>
-                <a:tailEnd type="none" w="med" len="med"/>
+                <a:headEnd/>
+                <a:tailEnd/>
               </a:ln>
-              <a:effectLst/>
             </p:spPr>
             <p:txBody>
-              <a:bodyPr vert="horz" wrap="square" lIns="91440" tIns="45720" rIns="91440" bIns="45720" numCol="1" rtlCol="0" anchor="ctr" anchorCtr="0" compatLnSpc="1">
-                <a:prstTxWarp prst="textNoShape">
-                  <a:avLst/>
-                </a:prstTxWarp>
-              </a:bodyPr>
+              <a:bodyPr anchor="ctr"/>
               <a:lstStyle/>
               <a:p>
+                <a:pPr algn="ctr" eaLnBrk="0" hangingPunct="0"/>
                 <a:r>
-                  <a:rPr lang="en-US" sz="2400" dirty="0" smtClean="0">
+                  <a:rPr lang="en-US" sz="2400">
                     <a:solidFill>
                       <a:schemeClr val="bg2"/>
                     </a:solidFill>
                   </a:rPr>
                   <a:t>Channel</a:t>
                 </a:r>
-                <a:endParaRPr lang="en-US" sz="2400" dirty="0">
-                  <a:solidFill>
-                    <a:schemeClr val="bg2"/>
-                  </a:solidFill>
-                </a:endParaRPr>
               </a:p>
             </p:txBody>
           </p:sp>
           <p:sp>
             <p:nvSpPr>
-              <p:cNvPr id="25" name="TextBox 24"/>
-              <p:cNvSpPr txBox="1"/>
+              <p:cNvPr id="19471" name="TextBox 24"/>
+              <p:cNvSpPr txBox="1">
+                <a:spLocks noChangeArrowheads="1"/>
+              </p:cNvSpPr>
               <p:nvPr/>
             </p:nvSpPr>
-            <p:spPr>
+            <p:spPr bwMode="auto">
               <a:xfrm>
                 <a:off x="6455044" y="3301140"/>
                 <a:ext cx="1069383" cy="461665"/>
@@ -7109,36 +7861,40 @@
                 <a:avLst/>
               </a:prstGeom>
               <a:noFill/>
+              <a:ln w="9525">
+                <a:noFill/>
+                <a:miter lim="800000"/>
+                <a:headEnd/>
+                <a:tailEnd/>
+              </a:ln>
             </p:spPr>
             <p:txBody>
-              <a:bodyPr wrap="square" rtlCol="0">
+              <a:bodyPr>
                 <a:spAutoFit/>
               </a:bodyPr>
               <a:lstStyle/>
               <a:p>
+                <a:pPr algn="ctr" eaLnBrk="0" hangingPunct="0"/>
                 <a:r>
-                  <a:rPr lang="en-US" sz="2400" dirty="0" smtClean="0">
+                  <a:rPr lang="en-US" sz="2400">
                     <a:solidFill>
                       <a:schemeClr val="bg2"/>
                     </a:solidFill>
                   </a:rPr>
                   <a:t>78</a:t>
                 </a:r>
-                <a:endParaRPr lang="en-US" sz="2400" dirty="0">
-                  <a:solidFill>
-                    <a:schemeClr val="bg2"/>
-                  </a:solidFill>
-                </a:endParaRPr>
               </a:p>
             </p:txBody>
           </p:sp>
           <p:sp>
             <p:nvSpPr>
-              <p:cNvPr id="26" name="TextBox 25"/>
-              <p:cNvSpPr txBox="1"/>
+              <p:cNvPr id="19472" name="TextBox 25"/>
+              <p:cNvSpPr txBox="1">
+                <a:spLocks noChangeArrowheads="1"/>
+              </p:cNvSpPr>
               <p:nvPr/>
             </p:nvSpPr>
-            <p:spPr>
+            <p:spPr bwMode="auto">
               <a:xfrm>
                 <a:off x="7756888" y="3936569"/>
                 <a:ext cx="697423" cy="461665"/>
@@ -7147,36 +7903,40 @@
                 <a:avLst/>
               </a:prstGeom>
               <a:noFill/>
+              <a:ln w="9525">
+                <a:noFill/>
+                <a:miter lim="800000"/>
+                <a:headEnd/>
+                <a:tailEnd/>
+              </a:ln>
             </p:spPr>
             <p:txBody>
-              <a:bodyPr wrap="square" rtlCol="0">
+              <a:bodyPr>
                 <a:spAutoFit/>
               </a:bodyPr>
               <a:lstStyle/>
               <a:p>
+                <a:pPr algn="ctr" eaLnBrk="0" hangingPunct="0"/>
                 <a:r>
-                  <a:rPr lang="en-US" sz="2400" dirty="0" smtClean="0">
+                  <a:rPr lang="en-US" sz="2400">
                     <a:solidFill>
                       <a:schemeClr val="bg2"/>
                     </a:solidFill>
                   </a:rPr>
                   <a:t>Up</a:t>
                 </a:r>
-                <a:endParaRPr lang="en-US" sz="2400" dirty="0">
-                  <a:solidFill>
-                    <a:schemeClr val="bg2"/>
-                  </a:solidFill>
-                </a:endParaRPr>
               </a:p>
             </p:txBody>
           </p:sp>
           <p:sp>
             <p:nvSpPr>
-              <p:cNvPr id="27" name="TextBox 26"/>
-              <p:cNvSpPr txBox="1"/>
+              <p:cNvPr id="19473" name="TextBox 26"/>
+              <p:cNvSpPr txBox="1">
+                <a:spLocks noChangeArrowheads="1"/>
+              </p:cNvSpPr>
               <p:nvPr/>
             </p:nvSpPr>
-            <p:spPr>
+            <p:spPr bwMode="auto">
               <a:xfrm>
                 <a:off x="5685282" y="2942099"/>
                 <a:ext cx="1118475" cy="461665"/>
@@ -7185,26 +7945,28 @@
                 <a:avLst/>
               </a:prstGeom>
               <a:noFill/>
+              <a:ln w="9525">
+                <a:noFill/>
+                <a:miter lim="800000"/>
+                <a:headEnd/>
+                <a:tailEnd/>
+              </a:ln>
             </p:spPr>
             <p:txBody>
-              <a:bodyPr wrap="square" rtlCol="0">
+              <a:bodyPr>
                 <a:spAutoFit/>
               </a:bodyPr>
               <a:lstStyle/>
               <a:p>
+                <a:pPr algn="ctr" eaLnBrk="0" hangingPunct="0"/>
                 <a:r>
-                  <a:rPr lang="en-US" sz="2400" dirty="0" smtClean="0">
+                  <a:rPr lang="en-US" sz="2400">
                     <a:solidFill>
                       <a:schemeClr val="bg2"/>
                     </a:solidFill>
                   </a:rPr>
                   <a:t>Down</a:t>
                 </a:r>
-                <a:endParaRPr lang="en-US" sz="2400" dirty="0">
-                  <a:solidFill>
-                    <a:schemeClr val="bg2"/>
-                  </a:solidFill>
-                </a:endParaRPr>
               </a:p>
             </p:txBody>
           </p:sp>
@@ -7245,7 +8007,7 @@
       </p:grpSpPr>
       <p:sp>
         <p:nvSpPr>
-          <p:cNvPr id="5" name="Title 4"/>
+          <p:cNvPr id="20481" name="Title 4"/>
           <p:cNvSpPr>
             <a:spLocks noGrp="1"/>
           </p:cNvSpPr>
@@ -7259,16 +8021,15 @@
           <a:lstStyle/>
           <a:p>
             <a:r>
-              <a:rPr lang="en-US" dirty="0" smtClean="0"/>
+              <a:rPr lang="en-US" smtClean="0"/>
               <a:t>CHANNEL Table</a:t>
             </a:r>
-            <a:endParaRPr lang="en-US" dirty="0"/>
-          </a:p>
-        </p:txBody>
-      </p:sp>
-      <p:sp>
-        <p:nvSpPr>
-          <p:cNvPr id="7" name="Content Placeholder 6"/>
+          </a:p>
+        </p:txBody>
+      </p:sp>
+      <p:sp>
+        <p:nvSpPr>
+          <p:cNvPr id="20482" name="Content Placeholder 6"/>
           <p:cNvSpPr>
             <a:spLocks noGrp="1"/>
           </p:cNvSpPr>
@@ -7278,7 +8039,7 @@
         </p:nvSpPr>
         <p:spPr>
           <a:xfrm>
-            <a:off x="678051" y="1686732"/>
+            <a:off x="677863" y="1687513"/>
             <a:ext cx="7772400" cy="4114800"/>
           </a:xfrm>
         </p:spPr>
@@ -7287,67 +8048,77 @@
           <a:lstStyle/>
           <a:p>
             <a:r>
-              <a:rPr lang="en-US" dirty="0" smtClean="0"/>
+              <a:rPr lang="en-US" smtClean="0"/>
               <a:t>Network connectivity</a:t>
             </a:r>
           </a:p>
           <a:p>
             <a:r>
-              <a:rPr lang="en-US" dirty="0" smtClean="0"/>
+              <a:rPr lang="en-US" smtClean="0"/>
               <a:t>Friction and Dispersion</a:t>
             </a:r>
-            <a:endParaRPr lang="en-US" dirty="0"/>
-          </a:p>
-        </p:txBody>
-      </p:sp>
-      <p:sp>
-        <p:nvSpPr>
-          <p:cNvPr id="4" name="Date Placeholder 3"/>
+          </a:p>
+        </p:txBody>
+      </p:sp>
+      <p:sp>
+        <p:nvSpPr>
+          <p:cNvPr id="20483" name="Date Placeholder 3"/>
           <p:cNvSpPr>
             <a:spLocks noGrp="1"/>
           </p:cNvSpPr>
           <p:nvPr>
-            <p:ph type="dt" sz="half" idx="10"/>
-          </p:nvPr>
-        </p:nvSpPr>
-        <p:spPr/>
+            <p:ph type="dt" sz="quarter" idx="10"/>
+          </p:nvPr>
+        </p:nvSpPr>
+        <p:spPr>
+          <a:noFill/>
+        </p:spPr>
         <p:txBody>
           <a:bodyPr/>
           <a:lstStyle/>
           <a:p>
-            <a:fld id="{AB98F214-5D90-468C-9EE8-E1612B8D2BE2}" type="slidenum">
+            <a:fld id="{C6A6D192-3947-4921-8454-594FB0D3F676}" type="slidenum">
               <a:rPr lang="en-US" smtClean="0"/>
               <a:pPr/>
               <a:t>5</a:t>
             </a:fld>
-            <a:endParaRPr lang="en-US"/>
-          </a:p>
-        </p:txBody>
-      </p:sp>
-      <p:sp>
-        <p:nvSpPr>
-          <p:cNvPr id="6" name="Rectangle 5"/>
-          <p:cNvSpPr/>
+            <a:endParaRPr lang="en-US" smtClean="0"/>
+          </a:p>
+        </p:txBody>
+      </p:sp>
+      <p:sp>
+        <p:nvSpPr>
+          <p:cNvPr id="20484" name="Rectangle 5"/>
+          <p:cNvSpPr>
+            <a:spLocks noChangeArrowheads="1"/>
+          </p:cNvSpPr>
           <p:nvPr/>
         </p:nvSpPr>
-        <p:spPr>
+        <p:spPr bwMode="auto">
           <a:xfrm>
-            <a:off x="309966" y="3231396"/>
-            <a:ext cx="8167607" cy="2862322"/>
+            <a:off x="309563" y="3232150"/>
+            <a:ext cx="8167687" cy="2862263"/>
           </a:xfrm>
           <a:prstGeom prst="rect">
             <a:avLst/>
           </a:prstGeom>
-        </p:spPr>
-        <p:txBody>
-          <a:bodyPr wrap="square">
+          <a:noFill/>
+          <a:ln w="9525">
+            <a:noFill/>
+            <a:miter lim="800000"/>
+            <a:headEnd/>
+            <a:tailEnd/>
+          </a:ln>
+        </p:spPr>
+        <p:txBody>
+          <a:bodyPr>
             <a:spAutoFit/>
           </a:bodyPr>
           <a:lstStyle/>
           <a:p>
-            <a:pPr algn="l"/>
-            <a:r>
-              <a:rPr lang="en-US" sz="2000" dirty="0" smtClean="0">
+            <a:pPr eaLnBrk="0" hangingPunct="0"/>
+            <a:r>
+              <a:rPr lang="en-US" sz="2000">
                 <a:latin typeface="Courier New" pitchFamily="49" charset="0"/>
                 <a:cs typeface="Courier New" pitchFamily="49" charset="0"/>
               </a:rPr>
@@ -7355,9 +8126,9 @@
             </a:r>
           </a:p>
           <a:p>
-            <a:pPr algn="l"/>
-            <a:r>
-              <a:rPr lang="en-US" sz="2000" dirty="0" smtClean="0">
+            <a:pPr eaLnBrk="0" hangingPunct="0"/>
+            <a:r>
+              <a:rPr lang="en-US" sz="2000">
                 <a:latin typeface="Courier New" pitchFamily="49" charset="0"/>
                 <a:cs typeface="Courier New" pitchFamily="49" charset="0"/>
               </a:rPr>
@@ -7365,9 +8136,9 @@
             </a:r>
           </a:p>
           <a:p>
-            <a:pPr algn="l"/>
-            <a:r>
-              <a:rPr lang="en-US" sz="2000" dirty="0" smtClean="0">
+            <a:pPr eaLnBrk="0" hangingPunct="0"/>
+            <a:r>
+              <a:rPr lang="en-US" sz="2000">
                 <a:latin typeface="Courier New" pitchFamily="49" charset="0"/>
                 <a:cs typeface="Courier New" pitchFamily="49" charset="0"/>
               </a:rPr>
@@ -7375,9 +8146,9 @@
             </a:r>
           </a:p>
           <a:p>
-            <a:pPr algn="l"/>
-            <a:r>
-              <a:rPr lang="en-US" sz="2000" dirty="0" smtClean="0">
+            <a:pPr eaLnBrk="0" hangingPunct="0"/>
+            <a:r>
+              <a:rPr lang="en-US" sz="2000">
                 <a:latin typeface="Courier New" pitchFamily="49" charset="0"/>
                 <a:cs typeface="Courier New" pitchFamily="49" charset="0"/>
               </a:rPr>
@@ -7385,9 +8156,9 @@
             </a:r>
           </a:p>
           <a:p>
-            <a:pPr algn="l"/>
-            <a:r>
-              <a:rPr lang="en-US" sz="2000" dirty="0" smtClean="0">
+            <a:pPr eaLnBrk="0" hangingPunct="0"/>
+            <a:r>
+              <a:rPr lang="en-US" sz="2000">
                 <a:latin typeface="Courier New" pitchFamily="49" charset="0"/>
                 <a:cs typeface="Courier New" pitchFamily="49" charset="0"/>
               </a:rPr>
@@ -7395,9 +8166,9 @@
             </a:r>
           </a:p>
           <a:p>
-            <a:pPr algn="l"/>
-            <a:r>
-              <a:rPr lang="en-US" sz="2000" dirty="0" smtClean="0">
+            <a:pPr eaLnBrk="0" hangingPunct="0"/>
+            <a:r>
+              <a:rPr lang="en-US" sz="2000">
                 <a:latin typeface="Courier New" pitchFamily="49" charset="0"/>
                 <a:cs typeface="Courier New" pitchFamily="49" charset="0"/>
               </a:rPr>
@@ -7405,9 +8176,9 @@
             </a:r>
           </a:p>
           <a:p>
-            <a:pPr algn="l"/>
-            <a:r>
-              <a:rPr lang="en-US" sz="2000" dirty="0" smtClean="0">
+            <a:pPr eaLnBrk="0" hangingPunct="0"/>
+            <a:r>
+              <a:rPr lang="en-US" sz="2000">
                 <a:latin typeface="Courier New" pitchFamily="49" charset="0"/>
                 <a:cs typeface="Courier New" pitchFamily="49" charset="0"/>
               </a:rPr>
@@ -7415,9 +8186,9 @@
             </a:r>
           </a:p>
           <a:p>
-            <a:pPr algn="l"/>
-            <a:r>
-              <a:rPr lang="en-US" sz="2000" dirty="0" smtClean="0">
+            <a:pPr eaLnBrk="0" hangingPunct="0"/>
+            <a:r>
+              <a:rPr lang="en-US" sz="2000">
                 <a:latin typeface="Courier New" pitchFamily="49" charset="0"/>
                 <a:cs typeface="Courier New" pitchFamily="49" charset="0"/>
               </a:rPr>
@@ -7425,18 +8196,14 @@
             </a:r>
           </a:p>
           <a:p>
-            <a:pPr algn="l"/>
-            <a:r>
-              <a:rPr lang="en-US" sz="2000" dirty="0" smtClean="0">
+            <a:pPr eaLnBrk="0" hangingPunct="0"/>
+            <a:r>
+              <a:rPr lang="en-US" sz="2000">
                 <a:latin typeface="Courier New" pitchFamily="49" charset="0"/>
                 <a:cs typeface="Courier New" pitchFamily="49" charset="0"/>
               </a:rPr>
               <a:t>END</a:t>
             </a:r>
-            <a:endParaRPr lang="en-US" sz="2000" dirty="0">
-              <a:latin typeface="Courier New" pitchFamily="49" charset="0"/>
-              <a:cs typeface="Courier New" pitchFamily="49" charset="0"/>
-            </a:endParaRPr>
           </a:p>
         </p:txBody>
       </p:sp>
@@ -7475,31 +8242,39 @@
       </p:grpSpPr>
       <p:pic>
         <p:nvPicPr>
-          <p:cNvPr id="36" name="Picture 35" descr="grantline_close.png"/>
+          <p:cNvPr id="21505" name="Picture 35" descr="grantline_close.png"/>
           <p:cNvPicPr>
             <a:picLocks noChangeAspect="1"/>
           </p:cNvPicPr>
           <p:nvPr/>
         </p:nvPicPr>
         <p:blipFill>
-          <a:blip r:embed="rId2" cstate="print"/>
+          <a:blip r:embed="rId3"/>
+          <a:srcRect/>
           <a:stretch>
             <a:fillRect/>
           </a:stretch>
         </p:blipFill>
-        <p:spPr>
+        <p:spPr bwMode="auto">
           <a:xfrm>
-            <a:off x="1042780" y="1507952"/>
-            <a:ext cx="7375505" cy="5086875"/>
+            <a:off x="1042988" y="1508125"/>
+            <a:ext cx="7375525" cy="5086350"/>
           </a:xfrm>
           <a:prstGeom prst="rect">
             <a:avLst/>
           </a:prstGeom>
+          <a:noFill/>
+          <a:ln w="9525">
+            <a:noFill/>
+            <a:miter lim="800000"/>
+            <a:headEnd/>
+            <a:tailEnd/>
+          </a:ln>
         </p:spPr>
       </p:pic>
       <p:sp>
         <p:nvSpPr>
-          <p:cNvPr id="2" name="Title 1"/>
+          <p:cNvPr id="21506" name="Title 1"/>
           <p:cNvSpPr>
             <a:spLocks noGrp="1"/>
           </p:cNvSpPr>
@@ -7509,7 +8284,7 @@
         </p:nvSpPr>
         <p:spPr>
           <a:xfrm>
-            <a:off x="598715" y="222250"/>
+            <a:off x="598488" y="222250"/>
             <a:ext cx="7772400" cy="1143000"/>
           </a:xfrm>
         </p:spPr>
@@ -7518,55 +8293,60 @@
           <a:lstStyle/>
           <a:p>
             <a:r>
-              <a:rPr lang="en-US" dirty="0" smtClean="0"/>
+              <a:rPr lang="en-US" smtClean="0"/>
               <a:t>Channel Geometry</a:t>
             </a:r>
-            <a:endParaRPr lang="en-US" dirty="0"/>
-          </a:p>
-        </p:txBody>
-      </p:sp>
-      <p:sp>
-        <p:nvSpPr>
-          <p:cNvPr id="3" name="Date Placeholder 2"/>
+          </a:p>
+        </p:txBody>
+      </p:sp>
+      <p:sp>
+        <p:nvSpPr>
+          <p:cNvPr id="21507" name="Date Placeholder 2"/>
           <p:cNvSpPr>
             <a:spLocks noGrp="1"/>
           </p:cNvSpPr>
           <p:nvPr>
-            <p:ph type="dt" sz="half" idx="10"/>
-          </p:nvPr>
-        </p:nvSpPr>
-        <p:spPr/>
+            <p:ph type="dt" sz="quarter" idx="10"/>
+          </p:nvPr>
+        </p:nvSpPr>
+        <p:spPr>
+          <a:noFill/>
+        </p:spPr>
         <p:txBody>
           <a:bodyPr/>
           <a:lstStyle/>
           <a:p>
-            <a:fld id="{51D5166A-F8A3-4CB7-ADBF-C664B236B1EF}" type="slidenum">
+            <a:fld id="{7C170976-314D-43E5-82DF-27356753FE27}" type="slidenum">
               <a:rPr lang="en-US" smtClean="0"/>
               <a:pPr/>
               <a:t>6</a:t>
             </a:fld>
-            <a:endParaRPr lang="en-US"/>
+            <a:endParaRPr lang="en-US" smtClean="0"/>
           </a:p>
         </p:txBody>
       </p:sp>
       <p:grpSp>
         <p:nvGrpSpPr>
-          <p:cNvPr id="35" name="Group 34"/>
-          <p:cNvGrpSpPr/>
+          <p:cNvPr id="21508" name="Group 34"/>
+          <p:cNvGrpSpPr>
+            <a:grpSpLocks/>
+          </p:cNvGrpSpPr>
           <p:nvPr/>
         </p:nvGrpSpPr>
-        <p:grpSpPr>
+        <p:grpSpPr bwMode="auto">
           <a:xfrm>
-            <a:off x="3697206" y="2278743"/>
-            <a:ext cx="4633993" cy="2423885"/>
+            <a:off x="3697288" y="2278063"/>
+            <a:ext cx="4633912" cy="2424112"/>
             <a:chOff x="1766806" y="2627086"/>
             <a:chExt cx="4633993" cy="2423885"/>
           </a:xfrm>
         </p:grpSpPr>
         <p:cxnSp>
           <p:nvCxnSpPr>
-            <p:cNvPr id="7" name="Straight Connector 6"/>
-            <p:cNvCxnSpPr/>
+            <p:cNvPr id="21509" name="Straight Connector 6"/>
+            <p:cNvCxnSpPr>
+              <a:cxnSpLocks noChangeShapeType="1"/>
+            </p:cNvCxnSpPr>
             <p:nvPr/>
           </p:nvCxnSpPr>
           <p:spPr bwMode="auto">
@@ -7577,17 +8357,13 @@
             <a:prstGeom prst="line">
               <a:avLst/>
             </a:prstGeom>
-            <a:solidFill>
-              <a:srgbClr val="FFFF99"/>
-            </a:solidFill>
-            <a:ln w="9525" cap="flat" cmpd="sng" algn="ctr">
+            <a:noFill/>
+            <a:ln w="9525" algn="ctr">
               <a:noFill/>
-              <a:prstDash val="solid"/>
               <a:round/>
-              <a:headEnd type="none" w="med" len="med"/>
-              <a:tailEnd type="none" w="med" len="med"/>
+              <a:headEnd/>
+              <a:tailEnd/>
             </a:ln>
-            <a:effectLst/>
           </p:spPr>
         </p:cxnSp>
         <p:cxnSp>
@@ -7598,8 +8374,8 @@
           </p:nvCxnSpPr>
           <p:spPr bwMode="auto">
             <a:xfrm rot="5400000">
-              <a:off x="3650343" y="3737428"/>
-              <a:ext cx="508000" cy="0"/>
+              <a:off x="3648848" y="3737438"/>
+              <a:ext cx="509540" cy="0"/>
             </a:xfrm>
             <a:prstGeom prst="line">
               <a:avLst/>
@@ -7627,8 +8403,8 @@
           </p:nvSpPr>
           <p:spPr bwMode="auto">
             <a:xfrm>
-              <a:off x="2873830" y="4281714"/>
-              <a:ext cx="1814284" cy="769257"/>
+              <a:off x="2873312" y="4281106"/>
+              <a:ext cx="1814545" cy="769865"/>
             </a:xfrm>
             <a:prstGeom prst="borderCallout1">
               <a:avLst>
@@ -7655,39 +8431,17 @@
             <a:effectLst/>
           </p:spPr>
           <p:txBody>
-            <a:bodyPr vert="horz" wrap="square" lIns="91440" tIns="45720" rIns="91440" bIns="45720" numCol="1" rtlCol="0" anchor="ctr" anchorCtr="0" compatLnSpc="1">
-              <a:prstTxWarp prst="textNoShape">
-                <a:avLst/>
-              </a:prstTxWarp>
-            </a:bodyPr>
+            <a:bodyPr anchor="ctr"/>
             <a:lstStyle/>
             <a:p>
-              <a:pPr marL="0" marR="0" indent="0" algn="ctr" defTabSz="914400" rtl="0" eaLnBrk="0" fontAlgn="base" latinLnBrk="0" hangingPunct="0">
-                <a:lnSpc>
-                  <a:spcPct val="100000"/>
-                </a:lnSpc>
-                <a:spcBef>
-                  <a:spcPct val="0"/>
-                </a:spcBef>
-                <a:spcAft>
-                  <a:spcPct val="0"/>
-                </a:spcAft>
-                <a:buClrTx/>
-                <a:buSzTx/>
-                <a:buFontTx/>
-                <a:buNone/>
-                <a:tabLst/>
+              <a:pPr algn="ctr" eaLnBrk="0" hangingPunct="0">
+                <a:defRPr/>
               </a:pPr>
               <a:r>
-                <a:rPr kumimoji="0" lang="en-US" sz="2800" b="1" i="0" u="none" strike="noStrike" cap="none" normalizeH="0" baseline="0" dirty="0" smtClean="0">
-                  <a:ln>
-                    <a:noFill/>
-                  </a:ln>
+                <a:rPr lang="en-US" sz="2800" dirty="0">
                   <a:solidFill>
                     <a:srgbClr val="000014"/>
                   </a:solidFill>
-                  <a:effectLst/>
-                  <a:latin typeface="Arial" charset="0"/>
                 </a:rPr>
                 <a:t>Cross-section</a:t>
               </a:r>
@@ -7702,8 +8456,8 @@
           </p:nvCxnSpPr>
           <p:spPr bwMode="auto">
             <a:xfrm rot="10800000" flipV="1">
-              <a:off x="2322287" y="3222170"/>
-              <a:ext cx="2220687" cy="14515"/>
+              <a:off x="2322441" y="3222342"/>
+              <a:ext cx="2220951" cy="14287"/>
             </a:xfrm>
             <a:prstGeom prst="straightConnector1">
               <a:avLst/>
@@ -7731,8 +8485,8 @@
           </p:nvCxnSpPr>
           <p:spPr bwMode="auto">
             <a:xfrm rot="5400000">
-              <a:off x="3389085" y="3156857"/>
-              <a:ext cx="101600" cy="0"/>
+              <a:off x="3389265" y="3157261"/>
+              <a:ext cx="101590" cy="0"/>
             </a:xfrm>
             <a:prstGeom prst="line">
               <a:avLst/>
@@ -7760,8 +8514,8 @@
           </p:nvCxnSpPr>
           <p:spPr bwMode="auto">
             <a:xfrm rot="5400000">
-              <a:off x="3635823" y="3156857"/>
-              <a:ext cx="101600" cy="0"/>
+              <a:off x="3635331" y="3157261"/>
+              <a:ext cx="101590" cy="0"/>
             </a:xfrm>
             <a:prstGeom prst="line">
               <a:avLst/>
@@ -7789,8 +8543,8 @@
           </p:nvCxnSpPr>
           <p:spPr bwMode="auto">
             <a:xfrm rot="5400000">
-              <a:off x="3882561" y="3156857"/>
-              <a:ext cx="101600" cy="0"/>
+              <a:off x="3882986" y="3157261"/>
+              <a:ext cx="101590" cy="0"/>
             </a:xfrm>
             <a:prstGeom prst="line">
               <a:avLst/>
@@ -7818,8 +8572,8 @@
           </p:nvCxnSpPr>
           <p:spPr bwMode="auto">
             <a:xfrm rot="5400000">
-              <a:off x="4129299" y="3156857"/>
-              <a:ext cx="101600" cy="0"/>
+              <a:off x="4129053" y="3157261"/>
+              <a:ext cx="101590" cy="0"/>
             </a:xfrm>
             <a:prstGeom prst="line">
               <a:avLst/>
@@ -7847,8 +8601,8 @@
           </p:nvCxnSpPr>
           <p:spPr bwMode="auto">
             <a:xfrm rot="5400000">
-              <a:off x="4390551" y="3156857"/>
-              <a:ext cx="101600" cy="0"/>
+              <a:off x="4390995" y="3157261"/>
+              <a:ext cx="101590" cy="0"/>
             </a:xfrm>
             <a:prstGeom prst="line">
               <a:avLst/>
@@ -7876,8 +8630,8 @@
           </p:nvCxnSpPr>
           <p:spPr bwMode="auto">
             <a:xfrm rot="5400000">
-              <a:off x="3171375" y="3156857"/>
-              <a:ext cx="101600" cy="0"/>
+              <a:off x="3171773" y="3157261"/>
+              <a:ext cx="101590" cy="0"/>
             </a:xfrm>
             <a:prstGeom prst="line">
               <a:avLst/>
@@ -7905,8 +8659,8 @@
           </p:nvCxnSpPr>
           <p:spPr bwMode="auto">
             <a:xfrm rot="5400000">
-              <a:off x="2968179" y="3156857"/>
-              <a:ext cx="101600" cy="0"/>
+              <a:off x="2968570" y="3157261"/>
+              <a:ext cx="101590" cy="0"/>
             </a:xfrm>
             <a:prstGeom prst="line">
               <a:avLst/>
@@ -7934,8 +8688,8 @@
           </p:nvCxnSpPr>
           <p:spPr bwMode="auto">
             <a:xfrm rot="5400000">
-              <a:off x="2750469" y="3156857"/>
-              <a:ext cx="101600" cy="0"/>
+              <a:off x="2751079" y="3157261"/>
+              <a:ext cx="101590" cy="0"/>
             </a:xfrm>
             <a:prstGeom prst="line">
               <a:avLst/>
@@ -7963,8 +8717,8 @@
           </p:nvCxnSpPr>
           <p:spPr bwMode="auto">
             <a:xfrm rot="5400000">
-              <a:off x="2503731" y="3156857"/>
-              <a:ext cx="101600" cy="0"/>
+              <a:off x="2503425" y="3157261"/>
+              <a:ext cx="101590" cy="0"/>
             </a:xfrm>
             <a:prstGeom prst="line">
               <a:avLst/>
@@ -7992,8 +8746,8 @@
           </p:nvCxnSpPr>
           <p:spPr bwMode="auto">
             <a:xfrm rot="5400000">
-              <a:off x="3374571" y="3156857"/>
-              <a:ext cx="101600" cy="0"/>
+              <a:off x="3374977" y="3157261"/>
+              <a:ext cx="101590" cy="0"/>
             </a:xfrm>
             <a:prstGeom prst="line">
               <a:avLst/>
@@ -8021,8 +8775,8 @@
           </p:nvSpPr>
           <p:spPr bwMode="auto">
             <a:xfrm>
-              <a:off x="2547256" y="2627086"/>
-              <a:ext cx="3853543" cy="384626"/>
+              <a:off x="2547870" y="2627086"/>
+              <a:ext cx="3852929" cy="384139"/>
             </a:xfrm>
             <a:prstGeom prst="borderCallout1">
               <a:avLst>
@@ -8049,39 +8803,17 @@
             <a:effectLst/>
           </p:spPr>
           <p:txBody>
-            <a:bodyPr vert="horz" wrap="square" lIns="91440" tIns="45720" rIns="91440" bIns="45720" numCol="1" rtlCol="0" anchor="ctr" anchorCtr="0" compatLnSpc="1">
-              <a:prstTxWarp prst="textNoShape">
-                <a:avLst/>
-              </a:prstTxWarp>
-            </a:bodyPr>
+            <a:bodyPr anchor="ctr"/>
             <a:lstStyle/>
             <a:p>
-              <a:pPr marL="0" marR="0" indent="0" algn="ctr" defTabSz="914400" rtl="0" eaLnBrk="0" fontAlgn="base" latinLnBrk="0" hangingPunct="0">
-                <a:lnSpc>
-                  <a:spcPct val="100000"/>
-                </a:lnSpc>
-                <a:spcBef>
-                  <a:spcPct val="0"/>
-                </a:spcBef>
-                <a:spcAft>
-                  <a:spcPct val="0"/>
-                </a:spcAft>
-                <a:buClrTx/>
-                <a:buSzTx/>
-                <a:buFontTx/>
-                <a:buNone/>
-                <a:tabLst/>
+              <a:pPr algn="ctr" eaLnBrk="0" hangingPunct="0">
+                <a:defRPr/>
               </a:pPr>
               <a:r>
-                <a:rPr kumimoji="0" lang="en-US" sz="2000" b="1" i="0" u="none" strike="noStrike" cap="none" normalizeH="0" baseline="0" dirty="0" smtClean="0">
-                  <a:ln>
-                    <a:noFill/>
-                  </a:ln>
+                <a:rPr lang="en-US" sz="2000" dirty="0">
                   <a:solidFill>
                     <a:srgbClr val="000014"/>
                   </a:solidFill>
-                  <a:effectLst/>
-                  <a:latin typeface="Arial" charset="0"/>
                 </a:rPr>
                 <a:t>Distance along Channel</a:t>
               </a:r>
@@ -8124,7 +8856,7 @@
       </p:grpSpPr>
       <p:sp>
         <p:nvSpPr>
-          <p:cNvPr id="2" name="Title 1"/>
+          <p:cNvPr id="22529" name="Title 1"/>
           <p:cNvSpPr>
             <a:spLocks noGrp="1"/>
           </p:cNvSpPr>
@@ -8138,47 +8870,48 @@
           <a:lstStyle/>
           <a:p>
             <a:r>
-              <a:rPr lang="en-US" dirty="0" smtClean="0"/>
+              <a:rPr lang="en-US" smtClean="0"/>
               <a:t>Channel Geometry</a:t>
             </a:r>
-            <a:endParaRPr lang="en-US" dirty="0"/>
-          </a:p>
-        </p:txBody>
-      </p:sp>
-      <p:sp>
-        <p:nvSpPr>
-          <p:cNvPr id="3" name="Date Placeholder 2"/>
+          </a:p>
+        </p:txBody>
+      </p:sp>
+      <p:sp>
+        <p:nvSpPr>
+          <p:cNvPr id="22530" name="Date Placeholder 2"/>
           <p:cNvSpPr>
             <a:spLocks noGrp="1"/>
           </p:cNvSpPr>
           <p:nvPr>
-            <p:ph type="dt" sz="half" idx="10"/>
-          </p:nvPr>
-        </p:nvSpPr>
-        <p:spPr/>
+            <p:ph type="dt" sz="quarter" idx="10"/>
+          </p:nvPr>
+        </p:nvSpPr>
+        <p:spPr>
+          <a:noFill/>
+        </p:spPr>
         <p:txBody>
           <a:bodyPr/>
           <a:lstStyle/>
           <a:p>
-            <a:fld id="{51D5166A-F8A3-4CB7-ADBF-C664B236B1EF}" type="slidenum">
+            <a:fld id="{B45669C4-E70F-4424-870D-9078EA32C2F1}" type="slidenum">
               <a:rPr lang="en-US" smtClean="0"/>
               <a:pPr/>
               <a:t>7</a:t>
             </a:fld>
-            <a:endParaRPr lang="en-US"/>
+            <a:endParaRPr lang="en-US" smtClean="0"/>
           </a:p>
         </p:txBody>
       </p:sp>
       <p:pic>
         <p:nvPicPr>
-          <p:cNvPr id="1026" name="Picture 2"/>
+          <p:cNvPr id="22531" name="Picture 2"/>
           <p:cNvPicPr>
             <a:picLocks noChangeAspect="1" noChangeArrowheads="1"/>
           </p:cNvPicPr>
           <p:nvPr/>
         </p:nvPicPr>
         <p:blipFill>
-          <a:blip r:embed="rId2" cstate="print"/>
+          <a:blip r:embed="rId3"/>
           <a:srcRect l="33527" t="24838" r="5588" b="6210"/>
           <a:stretch>
             <a:fillRect/>
@@ -8186,8 +8919,8 @@
         </p:blipFill>
         <p:spPr bwMode="auto">
           <a:xfrm>
-            <a:off x="4752109" y="2350979"/>
-            <a:ext cx="4113416" cy="4192081"/>
+            <a:off x="4751388" y="2351088"/>
+            <a:ext cx="4114800" cy="4192587"/>
           </a:xfrm>
           <a:prstGeom prst="rect">
             <a:avLst/>
@@ -8199,28 +8932,27 @@
             <a:headEnd/>
             <a:tailEnd/>
           </a:ln>
-          <a:effectLst/>
         </p:spPr>
       </p:pic>
       <p:pic>
         <p:nvPicPr>
-          <p:cNvPr id="9" name="Picture 2"/>
+          <p:cNvPr id="22532" name="Picture 2"/>
           <p:cNvPicPr>
             <a:picLocks noChangeAspect="1" noChangeArrowheads="1"/>
           </p:cNvPicPr>
           <p:nvPr/>
         </p:nvPicPr>
         <p:blipFill>
-          <a:blip r:embed="rId3" cstate="print"/>
-          <a:srcRect l="33527" t="24838" r="16764" b="18629"/>
+          <a:blip r:embed="rId4"/>
+          <a:srcRect l="33527" t="24838" r="16763" b="18629"/>
           <a:stretch>
             <a:fillRect/>
           </a:stretch>
         </p:blipFill>
         <p:spPr bwMode="auto">
           <a:xfrm>
-            <a:off x="311726" y="1698045"/>
-            <a:ext cx="4101027" cy="4197096"/>
+            <a:off x="311150" y="1698625"/>
+            <a:ext cx="4102100" cy="4195763"/>
           </a:xfrm>
           <a:prstGeom prst="rect">
             <a:avLst/>
@@ -8232,7 +8964,6 @@
             <a:headEnd/>
             <a:tailEnd/>
           </a:ln>
-          <a:effectLst/>
         </p:spPr>
       </p:pic>
     </p:spTree>
@@ -8270,7 +9001,7 @@
       </p:grpSpPr>
       <p:sp>
         <p:nvSpPr>
-          <p:cNvPr id="2" name="Title 1"/>
+          <p:cNvPr id="23553" name="Title 1"/>
           <p:cNvSpPr>
             <a:spLocks noGrp="1"/>
           </p:cNvSpPr>
@@ -8280,8 +9011,8 @@
         </p:nvSpPr>
         <p:spPr>
           <a:xfrm>
-            <a:off x="685799" y="323850"/>
-            <a:ext cx="8084127" cy="1143000"/>
+            <a:off x="685800" y="323850"/>
+            <a:ext cx="8083550" cy="1143000"/>
           </a:xfrm>
         </p:spPr>
         <p:txBody>
@@ -8289,34 +9020,35 @@
           <a:lstStyle/>
           <a:p>
             <a:r>
-              <a:rPr lang="en-US" dirty="0" smtClean="0"/>
+              <a:rPr lang="en-US" smtClean="0"/>
               <a:t>How DSM2 Depicts Geometry</a:t>
             </a:r>
-            <a:endParaRPr lang="en-US" dirty="0"/>
-          </a:p>
-        </p:txBody>
-      </p:sp>
-      <p:sp>
-        <p:nvSpPr>
-          <p:cNvPr id="3" name="Date Placeholder 2"/>
+          </a:p>
+        </p:txBody>
+      </p:sp>
+      <p:sp>
+        <p:nvSpPr>
+          <p:cNvPr id="23554" name="Date Placeholder 2"/>
           <p:cNvSpPr>
             <a:spLocks noGrp="1"/>
           </p:cNvSpPr>
           <p:nvPr>
-            <p:ph type="dt" sz="half" idx="10"/>
-          </p:nvPr>
-        </p:nvSpPr>
-        <p:spPr/>
+            <p:ph type="dt" sz="quarter" idx="10"/>
+          </p:nvPr>
+        </p:nvSpPr>
+        <p:spPr>
+          <a:noFill/>
+        </p:spPr>
         <p:txBody>
           <a:bodyPr/>
           <a:lstStyle/>
           <a:p>
-            <a:fld id="{51D5166A-F8A3-4CB7-ADBF-C664B236B1EF}" type="slidenum">
+            <a:fld id="{01BCBC73-156B-442E-8C0C-2602A92258A3}" type="slidenum">
               <a:rPr lang="en-US" smtClean="0"/>
               <a:pPr/>
               <a:t>8</a:t>
             </a:fld>
-            <a:endParaRPr lang="en-US"/>
+            <a:endParaRPr lang="en-US" smtClean="0"/>
           </a:p>
         </p:txBody>
       </p:sp>
@@ -8329,7 +9061,7 @@
           <p:nvPr/>
         </p:nvPicPr>
         <p:blipFill>
-          <a:blip r:embed="rId2" cstate="print"/>
+          <a:blip r:embed="rId3"/>
           <a:srcRect l="-421" t="-1018" r="-3188" b="-1178"/>
           <a:stretch>
             <a:fillRect/>
@@ -8337,7 +9069,7 @@
         </p:blipFill>
         <p:spPr bwMode="auto">
           <a:xfrm>
-            <a:off x="1835728" y="1565563"/>
+            <a:off x="1835150" y="1565275"/>
             <a:ext cx="5943600" cy="2424113"/>
           </a:xfrm>
           <a:prstGeom prst="rect">
@@ -8359,7 +9091,7 @@
       </p:pic>
       <p:sp>
         <p:nvSpPr>
-          <p:cNvPr id="5124" name="Rectangle 4"/>
+          <p:cNvPr id="23556" name="Rectangle 4"/>
           <p:cNvSpPr>
             <a:spLocks noChangeArrowheads="1"/>
           </p:cNvSpPr>
@@ -8367,8 +9099,8 @@
         </p:nvSpPr>
         <p:spPr bwMode="auto">
           <a:xfrm>
-            <a:off x="1377857" y="4152132"/>
-            <a:ext cx="6388287" cy="2308324"/>
+            <a:off x="1377950" y="4152900"/>
+            <a:ext cx="6388100" cy="2308225"/>
           </a:xfrm>
           <a:prstGeom prst="rect">
             <a:avLst/>
@@ -8380,35 +9112,15 @@
             <a:headEnd/>
             <a:tailEnd/>
           </a:ln>
-          <a:effectLst/>
-        </p:spPr>
-        <p:txBody>
-          <a:bodyPr vert="horz" wrap="none" lIns="91440" tIns="45720" rIns="91440" bIns="45720" numCol="1" anchor="ctr" anchorCtr="0" compatLnSpc="1">
-            <a:prstTxWarp prst="textNoShape">
-              <a:avLst/>
-            </a:prstTxWarp>
+        </p:spPr>
+        <p:txBody>
+          <a:bodyPr wrap="none" anchor="ctr">
             <a:spAutoFit/>
           </a:bodyPr>
           <a:lstStyle/>
           <a:p>
-            <a:pPr marL="0" marR="0" lvl="0" indent="0" algn="l" defTabSz="914400" rtl="0" eaLnBrk="1" fontAlgn="base" latinLnBrk="0" hangingPunct="1">
-              <a:lnSpc>
-                <a:spcPct val="100000"/>
-              </a:lnSpc>
-              <a:spcBef>
-                <a:spcPct val="0"/>
-              </a:spcBef>
-              <a:spcAft>
-                <a:spcPct val="0"/>
-              </a:spcAft>
-              <a:buClrTx/>
-              <a:buSzTx/>
-              <a:buFontTx/>
-              <a:buNone/>
-              <a:tabLst/>
-            </a:pPr>
-            <a:r>
-              <a:rPr lang="en-US" sz="1800" dirty="0" smtClean="0">
+            <a:r>
+              <a:rPr lang="en-US" sz="1800">
                 <a:latin typeface="Courier New" pitchFamily="49" charset="0"/>
                 <a:ea typeface="Times New Roman" pitchFamily="18" charset="0"/>
                 <a:cs typeface="Courier New" pitchFamily="49" charset="0"/>
@@ -8417,24 +9129,9 @@
             </a:r>
           </a:p>
           <a:p>
-            <a:pPr marL="0" marR="0" lvl="0" indent="0" algn="l" defTabSz="914400" rtl="0" eaLnBrk="0" fontAlgn="base" latinLnBrk="0" hangingPunct="0">
-              <a:lnSpc>
-                <a:spcPct val="100000"/>
-              </a:lnSpc>
-              <a:spcBef>
-                <a:spcPct val="0"/>
-              </a:spcBef>
-              <a:spcAft>
-                <a:spcPct val="0"/>
-              </a:spcAft>
-              <a:buClrTx/>
-              <a:buSzTx/>
-              <a:buFontTx/>
-              <a:buNone/>
-              <a:tabLst/>
-            </a:pPr>
-            <a:r>
-              <a:rPr lang="en-US" sz="1800" dirty="0" smtClean="0">
+            <a:pPr eaLnBrk="0" hangingPunct="0"/>
+            <a:r>
+              <a:rPr lang="en-US" sz="1800">
                 <a:latin typeface="Courier New" pitchFamily="49" charset="0"/>
                 <a:ea typeface="Times New Roman" pitchFamily="18" charset="0"/>
                 <a:cs typeface="Courier New" pitchFamily="49" charset="0"/>
@@ -8443,24 +9140,9 @@
             </a:r>
           </a:p>
           <a:p>
-            <a:pPr marL="0" marR="0" lvl="0" indent="0" algn="l" defTabSz="914400" rtl="0" eaLnBrk="0" fontAlgn="base" latinLnBrk="0" hangingPunct="0">
-              <a:lnSpc>
-                <a:spcPct val="100000"/>
-              </a:lnSpc>
-              <a:spcBef>
-                <a:spcPct val="0"/>
-              </a:spcBef>
-              <a:spcAft>
-                <a:spcPct val="0"/>
-              </a:spcAft>
-              <a:buClrTx/>
-              <a:buSzTx/>
-              <a:buFontTx/>
-              <a:buNone/>
-              <a:tabLst/>
-            </a:pPr>
-            <a:r>
-              <a:rPr lang="en-US" sz="1800" dirty="0" smtClean="0">
+            <a:pPr eaLnBrk="0" hangingPunct="0"/>
+            <a:r>
+              <a:rPr lang="en-US" sz="1800">
                 <a:latin typeface="Courier New" pitchFamily="49" charset="0"/>
                 <a:ea typeface="Times New Roman" pitchFamily="18" charset="0"/>
                 <a:cs typeface="Courier New" pitchFamily="49" charset="0"/>
@@ -8469,24 +9151,9 @@
             </a:r>
           </a:p>
           <a:p>
-            <a:pPr marL="0" marR="0" lvl="0" indent="0" algn="l" defTabSz="914400" rtl="0" eaLnBrk="0" fontAlgn="base" latinLnBrk="0" hangingPunct="0">
-              <a:lnSpc>
-                <a:spcPct val="100000"/>
-              </a:lnSpc>
-              <a:spcBef>
-                <a:spcPct val="0"/>
-              </a:spcBef>
-              <a:spcAft>
-                <a:spcPct val="0"/>
-              </a:spcAft>
-              <a:buClrTx/>
-              <a:buSzTx/>
-              <a:buFontTx/>
-              <a:buNone/>
-              <a:tabLst/>
-            </a:pPr>
-            <a:r>
-              <a:rPr lang="en-US" sz="1800" dirty="0" smtClean="0">
+            <a:pPr eaLnBrk="0" hangingPunct="0"/>
+            <a:r>
+              <a:rPr lang="en-US" sz="1800">
                 <a:latin typeface="Courier New" pitchFamily="49" charset="0"/>
                 <a:ea typeface="Times New Roman" pitchFamily="18" charset="0"/>
                 <a:cs typeface="Courier New" pitchFamily="49" charset="0"/>
@@ -8495,24 +9162,9 @@
             </a:r>
           </a:p>
           <a:p>
-            <a:pPr marL="0" marR="0" lvl="0" indent="0" algn="l" defTabSz="914400" rtl="0" eaLnBrk="0" fontAlgn="base" latinLnBrk="0" hangingPunct="0">
-              <a:lnSpc>
-                <a:spcPct val="100000"/>
-              </a:lnSpc>
-              <a:spcBef>
-                <a:spcPct val="0"/>
-              </a:spcBef>
-              <a:spcAft>
-                <a:spcPct val="0"/>
-              </a:spcAft>
-              <a:buClrTx/>
-              <a:buSzTx/>
-              <a:buFontTx/>
-              <a:buNone/>
-              <a:tabLst/>
-            </a:pPr>
-            <a:r>
-              <a:rPr lang="en-US" sz="1800" dirty="0" smtClean="0">
+            <a:pPr eaLnBrk="0" hangingPunct="0"/>
+            <a:r>
+              <a:rPr lang="en-US" sz="1800">
                 <a:latin typeface="Courier New" pitchFamily="49" charset="0"/>
                 <a:ea typeface="Times New Roman" pitchFamily="18" charset="0"/>
                 <a:cs typeface="Courier New" pitchFamily="49" charset="0"/>
@@ -8521,24 +9173,9 @@
             </a:r>
           </a:p>
           <a:p>
-            <a:pPr marL="0" marR="0" lvl="0" indent="0" algn="l" defTabSz="914400" rtl="0" eaLnBrk="0" fontAlgn="base" latinLnBrk="0" hangingPunct="0">
-              <a:lnSpc>
-                <a:spcPct val="100000"/>
-              </a:lnSpc>
-              <a:spcBef>
-                <a:spcPct val="0"/>
-              </a:spcBef>
-              <a:spcAft>
-                <a:spcPct val="0"/>
-              </a:spcAft>
-              <a:buClrTx/>
-              <a:buSzTx/>
-              <a:buFontTx/>
-              <a:buNone/>
-              <a:tabLst/>
-            </a:pPr>
-            <a:r>
-              <a:rPr lang="en-US" sz="1800" dirty="0" smtClean="0">
+            <a:pPr eaLnBrk="0" hangingPunct="0"/>
+            <a:r>
+              <a:rPr lang="en-US" sz="1800">
                 <a:latin typeface="Courier New" pitchFamily="49" charset="0"/>
                 <a:ea typeface="Times New Roman" pitchFamily="18" charset="0"/>
                 <a:cs typeface="Courier New" pitchFamily="49" charset="0"/>
@@ -8547,24 +9184,9 @@
             </a:r>
           </a:p>
           <a:p>
-            <a:pPr marL="0" marR="0" lvl="0" indent="0" algn="l" defTabSz="914400" rtl="0" eaLnBrk="0" fontAlgn="base" latinLnBrk="0" hangingPunct="0">
-              <a:lnSpc>
-                <a:spcPct val="100000"/>
-              </a:lnSpc>
-              <a:spcBef>
-                <a:spcPct val="0"/>
-              </a:spcBef>
-              <a:spcAft>
-                <a:spcPct val="0"/>
-              </a:spcAft>
-              <a:buClrTx/>
-              <a:buSzTx/>
-              <a:buFontTx/>
-              <a:buNone/>
-              <a:tabLst/>
-            </a:pPr>
-            <a:r>
-              <a:rPr lang="en-US" sz="1800" dirty="0" smtClean="0">
+            <a:pPr eaLnBrk="0" hangingPunct="0"/>
+            <a:r>
+              <a:rPr lang="en-US" sz="1800">
                 <a:latin typeface="Courier New" pitchFamily="49" charset="0"/>
                 <a:ea typeface="Times New Roman" pitchFamily="18" charset="0"/>
                 <a:cs typeface="Courier New" pitchFamily="49" charset="0"/>
@@ -8573,24 +9195,18 @@
             </a:r>
           </a:p>
           <a:p>
-            <a:pPr lvl="0" algn="l"/>
-            <a:r>
-              <a:rPr lang="en-US" sz="1800" dirty="0" smtClean="0">
+            <a:pPr eaLnBrk="0" hangingPunct="0"/>
+            <a:r>
+              <a:rPr lang="en-US" sz="1800">
                 <a:latin typeface="Courier New" pitchFamily="49" charset="0"/>
                 <a:ea typeface="Times New Roman" pitchFamily="18" charset="0"/>
                 <a:cs typeface="Courier New" pitchFamily="49" charset="0"/>
               </a:rPr>
               <a:t>END</a:t>
             </a:r>
-            <a:endParaRPr kumimoji="0" lang="en-US" sz="1800" i="0" u="none" strike="noStrike" cap="none" normalizeH="0" baseline="0" dirty="0" smtClean="0">
-              <a:ln>
-                <a:noFill/>
-              </a:ln>
-              <a:solidFill>
-                <a:schemeClr val="tx1"/>
-              </a:solidFill>
-              <a:effectLst/>
-              <a:latin typeface="Arial" pitchFamily="34" charset="0"/>
+            <a:endParaRPr lang="en-US" sz="1800">
+              <a:ea typeface="Times New Roman" pitchFamily="18" charset="0"/>
+              <a:cs typeface="Courier New" pitchFamily="49" charset="0"/>
             </a:endParaRPr>
           </a:p>
         </p:txBody>
@@ -8630,7 +9246,7 @@
       </p:grpSpPr>
       <p:sp>
         <p:nvSpPr>
-          <p:cNvPr id="7" name="Content Placeholder 6"/>
+          <p:cNvPr id="24577" name="Content Placeholder 6"/>
           <p:cNvSpPr>
             <a:spLocks noGrp="1"/>
           </p:cNvSpPr>
@@ -8640,8 +9256,8 @@
         </p:nvSpPr>
         <p:spPr>
           <a:xfrm>
-            <a:off x="685799" y="1496291"/>
-            <a:ext cx="7994073" cy="4599709"/>
+            <a:off x="685800" y="1497013"/>
+            <a:ext cx="7994650" cy="4598987"/>
           </a:xfrm>
         </p:spPr>
         <p:txBody>
@@ -8649,68 +9265,68 @@
           <a:lstStyle/>
           <a:p>
             <a:r>
-              <a:rPr lang="en-US" dirty="0" smtClean="0"/>
+              <a:rPr lang="en-US" smtClean="0"/>
               <a:t>User requests a spatial step </a:t>
             </a:r>
             <a:r>
-              <a:rPr lang="en-US" dirty="0" smtClean="0">
+              <a:rPr lang="en-US" smtClean="0">
                 <a:sym typeface="Symbol" pitchFamily="18" charset="2"/>
               </a:rPr>
               <a:t></a:t>
             </a:r>
             <a:r>
-              <a:rPr lang="en-US" dirty="0" smtClean="0"/>
+              <a:rPr lang="en-US" smtClean="0"/>
               <a:t>X </a:t>
             </a:r>
           </a:p>
           <a:p>
             <a:r>
-              <a:rPr lang="en-US" dirty="0" smtClean="0"/>
+              <a:rPr lang="en-US" smtClean="0"/>
               <a:t>Nodes/reach length affect </a:t>
             </a:r>
             <a:r>
-              <a:rPr lang="en-US" dirty="0" smtClean="0">
+              <a:rPr lang="en-US" smtClean="0">
                 <a:sym typeface="Symbol" pitchFamily="18" charset="2"/>
               </a:rPr>
               <a:t></a:t>
             </a:r>
             <a:r>
-              <a:rPr lang="en-US" dirty="0" smtClean="0"/>
+              <a:rPr lang="en-US" smtClean="0"/>
               <a:t>X :</a:t>
             </a:r>
           </a:p>
           <a:p>
             <a:pPr lvl="1"/>
             <a:r>
-              <a:rPr lang="en-US" dirty="0" smtClean="0"/>
+              <a:rPr lang="en-US" smtClean="0"/>
               <a:t>Actual </a:t>
             </a:r>
             <a:r>
-              <a:rPr lang="en-US" dirty="0" smtClean="0">
+              <a:rPr lang="en-US" smtClean="0">
                 <a:sym typeface="Symbol" pitchFamily="18" charset="2"/>
               </a:rPr>
               <a:t></a:t>
             </a:r>
             <a:r>
-              <a:rPr lang="en-US" dirty="0" smtClean="0"/>
+              <a:rPr lang="en-US" smtClean="0"/>
               <a:t>X smallest subdivision ≥ requested </a:t>
             </a:r>
           </a:p>
           <a:p>
             <a:r>
-              <a:rPr lang="en-US" dirty="0" smtClean="0"/>
+              <a:rPr lang="en-US" smtClean="0"/>
               <a:t>Computational points</a:t>
             </a:r>
           </a:p>
           <a:p>
-            <a:endParaRPr lang="en-US" dirty="0" smtClean="0"/>
-          </a:p>
-          <a:p>
-            <a:endParaRPr lang="en-US" dirty="0" smtClean="0"/>
-          </a:p>
-          <a:p>
-            <a:r>
-              <a:rPr lang="en-US" dirty="0" smtClean="0"/>
+            <a:endParaRPr lang="en-US" smtClean="0"/>
+          </a:p>
+          <a:p>
+            <a:endParaRPr lang="en-US" smtClean="0"/>
+          </a:p>
+          <a:p>
+            <a:r>
+              <a:rPr lang="en-US" smtClean="0"/>
               <a:t>Geometry interpolated to comp points and centers</a:t>
             </a:r>
           </a:p>
@@ -8718,7 +9334,7 @@
       </p:sp>
       <p:sp>
         <p:nvSpPr>
-          <p:cNvPr id="2" name="Title 1"/>
+          <p:cNvPr id="24578" name="Title 1"/>
           <p:cNvSpPr>
             <a:spLocks noGrp="1"/>
           </p:cNvSpPr>
@@ -8732,78 +9348,73 @@
           <a:lstStyle/>
           <a:p>
             <a:r>
-              <a:rPr lang="en-US" dirty="0" err="1" smtClean="0"/>
-              <a:t>Discretization</a:t>
-            </a:r>
-            <a:r>
-              <a:rPr lang="en-US" dirty="0" smtClean="0"/>
-              <a:t> in HYDRO</a:t>
-            </a:r>
-            <a:endParaRPr lang="en-US" dirty="0"/>
-          </a:p>
-        </p:txBody>
-      </p:sp>
-      <p:sp>
-        <p:nvSpPr>
-          <p:cNvPr id="3" name="Date Placeholder 2"/>
+              <a:rPr lang="en-US" smtClean="0"/>
+              <a:t>Discretization in HYDRO</a:t>
+            </a:r>
+          </a:p>
+        </p:txBody>
+      </p:sp>
+      <p:sp>
+        <p:nvSpPr>
+          <p:cNvPr id="24579" name="Date Placeholder 2"/>
           <p:cNvSpPr>
             <a:spLocks noGrp="1"/>
           </p:cNvSpPr>
           <p:nvPr>
-            <p:ph type="dt" sz="half" idx="10"/>
-          </p:nvPr>
-        </p:nvSpPr>
-        <p:spPr/>
+            <p:ph type="dt" sz="quarter" idx="10"/>
+          </p:nvPr>
+        </p:nvSpPr>
+        <p:spPr>
+          <a:noFill/>
+        </p:spPr>
         <p:txBody>
           <a:bodyPr/>
           <a:lstStyle/>
           <a:p>
-            <a:fld id="{51D5166A-F8A3-4CB7-ADBF-C664B236B1EF}" type="slidenum">
+            <a:fld id="{0C144A51-267D-4A14-829F-5FA262435C3B}" type="slidenum">
               <a:rPr lang="en-US" smtClean="0"/>
               <a:pPr/>
               <a:t>9</a:t>
             </a:fld>
-            <a:endParaRPr lang="en-US"/>
+            <a:endParaRPr lang="en-US" smtClean="0"/>
           </a:p>
         </p:txBody>
       </p:sp>
       <p:cxnSp>
         <p:nvCxnSpPr>
-          <p:cNvPr id="6" name="Straight Arrow Connector 5"/>
-          <p:cNvCxnSpPr/>
+          <p:cNvPr id="24580" name="Straight Arrow Connector 5"/>
+          <p:cNvCxnSpPr>
+            <a:cxnSpLocks noChangeShapeType="1"/>
+          </p:cNvCxnSpPr>
           <p:nvPr/>
         </p:nvCxnSpPr>
         <p:spPr bwMode="auto">
           <a:xfrm>
-            <a:off x="3678382" y="0"/>
+            <a:off x="3678238" y="0"/>
             <a:ext cx="914400" cy="914400"/>
           </a:xfrm>
           <a:prstGeom prst="straightConnector1">
             <a:avLst/>
           </a:prstGeom>
-          <a:solidFill>
-            <a:srgbClr val="FFFF99"/>
-          </a:solidFill>
-          <a:ln w="9525" cap="flat" cmpd="sng" algn="ctr">
+          <a:noFill/>
+          <a:ln w="9525" algn="ctr">
             <a:noFill/>
-            <a:prstDash val="solid"/>
             <a:round/>
-            <a:headEnd type="none" w="med" len="med"/>
-            <a:tailEnd type="arrow"/>
+            <a:headEnd/>
+            <a:tailEnd type="arrow" w="med" len="med"/>
           </a:ln>
-          <a:effectLst/>
         </p:spPr>
       </p:cxnSp>
       <p:pic>
         <p:nvPicPr>
-          <p:cNvPr id="31746" name="Picture 2" descr="j0434750[1]"/>
+          <p:cNvPr id="24581" name="Picture 2" descr="j0434750[1]"/>
           <p:cNvPicPr>
             <a:picLocks noChangeAspect="1" noChangeArrowheads="1"/>
           </p:cNvPicPr>
           <p:nvPr/>
         </p:nvPicPr>
         <p:blipFill>
-          <a:blip r:embed="rId2" cstate="print"/>
+          <a:blip r:embed="rId3"/>
           <a:srcRect/>
           <a:stretch>
             <a:fillRect/>
@@ -8811,8 +9422,8 @@
         </p:blipFill>
         <p:spPr bwMode="auto">
           <a:xfrm>
-            <a:off x="8473928" y="2723238"/>
-            <a:ext cx="450277" cy="450277"/>
+            <a:off x="8474075" y="2722563"/>
+            <a:ext cx="450850" cy="450850"/>
           </a:xfrm>
           <a:prstGeom prst="rect">
             <a:avLst/>
@@ -8834,8 +9445,8 @@
         </p:nvCxnSpPr>
         <p:spPr bwMode="auto">
           <a:xfrm flipV="1">
-            <a:off x="2017011" y="4245831"/>
-            <a:ext cx="5212080" cy="27709"/>
+            <a:off x="2017713" y="4246563"/>
+            <a:ext cx="5211762" cy="26987"/>
           </a:xfrm>
           <a:prstGeom prst="line">
             <a:avLst/>
@@ -8857,25 +9468,29 @@
       </p:cxnSp>
       <p:grpSp>
         <p:nvGrpSpPr>
-          <p:cNvPr id="56" name="Group 55"/>
-          <p:cNvGrpSpPr/>
+          <p:cNvPr id="24583" name="Group 55"/>
+          <p:cNvGrpSpPr>
+            <a:grpSpLocks/>
+          </p:cNvGrpSpPr>
           <p:nvPr/>
         </p:nvGrpSpPr>
-        <p:grpSpPr>
+        <p:grpSpPr bwMode="auto">
           <a:xfrm>
-            <a:off x="1829623" y="4083220"/>
-            <a:ext cx="5646473" cy="424207"/>
+            <a:off x="1830388" y="4083050"/>
+            <a:ext cx="5645150" cy="423863"/>
             <a:chOff x="1829623" y="4083220"/>
             <a:chExt cx="5646473" cy="424207"/>
           </a:xfrm>
         </p:grpSpPr>
         <p:grpSp>
           <p:nvGrpSpPr>
-            <p:cNvPr id="43" name="Group 42"/>
-            <p:cNvGrpSpPr/>
+            <p:cNvPr id="24584" name="Group 42"/>
+            <p:cNvGrpSpPr>
+              <a:grpSpLocks/>
+            </p:cNvGrpSpPr>
             <p:nvPr/>
           </p:nvGrpSpPr>
-          <p:grpSpPr>
+          <p:grpSpPr bwMode="auto">
             <a:xfrm>
               <a:off x="1829623" y="4083220"/>
               <a:ext cx="5646473" cy="424207"/>
@@ -8893,8 +9508,8 @@
             </p:nvSpPr>
             <p:spPr bwMode="auto">
               <a:xfrm>
-                <a:off x="1829623" y="4350328"/>
-                <a:ext cx="274320" cy="274320"/>
+                <a:off x="1829623" y="4350643"/>
+                <a:ext cx="274701" cy="273272"/>
               </a:xfrm>
               <a:prstGeom prst="ellipse">
                 <a:avLst/>
@@ -8912,39 +9527,13 @@
               <a:effectLst/>
             </p:spPr>
             <p:txBody>
-              <a:bodyPr vert="horz" wrap="square" lIns="91440" tIns="45720" rIns="91440" bIns="45720" numCol="1" rtlCol="0" anchor="ctr" anchorCtr="0" compatLnSpc="1">
-                <a:prstTxWarp prst="textNoShape">
-                  <a:avLst/>
-                </a:prstTxWarp>
-              </a:bodyPr>
+              <a:bodyPr anchor="ctr"/>
               <a:lstStyle/>
               <a:p>
-                <a:pPr marL="0" marR="0" indent="0" algn="ctr" defTabSz="914400" rtl="0" eaLnBrk="0" fontAlgn="base" latinLnBrk="0" hangingPunct="0">
-                  <a:lnSpc>
-                    <a:spcPct val="100000"/>
-                  </a:lnSpc>
-                  <a:spcBef>
-                    <a:spcPct val="0"/>
-                  </a:spcBef>
-                  <a:spcAft>
-                    <a:spcPct val="0"/>
-                  </a:spcAft>
-                  <a:buClrTx/>
-                  <a:buSzTx/>
-                  <a:buFontTx/>
-                  <a:buNone/>
-                  <a:tabLst/>
+                <a:pPr algn="ctr" eaLnBrk="0" hangingPunct="0">
+                  <a:defRPr/>
                 </a:pPr>
-                <a:endParaRPr kumimoji="0" lang="en-US" sz="3600" b="1" i="0" u="none" strike="noStrike" cap="none" normalizeH="0" baseline="0" smtClean="0">
-                  <a:ln>
-                    <a:noFill/>
-                  </a:ln>
-                  <a:solidFill>
-                    <a:schemeClr val="tx1"/>
-                  </a:solidFill>
-                  <a:effectLst/>
-                  <a:latin typeface="Arial" charset="0"/>
-                </a:endParaRPr>
+                <a:endParaRPr lang="en-US"/>
               </a:p>
             </p:txBody>
           </p:sp>
@@ -8958,8 +9547,8 @@
             </p:nvSpPr>
             <p:spPr bwMode="auto">
               <a:xfrm>
-                <a:off x="4357141" y="4329544"/>
-                <a:ext cx="274320" cy="274320"/>
+                <a:off x="4357515" y="4329990"/>
+                <a:ext cx="274701" cy="273272"/>
               </a:xfrm>
               <a:prstGeom prst="ellipse">
                 <a:avLst/>
@@ -8977,39 +9566,13 @@
               <a:effectLst/>
             </p:spPr>
             <p:txBody>
-              <a:bodyPr vert="horz" wrap="square" lIns="91440" tIns="45720" rIns="91440" bIns="45720" numCol="1" rtlCol="0" anchor="ctr" anchorCtr="0" compatLnSpc="1">
-                <a:prstTxWarp prst="textNoShape">
-                  <a:avLst/>
-                </a:prstTxWarp>
-              </a:bodyPr>
+              <a:bodyPr anchor="ctr"/>
               <a:lstStyle/>
               <a:p>
-                <a:pPr marL="0" marR="0" indent="0" algn="ctr" defTabSz="914400" rtl="0" eaLnBrk="0" fontAlgn="base" latinLnBrk="0" hangingPunct="0">
-                  <a:lnSpc>
-                    <a:spcPct val="100000"/>
-                  </a:lnSpc>
-                  <a:spcBef>
-                    <a:spcPct val="0"/>
-                  </a:spcBef>
-                  <a:spcAft>
-                    <a:spcPct val="0"/>
-                  </a:spcAft>
-                  <a:buClrTx/>
-                  <a:buSzTx/>
-                  <a:buFontTx/>
-                  <a:buNone/>
-                  <a:tabLst/>
+                <a:pPr algn="ctr" eaLnBrk="0" hangingPunct="0">
+                  <a:defRPr/>
                 </a:pPr>
-                <a:endParaRPr kumimoji="0" lang="en-US" sz="3600" b="1" i="0" u="none" strike="noStrike" cap="none" normalizeH="0" baseline="0" smtClean="0">
-                  <a:ln>
-                    <a:noFill/>
-                  </a:ln>
-                  <a:solidFill>
-                    <a:schemeClr val="tx1"/>
-                  </a:solidFill>
-                  <a:effectLst/>
-                  <a:latin typeface="Arial" charset="0"/>
-                </a:endParaRPr>
+                <a:endParaRPr lang="en-US"/>
               </a:p>
             </p:txBody>
           </p:sp>
@@ -9023,8 +9586,8 @@
             </p:nvSpPr>
             <p:spPr bwMode="auto">
               <a:xfrm>
-                <a:off x="7201776" y="4315690"/>
-                <a:ext cx="274320" cy="274320"/>
+                <a:off x="7201394" y="4315690"/>
+                <a:ext cx="274702" cy="274861"/>
               </a:xfrm>
               <a:prstGeom prst="ellipse">
                 <a:avLst/>
@@ -9042,49 +9605,25 @@
               <a:effectLst/>
             </p:spPr>
             <p:txBody>
-              <a:bodyPr vert="horz" wrap="square" lIns="91440" tIns="45720" rIns="91440" bIns="45720" numCol="1" rtlCol="0" anchor="ctr" anchorCtr="0" compatLnSpc="1">
-                <a:prstTxWarp prst="textNoShape">
-                  <a:avLst/>
-                </a:prstTxWarp>
-              </a:bodyPr>
+              <a:bodyPr anchor="ctr"/>
               <a:lstStyle/>
               <a:p>
-                <a:pPr marL="0" marR="0" indent="0" algn="ctr" defTabSz="914400" rtl="0" eaLnBrk="0" fontAlgn="base" latinLnBrk="0" hangingPunct="0">
-                  <a:lnSpc>
-                    <a:spcPct val="100000"/>
-                  </a:lnSpc>
-                  <a:spcBef>
-                    <a:spcPct val="0"/>
-                  </a:spcBef>
-                  <a:spcAft>
-                    <a:spcPct val="0"/>
-                  </a:spcAft>
-                  <a:buClrTx/>
-                  <a:buSzTx/>
-                  <a:buFontTx/>
-                  <a:buNone/>
-                  <a:tabLst/>
+                <a:pPr algn="ctr" eaLnBrk="0" hangingPunct="0">
+                  <a:defRPr/>
                 </a:pPr>
-                <a:endParaRPr kumimoji="0" lang="en-US" sz="3600" b="1" i="0" u="none" strike="noStrike" cap="none" normalizeH="0" baseline="0" smtClean="0">
-                  <a:ln>
-                    <a:noFill/>
-                  </a:ln>
-                  <a:solidFill>
-                    <a:schemeClr val="tx1"/>
-                  </a:solidFill>
-                  <a:effectLst/>
-                  <a:latin typeface="Arial" charset="0"/>
-                </a:endParaRPr>
+                <a:endParaRPr lang="en-US"/>
               </a:p>
             </p:txBody>
           </p:sp>
           <p:grpSp>
             <p:nvGrpSpPr>
-              <p:cNvPr id="26" name="Group 25"/>
-              <p:cNvGrpSpPr/>
+              <p:cNvPr id="24598" name="Group 25"/>
+              <p:cNvGrpSpPr>
+                <a:grpSpLocks/>
+              </p:cNvGrpSpPr>
               <p:nvPr/>
             </p:nvGrpSpPr>
-            <p:grpSpPr>
+            <p:grpSpPr bwMode="auto">
               <a:xfrm>
                 <a:off x="2061273" y="4476426"/>
                 <a:ext cx="5194512" cy="263471"/>
@@ -9100,8 +9639,8 @@
               </p:nvSpPr>
               <p:spPr bwMode="auto">
                 <a:xfrm>
-                  <a:off x="2557219" y="4437681"/>
-                  <a:ext cx="139485" cy="263471"/>
+                  <a:off x="2556867" y="4437413"/>
+                  <a:ext cx="139733" cy="263739"/>
                 </a:xfrm>
                 <a:prstGeom prst="triangle">
                   <a:avLst/>
@@ -9119,39 +9658,13 @@
                 <a:effectLst/>
               </p:spPr>
               <p:txBody>
-                <a:bodyPr vert="horz" wrap="square" lIns="91440" tIns="45720" rIns="91440" bIns="45720" numCol="1" rtlCol="0" anchor="ctr" anchorCtr="0" compatLnSpc="1">
-                  <a:prstTxWarp prst="textNoShape">
-                    <a:avLst/>
-                  </a:prstTxWarp>
-                </a:bodyPr>
+                <a:bodyPr anchor="ctr"/>
                 <a:lstStyle/>
                 <a:p>
-                  <a:pPr marL="0" marR="0" indent="0" algn="ctr" defTabSz="914400" rtl="0" eaLnBrk="0" fontAlgn="base" latinLnBrk="0" hangingPunct="0">
-                    <a:lnSpc>
-                      <a:spcPct val="100000"/>
-                    </a:lnSpc>
-                    <a:spcBef>
-                      <a:spcPct val="0"/>
-                    </a:spcBef>
-                    <a:spcAft>
-                      <a:spcPct val="0"/>
-                    </a:spcAft>
-                    <a:buClrTx/>
-                    <a:buSzTx/>
-                    <a:buFontTx/>
-                    <a:buNone/>
-                    <a:tabLst/>
+                  <a:pPr algn="ctr" eaLnBrk="0" hangingPunct="0">
+                    <a:defRPr/>
                   </a:pPr>
-                  <a:endParaRPr kumimoji="0" lang="en-US" sz="3600" b="1" i="0" u="none" strike="noStrike" cap="none" normalizeH="0" baseline="0" smtClean="0">
-                    <a:ln>
-                      <a:noFill/>
-                    </a:ln>
-                    <a:solidFill>
-                      <a:schemeClr val="tx1"/>
-                    </a:solidFill>
-                    <a:effectLst/>
-                    <a:latin typeface="Arial" charset="0"/>
-                  </a:endParaRPr>
+                  <a:endParaRPr lang="en-US"/>
                 </a:p>
               </p:txBody>
             </p:sp>
@@ -9163,8 +9676,8 @@
               </p:nvSpPr>
               <p:spPr bwMode="auto">
                 <a:xfrm>
-                  <a:off x="3128071" y="4437681"/>
-                  <a:ext cx="139485" cy="263471"/>
+                  <a:off x="3128501" y="4437413"/>
+                  <a:ext cx="139733" cy="263739"/>
                 </a:xfrm>
                 <a:prstGeom prst="triangle">
                   <a:avLst/>
@@ -9182,39 +9695,13 @@
                 <a:effectLst/>
               </p:spPr>
               <p:txBody>
-                <a:bodyPr vert="horz" wrap="square" lIns="91440" tIns="45720" rIns="91440" bIns="45720" numCol="1" rtlCol="0" anchor="ctr" anchorCtr="0" compatLnSpc="1">
-                  <a:prstTxWarp prst="textNoShape">
-                    <a:avLst/>
-                  </a:prstTxWarp>
-                </a:bodyPr>
+                <a:bodyPr anchor="ctr"/>
                 <a:lstStyle/>
                 <a:p>
-                  <a:pPr marL="0" marR="0" indent="0" algn="ctr" defTabSz="914400" rtl="0" eaLnBrk="0" fontAlgn="base" latinLnBrk="0" hangingPunct="0">
-                    <a:lnSpc>
-                      <a:spcPct val="100000"/>
-                    </a:lnSpc>
-                    <a:spcBef>
-                      <a:spcPct val="0"/>
-                    </a:spcBef>
-                    <a:spcAft>
-                      <a:spcPct val="0"/>
-                    </a:spcAft>
-                    <a:buClrTx/>
-                    <a:buSzTx/>
-                    <a:buFontTx/>
-                    <a:buNone/>
-                    <a:tabLst/>
+                  <a:pPr algn="ctr" eaLnBrk="0" hangingPunct="0">
+                    <a:defRPr/>
                   </a:pPr>
-                  <a:endParaRPr kumimoji="0" lang="en-US" sz="3600" b="1" i="0" u="none" strike="noStrike" cap="none" normalizeH="0" baseline="0" smtClean="0">
-                    <a:ln>
-                      <a:noFill/>
-                    </a:ln>
-                    <a:solidFill>
-                      <a:schemeClr val="tx1"/>
-                    </a:solidFill>
-                    <a:effectLst/>
-                    <a:latin typeface="Arial" charset="0"/>
-                  </a:endParaRPr>
+                  <a:endParaRPr lang="en-US"/>
                 </a:p>
               </p:txBody>
             </p:sp>
@@ -9226,8 +9713,8 @@
               </p:nvSpPr>
               <p:spPr bwMode="auto">
                 <a:xfrm>
-                  <a:off x="3737672" y="4437681"/>
-                  <a:ext cx="139485" cy="263471"/>
+                  <a:off x="3738244" y="4437413"/>
+                  <a:ext cx="138144" cy="263739"/>
                 </a:xfrm>
                 <a:prstGeom prst="triangle">
                   <a:avLst/>
@@ -9245,39 +9732,13 @@
                 <a:effectLst/>
               </p:spPr>
               <p:txBody>
-                <a:bodyPr vert="horz" wrap="square" lIns="91440" tIns="45720" rIns="91440" bIns="45720" numCol="1" rtlCol="0" anchor="ctr" anchorCtr="0" compatLnSpc="1">
-                  <a:prstTxWarp prst="textNoShape">
-                    <a:avLst/>
-                  </a:prstTxWarp>
-                </a:bodyPr>
+                <a:bodyPr anchor="ctr"/>
                 <a:lstStyle/>
                 <a:p>
-                  <a:pPr marL="0" marR="0" indent="0" algn="ctr" defTabSz="914400" rtl="0" eaLnBrk="0" fontAlgn="base" latinLnBrk="0" hangingPunct="0">
-                    <a:lnSpc>
-                      <a:spcPct val="100000"/>
-                    </a:lnSpc>
-                    <a:spcBef>
-                      <a:spcPct val="0"/>
-                    </a:spcBef>
-                    <a:spcAft>
-                      <a:spcPct val="0"/>
-                    </a:spcAft>
-                    <a:buClrTx/>
-                    <a:buSzTx/>
-                    <a:buFontTx/>
-                    <a:buNone/>
-                    <a:tabLst/>
+                  <a:pPr algn="ctr" eaLnBrk="0" hangingPunct="0">
+                    <a:defRPr/>
                   </a:pPr>
-                  <a:endParaRPr kumimoji="0" lang="en-US" sz="3600" b="1" i="0" u="none" strike="noStrike" cap="none" normalizeH="0" baseline="0" smtClean="0">
-                    <a:ln>
-                      <a:noFill/>
-                    </a:ln>
-                    <a:solidFill>
-                      <a:schemeClr val="tx1"/>
-                    </a:solidFill>
-                    <a:effectLst/>
-                    <a:latin typeface="Arial" charset="0"/>
-                  </a:endParaRPr>
+                  <a:endParaRPr lang="en-US"/>
                 </a:p>
               </p:txBody>
             </p:sp>
@@ -9289,8 +9750,8 @@
               </p:nvSpPr>
               <p:spPr bwMode="auto">
                 <a:xfrm>
-                  <a:off x="2061272" y="4437681"/>
-                  <a:ext cx="139485" cy="263471"/>
+                  <a:off x="2061451" y="4437413"/>
+                  <a:ext cx="139733" cy="263739"/>
                 </a:xfrm>
                 <a:prstGeom prst="triangle">
                   <a:avLst/>
@@ -9308,39 +9769,13 @@
                 <a:effectLst/>
               </p:spPr>
               <p:txBody>
-                <a:bodyPr vert="horz" wrap="square" lIns="91440" tIns="45720" rIns="91440" bIns="45720" numCol="1" rtlCol="0" anchor="ctr" anchorCtr="0" compatLnSpc="1">
-                  <a:prstTxWarp prst="textNoShape">
-                    <a:avLst/>
-                  </a:prstTxWarp>
-                </a:bodyPr>
+                <a:bodyPr anchor="ctr"/>
                 <a:lstStyle/>
                 <a:p>
-                  <a:pPr marL="0" marR="0" indent="0" algn="ctr" defTabSz="914400" rtl="0" eaLnBrk="0" fontAlgn="base" latinLnBrk="0" hangingPunct="0">
-                    <a:lnSpc>
-                      <a:spcPct val="100000"/>
-                    </a:lnSpc>
-                    <a:spcBef>
-                      <a:spcPct val="0"/>
-                    </a:spcBef>
-                    <a:spcAft>
-                      <a:spcPct val="0"/>
-                    </a:spcAft>
-                    <a:buClrTx/>
-                    <a:buSzTx/>
-                    <a:buFontTx/>
-                    <a:buNone/>
-                    <a:tabLst/>
+                  <a:pPr algn="ctr" eaLnBrk="0" hangingPunct="0">
+                    <a:defRPr/>
                   </a:pPr>
-                  <a:endParaRPr kumimoji="0" lang="en-US" sz="3600" b="1" i="0" u="none" strike="noStrike" cap="none" normalizeH="0" baseline="0" smtClean="0">
-                    <a:ln>
-                      <a:noFill/>
-                    </a:ln>
-                    <a:solidFill>
-                      <a:schemeClr val="tx1"/>
-                    </a:solidFill>
-                    <a:effectLst/>
-                    <a:latin typeface="Arial" charset="0"/>
-                  </a:endParaRPr>
+                  <a:endParaRPr lang="en-US"/>
                 </a:p>
               </p:txBody>
             </p:sp>
@@ -9352,8 +9787,8 @@
               </p:nvSpPr>
               <p:spPr bwMode="auto">
                 <a:xfrm>
-                  <a:off x="4259447" y="4437681"/>
-                  <a:ext cx="139485" cy="263471"/>
+                  <a:off x="4259066" y="4437413"/>
+                  <a:ext cx="139733" cy="263739"/>
                 </a:xfrm>
                 <a:prstGeom prst="triangle">
                   <a:avLst/>
@@ -9371,39 +9806,13 @@
                 <a:effectLst/>
               </p:spPr>
               <p:txBody>
-                <a:bodyPr vert="horz" wrap="square" lIns="91440" tIns="45720" rIns="91440" bIns="45720" numCol="1" rtlCol="0" anchor="ctr" anchorCtr="0" compatLnSpc="1">
-                  <a:prstTxWarp prst="textNoShape">
-                    <a:avLst/>
-                  </a:prstTxWarp>
-                </a:bodyPr>
+                <a:bodyPr anchor="ctr"/>
                 <a:lstStyle/>
                 <a:p>
-                  <a:pPr marL="0" marR="0" indent="0" algn="ctr" defTabSz="914400" rtl="0" eaLnBrk="0" fontAlgn="base" latinLnBrk="0" hangingPunct="0">
-                    <a:lnSpc>
-                      <a:spcPct val="100000"/>
-                    </a:lnSpc>
-                    <a:spcBef>
-                      <a:spcPct val="0"/>
-                    </a:spcBef>
-                    <a:spcAft>
-                      <a:spcPct val="0"/>
-                    </a:spcAft>
-                    <a:buClrTx/>
-                    <a:buSzTx/>
-                    <a:buFontTx/>
-                    <a:buNone/>
-                    <a:tabLst/>
+                  <a:pPr algn="ctr" eaLnBrk="0" hangingPunct="0">
+                    <a:defRPr/>
                   </a:pPr>
-                  <a:endParaRPr kumimoji="0" lang="en-US" sz="3600" b="1" i="0" u="none" strike="noStrike" cap="none" normalizeH="0" baseline="0" smtClean="0">
-                    <a:ln>
-                      <a:noFill/>
-                    </a:ln>
-                    <a:solidFill>
-                      <a:schemeClr val="tx1"/>
-                    </a:solidFill>
-                    <a:effectLst/>
-                    <a:latin typeface="Arial" charset="0"/>
-                  </a:endParaRPr>
+                  <a:endParaRPr lang="en-US"/>
                 </a:p>
               </p:txBody>
             </p:sp>
@@ -9415,8 +9824,8 @@
               </p:nvSpPr>
               <p:spPr bwMode="auto">
                 <a:xfrm>
-                  <a:off x="4597828" y="4437681"/>
-                  <a:ext cx="139485" cy="263471"/>
+                  <a:off x="4597282" y="4437413"/>
+                  <a:ext cx="139733" cy="263739"/>
                 </a:xfrm>
                 <a:prstGeom prst="triangle">
                   <a:avLst/>
@@ -9434,39 +9843,13 @@
                 <a:effectLst/>
               </p:spPr>
               <p:txBody>
-                <a:bodyPr vert="horz" wrap="square" lIns="91440" tIns="45720" rIns="91440" bIns="45720" numCol="1" rtlCol="0" anchor="ctr" anchorCtr="0" compatLnSpc="1">
-                  <a:prstTxWarp prst="textNoShape">
-                    <a:avLst/>
-                  </a:prstTxWarp>
-                </a:bodyPr>
+                <a:bodyPr anchor="ctr"/>
                 <a:lstStyle/>
                 <a:p>
-                  <a:pPr marL="0" marR="0" indent="0" algn="ctr" defTabSz="914400" rtl="0" eaLnBrk="0" fontAlgn="base" latinLnBrk="0" hangingPunct="0">
-                    <a:lnSpc>
-                      <a:spcPct val="100000"/>
-                    </a:lnSpc>
-                    <a:spcBef>
-                      <a:spcPct val="0"/>
-                    </a:spcBef>
-                    <a:spcAft>
-                      <a:spcPct val="0"/>
-                    </a:spcAft>
-                    <a:buClrTx/>
-                    <a:buSzTx/>
-                    <a:buFontTx/>
-                    <a:buNone/>
-                    <a:tabLst/>
+                  <a:pPr algn="ctr" eaLnBrk="0" hangingPunct="0">
+                    <a:defRPr/>
                   </a:pPr>
-                  <a:endParaRPr kumimoji="0" lang="en-US" sz="3600" b="1" i="0" u="none" strike="noStrike" cap="none" normalizeH="0" baseline="0" smtClean="0">
-                    <a:ln>
-                      <a:noFill/>
-                    </a:ln>
-                    <a:solidFill>
-                      <a:schemeClr val="tx1"/>
-                    </a:solidFill>
-                    <a:effectLst/>
-                    <a:latin typeface="Arial" charset="0"/>
-                  </a:endParaRPr>
+                  <a:endParaRPr lang="en-US"/>
                 </a:p>
               </p:txBody>
             </p:sp>
@@ -9478,8 +9861,8 @@
               </p:nvSpPr>
               <p:spPr bwMode="auto">
                 <a:xfrm>
-                  <a:off x="4998203" y="4437681"/>
-                  <a:ext cx="139485" cy="263471"/>
+                  <a:off x="4997426" y="4437413"/>
+                  <a:ext cx="139733" cy="263739"/>
                 </a:xfrm>
                 <a:prstGeom prst="triangle">
                   <a:avLst/>
@@ -9497,39 +9880,13 @@
                 <a:effectLst/>
               </p:spPr>
               <p:txBody>
-                <a:bodyPr vert="horz" wrap="square" lIns="91440" tIns="45720" rIns="91440" bIns="45720" numCol="1" rtlCol="0" anchor="ctr" anchorCtr="0" compatLnSpc="1">
-                  <a:prstTxWarp prst="textNoShape">
-                    <a:avLst/>
-                  </a:prstTxWarp>
-                </a:bodyPr>
+                <a:bodyPr anchor="ctr"/>
                 <a:lstStyle/>
                 <a:p>
-                  <a:pPr marL="0" marR="0" indent="0" algn="ctr" defTabSz="914400" rtl="0" eaLnBrk="0" fontAlgn="base" latinLnBrk="0" hangingPunct="0">
-                    <a:lnSpc>
-                      <a:spcPct val="100000"/>
-                    </a:lnSpc>
-                    <a:spcBef>
-                      <a:spcPct val="0"/>
-                    </a:spcBef>
-                    <a:spcAft>
-                      <a:spcPct val="0"/>
-                    </a:spcAft>
-                    <a:buClrTx/>
-                    <a:buSzTx/>
-                    <a:buFontTx/>
-                    <a:buNone/>
-                    <a:tabLst/>
+                  <a:pPr algn="ctr" eaLnBrk="0" hangingPunct="0">
+                    <a:defRPr/>
                   </a:pPr>
-                  <a:endParaRPr kumimoji="0" lang="en-US" sz="3600" b="1" i="0" u="none" strike="noStrike" cap="none" normalizeH="0" baseline="0" smtClean="0">
-                    <a:ln>
-                      <a:noFill/>
-                    </a:ln>
-                    <a:solidFill>
-                      <a:schemeClr val="tx1"/>
-                    </a:solidFill>
-                    <a:effectLst/>
-                    <a:latin typeface="Arial" charset="0"/>
-                  </a:endParaRPr>
+                  <a:endParaRPr lang="en-US"/>
                 </a:p>
               </p:txBody>
             </p:sp>
@@ -9541,8 +9898,8 @@
               </p:nvSpPr>
               <p:spPr bwMode="auto">
                 <a:xfrm>
-                  <a:off x="5406325" y="4437681"/>
-                  <a:ext cx="139485" cy="263471"/>
+                  <a:off x="5405510" y="4437413"/>
+                  <a:ext cx="139733" cy="263739"/>
                 </a:xfrm>
                 <a:prstGeom prst="triangle">
                   <a:avLst/>
@@ -9560,39 +9917,13 @@
                 <a:effectLst/>
               </p:spPr>
               <p:txBody>
-                <a:bodyPr vert="horz" wrap="square" lIns="91440" tIns="45720" rIns="91440" bIns="45720" numCol="1" rtlCol="0" anchor="ctr" anchorCtr="0" compatLnSpc="1">
-                  <a:prstTxWarp prst="textNoShape">
-                    <a:avLst/>
-                  </a:prstTxWarp>
-                </a:bodyPr>
+                <a:bodyPr anchor="ctr"/>
                 <a:lstStyle/>
                 <a:p>
-                  <a:pPr marL="0" marR="0" indent="0" algn="ctr" defTabSz="914400" rtl="0" eaLnBrk="0" fontAlgn="base" latinLnBrk="0" hangingPunct="0">
-                    <a:lnSpc>
-                      <a:spcPct val="100000"/>
-                    </a:lnSpc>
-                    <a:spcBef>
-                      <a:spcPct val="0"/>
-                    </a:spcBef>
-                    <a:spcAft>
-                      <a:spcPct val="0"/>
-                    </a:spcAft>
-                    <a:buClrTx/>
-                    <a:buSzTx/>
-                    <a:buFontTx/>
-                    <a:buNone/>
-                    <a:tabLst/>
+                  <a:pPr algn="ctr" eaLnBrk="0" hangingPunct="0">
+                    <a:defRPr/>
                   </a:pPr>
-                  <a:endParaRPr kumimoji="0" lang="en-US" sz="3600" b="1" i="0" u="none" strike="noStrike" cap="none" normalizeH="0" baseline="0" smtClean="0">
-                    <a:ln>
-                      <a:noFill/>
-                    </a:ln>
-                    <a:solidFill>
-                      <a:schemeClr val="tx1"/>
-                    </a:solidFill>
-                    <a:effectLst/>
-                    <a:latin typeface="Arial" charset="0"/>
-                  </a:endParaRPr>
+                  <a:endParaRPr lang="en-US"/>
                 </a:p>
               </p:txBody>
             </p:sp>
@@ -9604,8 +9935,8 @@
               </p:nvSpPr>
               <p:spPr bwMode="auto">
                 <a:xfrm>
-                  <a:off x="5845443" y="4437681"/>
-                  <a:ext cx="139485" cy="263471"/>
+                  <a:off x="5845350" y="4437413"/>
+                  <a:ext cx="139733" cy="263739"/>
                 </a:xfrm>
                 <a:prstGeom prst="triangle">
                   <a:avLst/>
@@ -9623,39 +9954,13 @@
                 <a:effectLst/>
               </p:spPr>
               <p:txBody>
-                <a:bodyPr vert="horz" wrap="square" lIns="91440" tIns="45720" rIns="91440" bIns="45720" numCol="1" rtlCol="0" anchor="ctr" anchorCtr="0" compatLnSpc="1">
-                  <a:prstTxWarp prst="textNoShape">
-                    <a:avLst/>
-                  </a:prstTxWarp>
-                </a:bodyPr>
+                <a:bodyPr anchor="ctr"/>
                 <a:lstStyle/>
                 <a:p>
-                  <a:pPr marL="0" marR="0" indent="0" algn="ctr" defTabSz="914400" rtl="0" eaLnBrk="0" fontAlgn="base" latinLnBrk="0" hangingPunct="0">
-                    <a:lnSpc>
-                      <a:spcPct val="100000"/>
-                    </a:lnSpc>
-                    <a:spcBef>
-                      <a:spcPct val="0"/>
-                    </a:spcBef>
-                    <a:spcAft>
-                      <a:spcPct val="0"/>
-                    </a:spcAft>
-                    <a:buClrTx/>
-                    <a:buSzTx/>
-                    <a:buFontTx/>
-                    <a:buNone/>
-                    <a:tabLst/>
+                  <a:pPr algn="ctr" eaLnBrk="0" hangingPunct="0">
+                    <a:defRPr/>
                   </a:pPr>
-                  <a:endParaRPr kumimoji="0" lang="en-US" sz="3600" b="1" i="0" u="none" strike="noStrike" cap="none" normalizeH="0" baseline="0" smtClean="0">
-                    <a:ln>
-                      <a:noFill/>
-                    </a:ln>
-                    <a:solidFill>
-                      <a:schemeClr val="tx1"/>
-                    </a:solidFill>
-                    <a:effectLst/>
-                    <a:latin typeface="Arial" charset="0"/>
-                  </a:endParaRPr>
+                  <a:endParaRPr lang="en-US"/>
                 </a:p>
               </p:txBody>
             </p:sp>
@@ -9667,8 +9972,8 @@
               </p:nvSpPr>
               <p:spPr bwMode="auto">
                 <a:xfrm>
-                  <a:off x="6276814" y="4437681"/>
-                  <a:ext cx="139485" cy="263471"/>
+                  <a:off x="6277251" y="4437413"/>
+                  <a:ext cx="138145" cy="263739"/>
                 </a:xfrm>
                 <a:prstGeom prst="triangle">
                   <a:avLst/>
@@ -9686,39 +9991,13 @@
                 <a:effectLst/>
               </p:spPr>
               <p:txBody>
-                <a:bodyPr vert="horz" wrap="square" lIns="91440" tIns="45720" rIns="91440" bIns="45720" numCol="1" rtlCol="0" anchor="ctr" anchorCtr="0" compatLnSpc="1">
-                  <a:prstTxWarp prst="textNoShape">
-                    <a:avLst/>
-                  </a:prstTxWarp>
-                </a:bodyPr>
+                <a:bodyPr anchor="ctr"/>
                 <a:lstStyle/>
                 <a:p>
-                  <a:pPr marL="0" marR="0" indent="0" algn="ctr" defTabSz="914400" rtl="0" eaLnBrk="0" fontAlgn="base" latinLnBrk="0" hangingPunct="0">
-                    <a:lnSpc>
-                      <a:spcPct val="100000"/>
-                    </a:lnSpc>
-                    <a:spcBef>
-                      <a:spcPct val="0"/>
-                    </a:spcBef>
-                    <a:spcAft>
-                      <a:spcPct val="0"/>
-                    </a:spcAft>
-                    <a:buClrTx/>
-                    <a:buSzTx/>
-                    <a:buFontTx/>
-                    <a:buNone/>
-                    <a:tabLst/>
+                  <a:pPr algn="ctr" eaLnBrk="0" hangingPunct="0">
+                    <a:defRPr/>
                   </a:pPr>
-                  <a:endParaRPr kumimoji="0" lang="en-US" sz="3600" b="1" i="0" u="none" strike="noStrike" cap="none" normalizeH="0" baseline="0" smtClean="0">
-                    <a:ln>
-                      <a:noFill/>
-                    </a:ln>
-                    <a:solidFill>
-                      <a:schemeClr val="tx1"/>
-                    </a:solidFill>
-                    <a:effectLst/>
-                    <a:latin typeface="Arial" charset="0"/>
-                  </a:endParaRPr>
+                  <a:endParaRPr lang="en-US"/>
                 </a:p>
               </p:txBody>
             </p:sp>
@@ -9730,8 +10009,8 @@
               </p:nvSpPr>
               <p:spPr bwMode="auto">
                 <a:xfrm>
-                  <a:off x="6692684" y="4437681"/>
-                  <a:ext cx="139485" cy="263471"/>
+                  <a:off x="6691686" y="4437413"/>
+                  <a:ext cx="139733" cy="263739"/>
                 </a:xfrm>
                 <a:prstGeom prst="triangle">
                   <a:avLst/>
@@ -9749,39 +10028,13 @@
                 <a:effectLst/>
               </p:spPr>
               <p:txBody>
-                <a:bodyPr vert="horz" wrap="square" lIns="91440" tIns="45720" rIns="91440" bIns="45720" numCol="1" rtlCol="0" anchor="ctr" anchorCtr="0" compatLnSpc="1">
-                  <a:prstTxWarp prst="textNoShape">
-                    <a:avLst/>
-                  </a:prstTxWarp>
-                </a:bodyPr>
+                <a:bodyPr anchor="ctr"/>
                 <a:lstStyle/>
                 <a:p>
-                  <a:pPr marL="0" marR="0" indent="0" algn="ctr" defTabSz="914400" rtl="0" eaLnBrk="0" fontAlgn="base" latinLnBrk="0" hangingPunct="0">
-                    <a:lnSpc>
-                      <a:spcPct val="100000"/>
-                    </a:lnSpc>
-                    <a:spcBef>
-                      <a:spcPct val="0"/>
-                    </a:spcBef>
-                    <a:spcAft>
-                      <a:spcPct val="0"/>
-                    </a:spcAft>
-                    <a:buClrTx/>
-                    <a:buSzTx/>
-                    <a:buFontTx/>
-                    <a:buNone/>
-                    <a:tabLst/>
+                  <a:pPr algn="ctr" eaLnBrk="0" hangingPunct="0">
+                    <a:defRPr/>
                   </a:pPr>
-                  <a:endParaRPr kumimoji="0" lang="en-US" sz="3600" b="1" i="0" u="none" strike="noStrike" cap="none" normalizeH="0" baseline="0" smtClean="0">
-                    <a:ln>
-                      <a:noFill/>
-                    </a:ln>
-                    <a:solidFill>
-                      <a:schemeClr val="tx1"/>
-                    </a:solidFill>
-                    <a:effectLst/>
-                    <a:latin typeface="Arial" charset="0"/>
-                  </a:endParaRPr>
+                  <a:endParaRPr lang="en-US"/>
                 </a:p>
               </p:txBody>
             </p:sp>
@@ -9793,8 +10046,8 @@
               </p:nvSpPr>
               <p:spPr bwMode="auto">
                 <a:xfrm>
-                  <a:off x="7116299" y="4437681"/>
-                  <a:ext cx="139485" cy="263471"/>
+                  <a:off x="7115647" y="4437413"/>
+                  <a:ext cx="139733" cy="263739"/>
                 </a:xfrm>
                 <a:prstGeom prst="triangle">
                   <a:avLst/>
@@ -9812,39 +10065,13 @@
                 <a:effectLst/>
               </p:spPr>
               <p:txBody>
-                <a:bodyPr vert="horz" wrap="square" lIns="91440" tIns="45720" rIns="91440" bIns="45720" numCol="1" rtlCol="0" anchor="ctr" anchorCtr="0" compatLnSpc="1">
-                  <a:prstTxWarp prst="textNoShape">
-                    <a:avLst/>
-                  </a:prstTxWarp>
-                </a:bodyPr>
+                <a:bodyPr anchor="ctr"/>
                 <a:lstStyle/>
                 <a:p>
-                  <a:pPr marL="0" marR="0" indent="0" algn="ctr" defTabSz="914400" rtl="0" eaLnBrk="0" fontAlgn="base" latinLnBrk="0" hangingPunct="0">
-                    <a:lnSpc>
-                      <a:spcPct val="100000"/>
-                    </a:lnSpc>
-                    <a:spcBef>
-                      <a:spcPct val="0"/>
-                    </a:spcBef>
-                    <a:spcAft>
-                      <a:spcPct val="0"/>
-                    </a:spcAft>
-                    <a:buClrTx/>
-                    <a:buSzTx/>
-                    <a:buFontTx/>
-                    <a:buNone/>
-                    <a:tabLst/>
+                  <a:pPr algn="ctr" eaLnBrk="0" hangingPunct="0">
+                    <a:defRPr/>
                   </a:pPr>
-                  <a:endParaRPr kumimoji="0" lang="en-US" sz="3600" b="1" i="0" u="none" strike="noStrike" cap="none" normalizeH="0" baseline="0" smtClean="0">
-                    <a:ln>
-                      <a:noFill/>
-                    </a:ln>
-                    <a:solidFill>
-                      <a:schemeClr val="tx1"/>
-                    </a:solidFill>
-                    <a:effectLst/>
-                    <a:latin typeface="Arial" charset="0"/>
-                  </a:endParaRPr>
+                  <a:endParaRPr lang="en-US"/>
                 </a:p>
               </p:txBody>
             </p:sp>
@@ -9857,8 +10084,8 @@
             </p:nvCxnSpPr>
             <p:spPr bwMode="auto">
               <a:xfrm flipV="1">
-                <a:off x="2086753" y="4470556"/>
-                <a:ext cx="5212080" cy="27709"/>
+                <a:off x="2086858" y="4469803"/>
+                <a:ext cx="5211396" cy="28598"/>
               </a:xfrm>
               <a:prstGeom prst="line">
                 <a:avLst/>
@@ -9881,8 +10108,10 @@
         </p:grpSp>
         <p:sp>
           <p:nvSpPr>
-            <p:cNvPr id="44" name="Oval 43"/>
-            <p:cNvSpPr/>
+            <p:cNvPr id="24585" name="Oval 43"/>
+            <p:cNvSpPr>
+              <a:spLocks noChangeArrowheads="1"/>
+            </p:cNvSpPr>
             <p:nvPr/>
           </p:nvSpPr>
           <p:spPr bwMode="auto">
@@ -9896,56 +10125,32 @@
             <a:solidFill>
               <a:srgbClr val="FF0000"/>
             </a:solidFill>
-            <a:ln w="9525" cap="flat" cmpd="sng" algn="ctr">
+            <a:ln w="9525" algn="ctr">
               <a:noFill/>
-              <a:prstDash val="solid"/>
               <a:round/>
-              <a:headEnd type="none" w="med" len="med"/>
-              <a:tailEnd type="none" w="med" len="med"/>
+              <a:headEnd/>
+              <a:tailEnd/>
             </a:ln>
-            <a:effectLst/>
           </p:spPr>
           <p:txBody>
-            <a:bodyPr vert="horz" wrap="square" lIns="91440" tIns="45720" rIns="91440" bIns="45720" numCol="1" rtlCol="0" anchor="ctr" anchorCtr="0" compatLnSpc="1">
-              <a:prstTxWarp prst="textNoShape">
-                <a:avLst/>
-              </a:prstTxWarp>
-            </a:bodyPr>
+            <a:bodyPr anchor="ctr"/>
             <a:lstStyle/>
             <a:p>
-              <a:pPr marL="0" marR="0" indent="0" algn="ctr" defTabSz="914400" rtl="0" eaLnBrk="0" fontAlgn="base" latinLnBrk="0" hangingPunct="0">
-                <a:lnSpc>
-                  <a:spcPct val="100000"/>
-                </a:lnSpc>
-                <a:spcBef>
-                  <a:spcPct val="0"/>
-                </a:spcBef>
-                <a:spcAft>
-                  <a:spcPct val="0"/>
-                </a:spcAft>
-                <a:buClrTx/>
-                <a:buSzTx/>
-                <a:buFontTx/>
-                <a:buNone/>
-                <a:tabLst/>
-              </a:pPr>
-              <a:endParaRPr kumimoji="0" lang="en-US" sz="3600" b="1" i="0" u="none" strike="noStrike" cap="none" normalizeH="0" baseline="0" dirty="0" smtClean="0">
-                <a:ln>
-                  <a:noFill/>
-                </a:ln>
+              <a:pPr algn="ctr" eaLnBrk="0" hangingPunct="0"/>
+              <a:endParaRPr lang="en-US">
                 <a:solidFill>
                   <a:srgbClr val="FF0066"/>
                 </a:solidFill>
-                <a:effectLst/>
-                <a:latin typeface="Arial" charset="0"/>
               </a:endParaRPr>
             </a:p>
           </p:txBody>
         </p:sp>
         <p:sp>
           <p:nvSpPr>
-            <p:cNvPr id="45" name="Oval 44"/>
-            <p:cNvSpPr/>
+            <p:cNvPr id="24586" name="Oval 44"/>
+            <p:cNvSpPr>
+              <a:spLocks noChangeArrowheads="1"/>
+            </p:cNvSpPr>
             <p:nvPr/>
           </p:nvSpPr>
           <p:spPr bwMode="auto">
@@ -9959,56 +10164,32 @@
             <a:solidFill>
               <a:srgbClr val="FF0000"/>
             </a:solidFill>
-            <a:ln w="9525" cap="flat" cmpd="sng" algn="ctr">
+            <a:ln w="9525" algn="ctr">
               <a:noFill/>
-              <a:prstDash val="solid"/>
               <a:round/>
-              <a:headEnd type="none" w="med" len="med"/>
-              <a:tailEnd type="none" w="med" len="med"/>
+              <a:headEnd/>
+              <a:tailEnd/>
             </a:ln>
-            <a:effectLst/>
           </p:spPr>
           <p:txBody>
-            <a:bodyPr vert="horz" wrap="square" lIns="91440" tIns="45720" rIns="91440" bIns="45720" numCol="1" rtlCol="0" anchor="ctr" anchorCtr="0" compatLnSpc="1">
-              <a:prstTxWarp prst="textNoShape">
-                <a:avLst/>
-              </a:prstTxWarp>
-            </a:bodyPr>
+            <a:bodyPr anchor="ctr"/>
             <a:lstStyle/>
             <a:p>
-              <a:pPr marL="0" marR="0" indent="0" algn="ctr" defTabSz="914400" rtl="0" eaLnBrk="0" fontAlgn="base" latinLnBrk="0" hangingPunct="0">
-                <a:lnSpc>
-                  <a:spcPct val="100000"/>
-                </a:lnSpc>
-                <a:spcBef>
-                  <a:spcPct val="0"/>
-                </a:spcBef>
-                <a:spcAft>
-                  <a:spcPct val="0"/>
-                </a:spcAft>
-                <a:buClrTx/>
-                <a:buSzTx/>
-                <a:buFontTx/>
-                <a:buNone/>
-                <a:tabLst/>
-              </a:pPr>
-              <a:endParaRPr kumimoji="0" lang="en-US" sz="3600" b="1" i="0" u="none" strike="noStrike" cap="none" normalizeH="0" baseline="0" dirty="0" smtClean="0">
-                <a:ln>
-                  <a:noFill/>
-                </a:ln>
+              <a:pPr algn="ctr" eaLnBrk="0" hangingPunct="0"/>
+              <a:endParaRPr lang="en-US">
                 <a:solidFill>
                   <a:srgbClr val="FF0066"/>
                 </a:solidFill>
-                <a:effectLst/>
-                <a:latin typeface="Arial" charset="0"/>
               </a:endParaRPr>
             </a:p>
           </p:txBody>
         </p:sp>
         <p:sp>
           <p:nvSpPr>
-            <p:cNvPr id="46" name="Oval 45"/>
-            <p:cNvSpPr/>
+            <p:cNvPr id="24587" name="Oval 45"/>
+            <p:cNvSpPr>
+              <a:spLocks noChangeArrowheads="1"/>
+            </p:cNvSpPr>
             <p:nvPr/>
           </p:nvSpPr>
           <p:spPr bwMode="auto">
@@ -10022,56 +10203,32 @@
             <a:solidFill>
               <a:srgbClr val="FF0000"/>
             </a:solidFill>
-            <a:ln w="9525" cap="flat" cmpd="sng" algn="ctr">
+            <a:ln w="9525" algn="ctr">
               <a:noFill/>
-              <a:prstDash val="solid"/>
               <a:round/>
-              <a:headEnd type="none" w="med" len="med"/>
-              <a:tailEnd type="none" w="med" len="med"/>
+              <a:headEnd/>
+              <a:tailEnd/>
             </a:ln>
-            <a:effectLst/>
           </p:spPr>
           <p:txBody>
-            <a:bodyPr vert="horz" wrap="square" lIns="91440" tIns="45720" rIns="91440" bIns="45720" numCol="1" rtlCol="0" anchor="ctr" anchorCtr="0" compatLnSpc="1">
-              <a:prstTxWarp prst="textNoShape">
-                <a:avLst/>
-              </a:prstTxWarp>
-            </a:bodyPr>
+            <a:bodyPr anchor="ctr"/>
             <a:lstStyle/>
             <a:p>
-              <a:pPr marL="0" marR="0" indent="0" algn="ctr" defTabSz="914400" rtl="0" eaLnBrk="0" fontAlgn="base" latinLnBrk="0" hangingPunct="0">
-                <a:lnSpc>
-                  <a:spcPct val="100000"/>
-                </a:lnSpc>
-                <a:spcBef>
-                  <a:spcPct val="0"/>
-                </a:spcBef>
-                <a:spcAft>
-                  <a:spcPct val="0"/>
-                </a:spcAft>
-                <a:buClrTx/>
-                <a:buSzTx/>
-                <a:buFontTx/>
-                <a:buNone/>
-                <a:tabLst/>
-              </a:pPr>
-              <a:endParaRPr kumimoji="0" lang="en-US" sz="3600" b="1" i="0" u="none" strike="noStrike" cap="none" normalizeH="0" baseline="0" dirty="0" smtClean="0">
-                <a:ln>
-                  <a:noFill/>
-                </a:ln>
+              <a:pPr algn="ctr" eaLnBrk="0" hangingPunct="0"/>
+              <a:endParaRPr lang="en-US">
                 <a:solidFill>
                   <a:srgbClr val="FF0066"/>
                 </a:solidFill>
-                <a:effectLst/>
-                <a:latin typeface="Arial" charset="0"/>
               </a:endParaRPr>
             </a:p>
           </p:txBody>
         </p:sp>
         <p:sp>
           <p:nvSpPr>
-            <p:cNvPr id="47" name="Oval 46"/>
-            <p:cNvSpPr/>
+            <p:cNvPr id="24588" name="Oval 46"/>
+            <p:cNvSpPr>
+              <a:spLocks noChangeArrowheads="1"/>
+            </p:cNvSpPr>
             <p:nvPr/>
           </p:nvSpPr>
           <p:spPr bwMode="auto">
@@ -10085,56 +10242,32 @@
             <a:solidFill>
               <a:srgbClr val="FF0000"/>
             </a:solidFill>
-            <a:ln w="9525" cap="flat" cmpd="sng" algn="ctr">
+            <a:ln w="9525" algn="ctr">
               <a:noFill/>
-              <a:prstDash val="solid"/>
               <a:round/>
-              <a:headEnd type="none" w="med" len="med"/>
-              <a:tailEnd type="none" w="med" len="med"/>
+              <a:headEnd/>
+              <a:tailEnd/>
             </a:ln>
-            <a:effectLst/>
           </p:spPr>
           <p:txBody>
-            <a:bodyPr vert="horz" wrap="square" lIns="91440" tIns="45720" rIns="91440" bIns="45720" numCol="1" rtlCol="0" anchor="ctr" anchorCtr="0" compatLnSpc="1">
-              <a:prstTxWarp prst="textNoShape">
-                <a:avLst/>
-              </a:prstTxWarp>
-            </a:bodyPr>
+            <a:bodyPr anchor="ctr"/>
             <a:lstStyle/>
             <a:p>
-              <a:pPr marL="0" marR="0" indent="0" algn="ctr" defTabSz="914400" rtl="0" eaLnBrk="0" fontAlgn="base" latinLnBrk="0" hangingPunct="0">
-                <a:lnSpc>
-                  <a:spcPct val="100000"/>
-                </a:lnSpc>
-                <a:spcBef>
-                  <a:spcPct val="0"/>
-                </a:spcBef>
-                <a:spcAft>
-                  <a:spcPct val="0"/>
-                </a:spcAft>
-                <a:buClrTx/>
-                <a:buSzTx/>
-                <a:buFontTx/>
-                <a:buNone/>
-                <a:tabLst/>
-              </a:pPr>
-              <a:endParaRPr kumimoji="0" lang="en-US" sz="3600" b="1" i="0" u="none" strike="noStrike" cap="none" normalizeH="0" baseline="0" dirty="0" smtClean="0">
-                <a:ln>
-                  <a:noFill/>
-                </a:ln>
+              <a:pPr algn="ctr" eaLnBrk="0" hangingPunct="0"/>
+              <a:endParaRPr lang="en-US">
                 <a:solidFill>
                   <a:srgbClr val="FF0066"/>
                 </a:solidFill>
-                <a:effectLst/>
-                <a:latin typeface="Arial" charset="0"/>
               </a:endParaRPr>
             </a:p>
           </p:txBody>
         </p:sp>
         <p:sp>
           <p:nvSpPr>
-            <p:cNvPr id="49" name="Oval 48"/>
-            <p:cNvSpPr/>
+            <p:cNvPr id="24589" name="Oval 48"/>
+            <p:cNvSpPr>
+              <a:spLocks noChangeArrowheads="1"/>
+            </p:cNvSpPr>
             <p:nvPr/>
           </p:nvSpPr>
           <p:spPr bwMode="auto">
@@ -10148,56 +10281,32 @@
             <a:solidFill>
               <a:srgbClr val="FF0000"/>
             </a:solidFill>
-            <a:ln w="9525" cap="flat" cmpd="sng" algn="ctr">
+            <a:ln w="9525" algn="ctr">
               <a:noFill/>
-              <a:prstDash val="solid"/>
               <a:round/>
-              <a:headEnd type="none" w="med" len="med"/>
-              <a:tailEnd type="none" w="med" len="med"/>
+              <a:headEnd/>
+              <a:tailEnd/>
             </a:ln>
-            <a:effectLst/>
           </p:spPr>
           <p:txBody>
-            <a:bodyPr vert="horz" wrap="square" lIns="91440" tIns="45720" rIns="91440" bIns="45720" numCol="1" rtlCol="0" anchor="ctr" anchorCtr="0" compatLnSpc="1">
-              <a:prstTxWarp prst="textNoShape">
-                <a:avLst/>
-              </a:prstTxWarp>
-            </a:bodyPr>
+            <a:bodyPr anchor="ctr"/>
             <a:lstStyle/>
             <a:p>
-              <a:pPr marL="0" marR="0" indent="0" algn="ctr" defTabSz="914400" rtl="0" eaLnBrk="0" fontAlgn="base" latinLnBrk="0" hangingPunct="0">
-                <a:lnSpc>
-                  <a:spcPct val="100000"/>
-                </a:lnSpc>
-                <a:spcBef>
-                  <a:spcPct val="0"/>
-                </a:spcBef>
-                <a:spcAft>
-                  <a:spcPct val="0"/>
-                </a:spcAft>
-                <a:buClrTx/>
-                <a:buSzTx/>
-                <a:buFontTx/>
-                <a:buNone/>
-                <a:tabLst/>
-              </a:pPr>
-              <a:endParaRPr kumimoji="0" lang="en-US" sz="3600" b="1" i="0" u="none" strike="noStrike" cap="none" normalizeH="0" baseline="0" dirty="0" smtClean="0">
-                <a:ln>
-                  <a:noFill/>
-                </a:ln>
+              <a:pPr algn="ctr" eaLnBrk="0" hangingPunct="0"/>
+              <a:endParaRPr lang="en-US">
                 <a:solidFill>
                   <a:srgbClr val="FF0066"/>
                 </a:solidFill>
-                <a:effectLst/>
-                <a:latin typeface="Arial" charset="0"/>
               </a:endParaRPr>
             </a:p>
           </p:txBody>
         </p:sp>
         <p:sp>
           <p:nvSpPr>
-            <p:cNvPr id="50" name="Oval 49"/>
-            <p:cNvSpPr/>
+            <p:cNvPr id="24590" name="Oval 49"/>
+            <p:cNvSpPr>
+              <a:spLocks noChangeArrowheads="1"/>
+            </p:cNvSpPr>
             <p:nvPr/>
           </p:nvSpPr>
           <p:spPr bwMode="auto">
@@ -10211,56 +10320,32 @@
             <a:solidFill>
               <a:srgbClr val="FF0000"/>
             </a:solidFill>
-            <a:ln w="9525" cap="flat" cmpd="sng" algn="ctr">
+            <a:ln w="9525" algn="ctr">
               <a:noFill/>
-              <a:prstDash val="solid"/>
               <a:round/>
-              <a:headEnd type="none" w="med" len="med"/>
-              <a:tailEnd type="none" w="med" len="med"/>
+              <a:headEnd/>
+              <a:tailEnd/>
             </a:ln>
-            <a:effectLst/>
           </p:spPr>
           <p:txBody>
-            <a:bodyPr vert="horz" wrap="square" lIns="91440" tIns="45720" rIns="91440" bIns="45720" numCol="1" rtlCol="0" anchor="ctr" anchorCtr="0" compatLnSpc="1">
-              <a:prstTxWarp prst="textNoShape">
-                <a:avLst/>
-              </a:prstTxWarp>
-            </a:bodyPr>
+            <a:bodyPr anchor="ctr"/>
             <a:lstStyle/>
             <a:p>
-              <a:pPr marL="0" marR="0" indent="0" algn="ctr" defTabSz="914400" rtl="0" eaLnBrk="0" fontAlgn="base" latinLnBrk="0" hangingPunct="0">
-                <a:lnSpc>
-                  <a:spcPct val="100000"/>
-                </a:lnSpc>
-                <a:spcBef>
-                  <a:spcPct val="0"/>
-                </a:spcBef>
-                <a:spcAft>
-                  <a:spcPct val="0"/>
-                </a:spcAft>
-                <a:buClrTx/>
-                <a:buSzTx/>
-                <a:buFontTx/>
-                <a:buNone/>
-                <a:tabLst/>
-              </a:pPr>
-              <a:endParaRPr kumimoji="0" lang="en-US" sz="3600" b="1" i="0" u="none" strike="noStrike" cap="none" normalizeH="0" baseline="0" dirty="0" smtClean="0">
-                <a:ln>
-                  <a:noFill/>
-                </a:ln>
+              <a:pPr algn="ctr" eaLnBrk="0" hangingPunct="0"/>
+              <a:endParaRPr lang="en-US">
                 <a:solidFill>
                   <a:srgbClr val="FF0066"/>
                 </a:solidFill>
-                <a:effectLst/>
-                <a:latin typeface="Arial" charset="0"/>
               </a:endParaRPr>
             </a:p>
           </p:txBody>
         </p:sp>
         <p:sp>
           <p:nvSpPr>
-            <p:cNvPr id="51" name="Oval 50"/>
-            <p:cNvSpPr/>
+            <p:cNvPr id="24591" name="Oval 50"/>
+            <p:cNvSpPr>
+              <a:spLocks noChangeArrowheads="1"/>
+            </p:cNvSpPr>
             <p:nvPr/>
           </p:nvSpPr>
           <p:spPr bwMode="auto">
@@ -10274,56 +10359,32 @@
             <a:solidFill>
               <a:srgbClr val="FF0000"/>
             </a:solidFill>
-            <a:ln w="9525" cap="flat" cmpd="sng" algn="ctr">
+            <a:ln w="9525" algn="ctr">
               <a:noFill/>
-              <a:prstDash val="solid"/>
               <a:round/>
-              <a:headEnd type="none" w="med" len="med"/>
-              <a:tailEnd type="none" w="med" len="med"/>
+              <a:headEnd/>
+              <a:tailEnd/>
             </a:ln>
-            <a:effectLst/>
           </p:spPr>
           <p:txBody>
-            <a:bodyPr vert="horz" wrap="square" lIns="91440" tIns="45720" rIns="91440" bIns="45720" numCol="1" rtlCol="0" anchor="ctr" anchorCtr="0" compatLnSpc="1">
-              <a:prstTxWarp prst="textNoShape">
-                <a:avLst/>
-              </a:prstTxWarp>
-            </a:bodyPr>
+            <a:bodyPr anchor="ctr"/>
             <a:lstStyle/>
             <a:p>
-              <a:pPr marL="0" marR="0" indent="0" algn="ctr" defTabSz="914400" rtl="0" eaLnBrk="0" fontAlgn="base" latinLnBrk="0" hangingPunct="0">
-                <a:lnSpc>
-                  <a:spcPct val="100000"/>
-                </a:lnSpc>
-                <a:spcBef>
-                  <a:spcPct val="0"/>
-                </a:spcBef>
-                <a:spcAft>
-                  <a:spcPct val="0"/>
-                </a:spcAft>
-                <a:buClrTx/>
-                <a:buSzTx/>
-                <a:buFontTx/>
-                <a:buNone/>
-                <a:tabLst/>
-              </a:pPr>
-              <a:endParaRPr kumimoji="0" lang="en-US" sz="3600" b="1" i="0" u="none" strike="noStrike" cap="none" normalizeH="0" baseline="0" dirty="0" smtClean="0">
-                <a:ln>
-                  <a:noFill/>
-                </a:ln>
+              <a:pPr algn="ctr" eaLnBrk="0" hangingPunct="0"/>
+              <a:endParaRPr lang="en-US">
                 <a:solidFill>
                   <a:srgbClr val="FF0066"/>
                 </a:solidFill>
-                <a:effectLst/>
-                <a:latin typeface="Arial" charset="0"/>
               </a:endParaRPr>
             </a:p>
           </p:txBody>
         </p:sp>
         <p:sp>
           <p:nvSpPr>
-            <p:cNvPr id="52" name="Oval 51"/>
-            <p:cNvSpPr/>
+            <p:cNvPr id="24592" name="Oval 51"/>
+            <p:cNvSpPr>
+              <a:spLocks noChangeArrowheads="1"/>
+            </p:cNvSpPr>
             <p:nvPr/>
           </p:nvSpPr>
           <p:spPr bwMode="auto">
@@ -10337,56 +10398,32 @@
             <a:solidFill>
               <a:srgbClr val="FF0000"/>
             </a:solidFill>
-            <a:ln w="9525" cap="flat" cmpd="sng" algn="ctr">
+            <a:ln w="9525" algn="ctr">
               <a:noFill/>
-              <a:prstDash val="solid"/>
               <a:round/>
-              <a:headEnd type="none" w="med" len="med"/>
-              <a:tailEnd type="none" w="med" len="med"/>
+              <a:headEnd/>
+              <a:tailEnd/>
             </a:ln>
-            <a:effectLst/>
           </p:spPr>
           <p:txBody>
-            <a:bodyPr vert="horz" wrap="square" lIns="91440" tIns="45720" rIns="91440" bIns="45720" numCol="1" rtlCol="0" anchor="ctr" anchorCtr="0" compatLnSpc="1">
-              <a:prstTxWarp prst="textNoShape">
-                <a:avLst/>
-              </a:prstTxWarp>
-            </a:bodyPr>
+            <a:bodyPr anchor="ctr"/>
             <a:lstStyle/>
             <a:p>
-              <a:pPr marL="0" marR="0" indent="0" algn="ctr" defTabSz="914400" rtl="0" eaLnBrk="0" fontAlgn="base" latinLnBrk="0" hangingPunct="0">
-                <a:lnSpc>
-                  <a:spcPct val="100000"/>
-                </a:lnSpc>
-                <a:spcBef>
-                  <a:spcPct val="0"/>
-                </a:spcBef>
-                <a:spcAft>
-                  <a:spcPct val="0"/>
-                </a:spcAft>
-                <a:buClrTx/>
-                <a:buSzTx/>
-                <a:buFontTx/>
-                <a:buNone/>
-                <a:tabLst/>
-              </a:pPr>
-              <a:endParaRPr kumimoji="0" lang="en-US" sz="3600" b="1" i="0" u="none" strike="noStrike" cap="none" normalizeH="0" baseline="0" dirty="0" smtClean="0">
-                <a:ln>
-                  <a:noFill/>
-                </a:ln>
+              <a:pPr algn="ctr" eaLnBrk="0" hangingPunct="0"/>
+              <a:endParaRPr lang="en-US">
                 <a:solidFill>
                   <a:srgbClr val="FF0066"/>
                 </a:solidFill>
-                <a:effectLst/>
-                <a:latin typeface="Arial" charset="0"/>
               </a:endParaRPr>
             </a:p>
           </p:txBody>
         </p:sp>
         <p:sp>
           <p:nvSpPr>
-            <p:cNvPr id="54" name="Oval 53"/>
-            <p:cNvSpPr/>
+            <p:cNvPr id="24593" name="Oval 53"/>
+            <p:cNvSpPr>
+              <a:spLocks noChangeArrowheads="1"/>
+            </p:cNvSpPr>
             <p:nvPr/>
           </p:nvSpPr>
           <p:spPr bwMode="auto">
@@ -10400,56 +10437,32 @@
             <a:solidFill>
               <a:srgbClr val="FF0000"/>
             </a:solidFill>
-            <a:ln w="9525" cap="flat" cmpd="sng" algn="ctr">
+            <a:ln w="9525" algn="ctr">
               <a:noFill/>
-              <a:prstDash val="solid"/>
               <a:round/>
-              <a:headEnd type="none" w="med" len="med"/>
-              <a:tailEnd type="none" w="med" len="med"/>
+              <a:headEnd/>
+              <a:tailEnd/>
             </a:ln>
-            <a:effectLst/>
           </p:spPr>
           <p:txBody>
-            <a:bodyPr vert="horz" wrap="square" lIns="91440" tIns="45720" rIns="91440" bIns="45720" numCol="1" rtlCol="0" anchor="ctr" anchorCtr="0" compatLnSpc="1">
-              <a:prstTxWarp prst="textNoShape">
-                <a:avLst/>
-              </a:prstTxWarp>
-            </a:bodyPr>
+            <a:bodyPr anchor="ctr"/>
             <a:lstStyle/>
             <a:p>
-              <a:pPr marL="0" marR="0" indent="0" algn="ctr" defTabSz="914400" rtl="0" eaLnBrk="0" fontAlgn="base" latinLnBrk="0" hangingPunct="0">
-                <a:lnSpc>
-                  <a:spcPct val="100000"/>
-                </a:lnSpc>
-                <a:spcBef>
-                  <a:spcPct val="0"/>
-                </a:spcBef>
-                <a:spcAft>
-                  <a:spcPct val="0"/>
-                </a:spcAft>
-                <a:buClrTx/>
-                <a:buSzTx/>
-                <a:buFontTx/>
-                <a:buNone/>
-                <a:tabLst/>
-              </a:pPr>
-              <a:endParaRPr kumimoji="0" lang="en-US" sz="3600" b="1" i="0" u="none" strike="noStrike" cap="none" normalizeH="0" baseline="0" dirty="0" smtClean="0">
-                <a:ln>
-                  <a:noFill/>
-                </a:ln>
+              <a:pPr algn="ctr" eaLnBrk="0" hangingPunct="0"/>
+              <a:endParaRPr lang="en-US">
                 <a:solidFill>
                   <a:srgbClr val="FF0066"/>
                 </a:solidFill>
-                <a:effectLst/>
-                <a:latin typeface="Arial" charset="0"/>
               </a:endParaRPr>
             </a:p>
           </p:txBody>
         </p:sp>
         <p:sp>
           <p:nvSpPr>
-            <p:cNvPr id="55" name="Oval 54"/>
-            <p:cNvSpPr/>
+            <p:cNvPr id="24594" name="Oval 54"/>
+            <p:cNvSpPr>
+              <a:spLocks noChangeArrowheads="1"/>
+            </p:cNvSpPr>
             <p:nvPr/>
           </p:nvSpPr>
           <p:spPr bwMode="auto">
@@ -10463,48 +10476,22 @@
             <a:solidFill>
               <a:srgbClr val="FF0000"/>
             </a:solidFill>
-            <a:ln w="9525" cap="flat" cmpd="sng" algn="ctr">
+            <a:ln w="9525" algn="ctr">
               <a:noFill/>
-              <a:prstDash val="solid"/>
               <a:round/>
-              <a:headEnd type="none" w="med" len="med"/>
-              <a:tailEnd type="none" w="med" len="med"/>
+              <a:headEnd/>
+              <a:tailEnd/>
             </a:ln>
-            <a:effectLst/>
           </p:spPr>
           <p:txBody>
-            <a:bodyPr vert="horz" wrap="square" lIns="91440" tIns="45720" rIns="91440" bIns="45720" numCol="1" rtlCol="0" anchor="ctr" anchorCtr="0" compatLnSpc="1">
-              <a:prstTxWarp prst="textNoShape">
-                <a:avLst/>
-              </a:prstTxWarp>
-            </a:bodyPr>
+            <a:bodyPr anchor="ctr"/>
             <a:lstStyle/>
             <a:p>
-              <a:pPr marL="0" marR="0" indent="0" algn="ctr" defTabSz="914400" rtl="0" eaLnBrk="0" fontAlgn="base" latinLnBrk="0" hangingPunct="0">
-                <a:lnSpc>
-                  <a:spcPct val="100000"/>
-                </a:lnSpc>
-                <a:spcBef>
-                  <a:spcPct val="0"/>
-                </a:spcBef>
-                <a:spcAft>
-                  <a:spcPct val="0"/>
-                </a:spcAft>
-                <a:buClrTx/>
-                <a:buSzTx/>
-                <a:buFontTx/>
-                <a:buNone/>
-                <a:tabLst/>
-              </a:pPr>
-              <a:endParaRPr kumimoji="0" lang="en-US" sz="3600" b="1" i="0" u="none" strike="noStrike" cap="none" normalizeH="0" baseline="0" dirty="0" smtClean="0">
-                <a:ln>
-                  <a:noFill/>
-                </a:ln>
+              <a:pPr algn="ctr" eaLnBrk="0" hangingPunct="0"/>
+              <a:endParaRPr lang="en-US">
                 <a:solidFill>
                   <a:srgbClr val="FF0066"/>
                 </a:solidFill>
-                <a:effectLst/>
-                <a:latin typeface="Arial" charset="0"/>
               </a:endParaRPr>
             </a:p>
           </p:txBody>
